--- a/MoLOverviewPoster2015.pptx
+++ b/MoLOverviewPoster2015.pptx
@@ -2692,8 +2692,8 @@
           </p:nvSpPr>
           <p:spPr>
             <a:xfrm rot="10800000">
-              <a:off x="19441288" y="1722882"/>
-              <a:ext cx="19385079" cy="14273263"/>
+              <a:off x="19441288" y="1722881"/>
+              <a:ext cx="19030458" cy="14273263"/>
             </a:xfrm>
             <a:prstGeom prst="corner">
               <a:avLst>
@@ -3244,8 +3244,8 @@
         </p:nvSpPr>
         <p:spPr>
           <a:xfrm>
-            <a:off x="27412478" y="-136788"/>
-            <a:ext cx="10977178" cy="1740827"/>
+            <a:off x="27412477" y="-187587"/>
+            <a:ext cx="13005745" cy="1740827"/>
           </a:xfrm>
           <a:prstGeom prst="rect">
             <a:avLst/>
@@ -3265,338 +3265,281 @@
               <a:defRPr sz="1800"/>
             </a:pPr>
             <a:r>
-              <a:rPr sz="8000" dirty="0"/>
-              <a:t>Master of Logic 2015/16</a:t>
+              <a:rPr sz="9000" dirty="0"/>
+              <a:t>Master of Logic 2015/</a:t>
             </a:r>
+            <a:r>
+              <a:rPr sz="9000" dirty="0" smtClean="0"/>
+              <a:t>16</a:t>
+            </a:r>
+            <a:endParaRPr sz="9000" dirty="0"/>
           </a:p>
         </p:txBody>
       </p:sp>
-      <p:sp>
-        <p:nvSpPr>
-          <p:cNvPr id="49" name="Shape 49"/>
-          <p:cNvSpPr/>
+      <p:grpSp>
+        <p:nvGrpSpPr>
+          <p:cNvPr id="4" name="Group 3"/>
+          <p:cNvGrpSpPr/>
           <p:nvPr/>
-        </p:nvSpPr>
-        <p:spPr>
+        </p:nvGrpSpPr>
+        <p:grpSpPr>
           <a:xfrm>
-            <a:off x="641565" y="3491253"/>
-            <a:ext cx="3232741" cy="2069943"/>
+            <a:off x="146049" y="67432"/>
+            <a:ext cx="3462954" cy="2360474"/>
+            <a:chOff x="146049" y="67432"/>
+            <a:chExt cx="3462954" cy="2360474"/>
           </a:xfrm>
-          <a:prstGeom prst="roundRect">
-            <a:avLst>
-              <a:gd name="adj" fmla="val 16667"/>
-            </a:avLst>
-          </a:prstGeom>
-          <a:gradFill flip="none" rotWithShape="1">
-            <a:gsLst>
-              <a:gs pos="0">
-                <a:srgbClr val="3F80CE"/>
-              </a:gs>
-              <a:gs pos="100000">
-                <a:schemeClr val="accent3"/>
-              </a:gs>
-            </a:gsLst>
-            <a:lin ang="5220000" scaled="0"/>
-          </a:gradFill>
-          <a:ln w="76200" cap="flat">
-            <a:solidFill>
-              <a:srgbClr val="000000"/>
-            </a:solidFill>
-            <a:prstDash val="sysDash"/>
-            <a:bevel/>
-          </a:ln>
-          <a:effectLst>
-            <a:outerShdw blurRad="38100" dist="23000" dir="5400000" rotWithShape="0">
-              <a:srgbClr val="000000">
-                <a:alpha val="35000"/>
-              </a:srgbClr>
-            </a:outerShdw>
-          </a:effectLst>
-        </p:spPr>
-        <p:txBody>
-          <a:bodyPr wrap="square" lIns="0" tIns="0" rIns="0" bIns="0" numCol="1" anchor="ctr">
-            <a:noAutofit/>
-          </a:bodyPr>
-          <a:lstStyle/>
-          <a:p>
-            <a:pPr lvl="0" algn="ctr">
-              <a:defRPr sz="1800"/>
-            </a:pPr>
-            <a:r>
-              <a:rPr lang="en-US" sz="2800" dirty="0">
-                <a:solidFill>
-                  <a:srgbClr val="FFFFFF"/>
-                </a:solidFill>
-              </a:rPr>
-              <a:t>Sept-Dec: </a:t>
-            </a:r>
-            <a:br>
-              <a:rPr lang="en-US" sz="2800" dirty="0">
-                <a:solidFill>
-                  <a:srgbClr val="FFFFFF"/>
-                </a:solidFill>
-              </a:rPr>
-            </a:br>
-            <a:r>
-              <a:rPr lang="en-US" sz="2800" dirty="0">
-                <a:solidFill>
-                  <a:srgbClr val="FFFFFF"/>
-                </a:solidFill>
-              </a:rPr>
-              <a:t>Logic, Language and Computation (Aloni) [3EC]</a:t>
-            </a:r>
-          </a:p>
-        </p:txBody>
-      </p:sp>
-      <p:sp>
-        <p:nvSpPr>
-          <p:cNvPr id="233" name="Shape 233"/>
-          <p:cNvSpPr/>
-          <p:nvPr/>
-        </p:nvSpPr>
-        <p:spPr>
-          <a:xfrm>
-            <a:off x="146051" y="67432"/>
-            <a:ext cx="3462952" cy="522049"/>
-          </a:xfrm>
-          <a:prstGeom prst="roundRect">
-            <a:avLst>
-              <a:gd name="adj" fmla="val 16667"/>
-            </a:avLst>
-          </a:prstGeom>
-          <a:gradFill flip="none" rotWithShape="1">
-            <a:gsLst>
-              <a:gs pos="0">
-                <a:srgbClr val="3F80CE"/>
-              </a:gs>
-              <a:gs pos="100000">
-                <a:srgbClr val="A2C3FF"/>
-              </a:gs>
-            </a:gsLst>
-            <a:lin ang="16200000" scaled="0"/>
-          </a:gradFill>
-          <a:ln w="76200" cap="flat">
-            <a:solidFill>
-              <a:srgbClr val="4A7EBB"/>
-            </a:solidFill>
-            <a:prstDash val="solid"/>
-            <a:bevel/>
-          </a:ln>
-          <a:effectLst>
-            <a:outerShdw blurRad="38100" dist="23000" dir="5400000" rotWithShape="0">
-              <a:srgbClr val="000000">
-                <a:alpha val="35000"/>
-              </a:srgbClr>
-            </a:outerShdw>
-          </a:effectLst>
-        </p:spPr>
-        <p:txBody>
-          <a:bodyPr wrap="square" lIns="0" tIns="0" rIns="0" bIns="0" numCol="1" anchor="ctr">
-            <a:noAutofit/>
-          </a:bodyPr>
-          <a:lstStyle/>
-          <a:p>
-            <a:pPr lvl="0" algn="ctr">
-              <a:defRPr sz="1800">
-                <a:solidFill>
-                  <a:srgbClr val="000000"/>
-                </a:solidFill>
-              </a:defRPr>
-            </a:pPr>
-            <a:r>
-              <a:rPr lang="de-DE" sz="2800" dirty="0">
-                <a:solidFill>
-                  <a:srgbClr val="FFFFFF"/>
-                </a:solidFill>
-              </a:rPr>
-              <a:t>Sep/Okt 2015</a:t>
-            </a:r>
-          </a:p>
-        </p:txBody>
-      </p:sp>
-      <p:sp>
-        <p:nvSpPr>
-          <p:cNvPr id="236" name="Shape 236"/>
-          <p:cNvSpPr/>
-          <p:nvPr/>
-        </p:nvSpPr>
-        <p:spPr>
-          <a:xfrm>
-            <a:off x="146051" y="624578"/>
-            <a:ext cx="3462952" cy="546123"/>
-          </a:xfrm>
-          <a:prstGeom prst="roundRect">
-            <a:avLst>
-              <a:gd name="adj" fmla="val 16667"/>
-            </a:avLst>
-          </a:prstGeom>
-          <a:gradFill flip="none" rotWithShape="1">
-            <a:gsLst>
-              <a:gs pos="0">
-                <a:srgbClr val="DAFEA4"/>
-              </a:gs>
-              <a:gs pos="35000">
-                <a:srgbClr val="E4FDBF"/>
-              </a:gs>
-              <a:gs pos="100000">
-                <a:srgbClr val="F5FFE6"/>
-              </a:gs>
-            </a:gsLst>
-            <a:lin ang="16200000" scaled="0"/>
-          </a:gradFill>
-          <a:ln w="9525" cap="flat">
-            <a:solidFill>
-              <a:srgbClr val="98B955"/>
-            </a:solidFill>
-            <a:prstDash val="solid"/>
-            <a:bevel/>
-          </a:ln>
-          <a:effectLst>
-            <a:outerShdw blurRad="38100" dist="20000" dir="5400000" rotWithShape="0">
-              <a:srgbClr val="000000">
-                <a:alpha val="38000"/>
-              </a:srgbClr>
-            </a:outerShdw>
-          </a:effectLst>
-        </p:spPr>
-        <p:txBody>
-          <a:bodyPr wrap="square" lIns="0" tIns="0" rIns="0" bIns="0" numCol="1" anchor="ctr">
-            <a:noAutofit/>
-          </a:bodyPr>
-          <a:lstStyle/>
-          <a:p>
-            <a:pPr lvl="0" algn="ctr">
-              <a:defRPr sz="1800"/>
-            </a:pPr>
-            <a:r>
-              <a:rPr lang="fr-FR" sz="2800" dirty="0"/>
-              <a:t>Nov/Dec 2015</a:t>
-            </a:r>
-          </a:p>
-        </p:txBody>
-      </p:sp>
-      <p:sp>
-        <p:nvSpPr>
-          <p:cNvPr id="239" name="Shape 239"/>
-          <p:cNvSpPr/>
-          <p:nvPr/>
-        </p:nvSpPr>
-        <p:spPr>
-          <a:xfrm>
-            <a:off x="146049" y="1205801"/>
-            <a:ext cx="3462952" cy="596364"/>
-          </a:xfrm>
-          <a:prstGeom prst="roundRect">
-            <a:avLst>
-              <a:gd name="adj" fmla="val 16667"/>
-            </a:avLst>
-          </a:prstGeom>
-          <a:gradFill flip="none" rotWithShape="1">
-            <a:gsLst>
-              <a:gs pos="0">
-                <a:srgbClr val="C8B2E9"/>
-              </a:gs>
-              <a:gs pos="35000">
-                <a:srgbClr val="D8C9EE"/>
-              </a:gs>
-              <a:gs pos="100000">
-                <a:srgbClr val="F0EAF9"/>
-              </a:gs>
-            </a:gsLst>
-            <a:lin ang="16200000" scaled="0"/>
-          </a:gradFill>
-          <a:ln w="9525" cap="flat">
-            <a:solidFill>
-              <a:srgbClr val="7D60A0"/>
-            </a:solidFill>
-            <a:prstDash val="solid"/>
-            <a:bevel/>
-          </a:ln>
-          <a:effectLst>
-            <a:outerShdw blurRad="38100" dist="20000" dir="5400000" rotWithShape="0">
-              <a:srgbClr val="000000">
-                <a:alpha val="38000"/>
-              </a:srgbClr>
-            </a:outerShdw>
-          </a:effectLst>
-        </p:spPr>
-        <p:txBody>
-          <a:bodyPr wrap="square" lIns="0" tIns="0" rIns="0" bIns="0" numCol="1" anchor="ctr">
-            <a:noAutofit/>
-          </a:bodyPr>
-          <a:lstStyle/>
-          <a:p>
-            <a:pPr lvl="0" algn="ctr">
-              <a:defRPr sz="1800"/>
-            </a:pPr>
-            <a:r>
-              <a:rPr lang="en-US" sz="2800" dirty="0"/>
-              <a:t>Feb/Mar 2016</a:t>
-            </a:r>
-          </a:p>
-        </p:txBody>
-      </p:sp>
-      <p:sp>
-        <p:nvSpPr>
-          <p:cNvPr id="242" name="Shape 242"/>
-          <p:cNvSpPr/>
-          <p:nvPr/>
-        </p:nvSpPr>
-        <p:spPr>
-          <a:xfrm>
-            <a:off x="146049" y="1837263"/>
-            <a:ext cx="3462952" cy="590643"/>
-          </a:xfrm>
-          <a:prstGeom prst="roundRect">
-            <a:avLst>
-              <a:gd name="adj" fmla="val 16667"/>
-            </a:avLst>
-          </a:prstGeom>
-          <a:gradFill flip="none" rotWithShape="1">
-            <a:gsLst>
-              <a:gs pos="0">
-                <a:srgbClr val="FFD1BB"/>
-              </a:gs>
-              <a:gs pos="35000">
-                <a:srgbClr val="FFDECF"/>
-              </a:gs>
-              <a:gs pos="100000">
-                <a:srgbClr val="FFF2ED"/>
-              </a:gs>
-            </a:gsLst>
-            <a:lin ang="16200000" scaled="0"/>
-          </a:gradFill>
-          <a:ln w="9525" cap="flat">
-            <a:solidFill>
-              <a:srgbClr val="F69240"/>
-            </a:solidFill>
-            <a:prstDash val="solid"/>
-            <a:bevel/>
-          </a:ln>
-          <a:effectLst>
-            <a:outerShdw blurRad="38100" dist="20000" dir="5400000" rotWithShape="0">
-              <a:srgbClr val="000000">
-                <a:alpha val="38000"/>
-              </a:srgbClr>
-            </a:outerShdw>
-          </a:effectLst>
-        </p:spPr>
-        <p:txBody>
-          <a:bodyPr wrap="square" lIns="0" tIns="0" rIns="0" bIns="0" numCol="1" anchor="ctr">
-            <a:noAutofit/>
-          </a:bodyPr>
-          <a:lstStyle/>
-          <a:p>
-            <a:pPr lvl="0" algn="ctr">
-              <a:defRPr sz="1800"/>
-            </a:pPr>
-            <a:r>
-              <a:rPr lang="en-US" sz="2800" dirty="0"/>
-              <a:t>Apr/May 2016</a:t>
-            </a:r>
-          </a:p>
-        </p:txBody>
-      </p:sp>
+        </p:grpSpPr>
+        <p:sp>
+          <p:nvSpPr>
+            <p:cNvPr id="233" name="Shape 233"/>
+            <p:cNvSpPr/>
+            <p:nvPr/>
+          </p:nvSpPr>
+          <p:spPr>
+            <a:xfrm>
+              <a:off x="146051" y="67432"/>
+              <a:ext cx="3462952" cy="522049"/>
+            </a:xfrm>
+            <a:prstGeom prst="roundRect">
+              <a:avLst>
+                <a:gd name="adj" fmla="val 16667"/>
+              </a:avLst>
+            </a:prstGeom>
+            <a:gradFill flip="none" rotWithShape="1">
+              <a:gsLst>
+                <a:gs pos="0">
+                  <a:srgbClr val="3F80CE"/>
+                </a:gs>
+                <a:gs pos="100000">
+                  <a:srgbClr val="A2C3FF"/>
+                </a:gs>
+              </a:gsLst>
+              <a:lin ang="16200000" scaled="0"/>
+            </a:gradFill>
+            <a:ln w="76200" cap="flat">
+              <a:solidFill>
+                <a:srgbClr val="4A7EBB"/>
+              </a:solidFill>
+              <a:prstDash val="solid"/>
+              <a:bevel/>
+            </a:ln>
+            <a:effectLst>
+              <a:outerShdw blurRad="38100" dist="23000" dir="5400000" rotWithShape="0">
+                <a:srgbClr val="000000">
+                  <a:alpha val="35000"/>
+                </a:srgbClr>
+              </a:outerShdw>
+            </a:effectLst>
+          </p:spPr>
+          <p:txBody>
+            <a:bodyPr wrap="square" lIns="0" tIns="0" rIns="0" bIns="0" numCol="1" anchor="ctr">
+              <a:noAutofit/>
+            </a:bodyPr>
+            <a:lstStyle/>
+            <a:p>
+              <a:pPr lvl="0" algn="ctr">
+                <a:defRPr sz="1800">
+                  <a:solidFill>
+                    <a:srgbClr val="000000"/>
+                  </a:solidFill>
+                </a:defRPr>
+              </a:pPr>
+              <a:r>
+                <a:rPr lang="de-DE" sz="2800" dirty="0">
+                  <a:solidFill>
+                    <a:srgbClr val="FFFFFF"/>
+                  </a:solidFill>
+                </a:rPr>
+                <a:t>Sep/Okt 2015</a:t>
+              </a:r>
+            </a:p>
+          </p:txBody>
+        </p:sp>
+        <p:sp>
+          <p:nvSpPr>
+            <p:cNvPr id="236" name="Shape 236"/>
+            <p:cNvSpPr/>
+            <p:nvPr/>
+          </p:nvSpPr>
+          <p:spPr>
+            <a:xfrm>
+              <a:off x="146051" y="624578"/>
+              <a:ext cx="3462952" cy="546123"/>
+            </a:xfrm>
+            <a:prstGeom prst="roundRect">
+              <a:avLst>
+                <a:gd name="adj" fmla="val 16667"/>
+              </a:avLst>
+            </a:prstGeom>
+            <a:gradFill flip="none" rotWithShape="1">
+              <a:gsLst>
+                <a:gs pos="0">
+                  <a:srgbClr val="DAFEA4"/>
+                </a:gs>
+                <a:gs pos="35000">
+                  <a:srgbClr val="E4FDBF"/>
+                </a:gs>
+                <a:gs pos="100000">
+                  <a:srgbClr val="F5FFE6"/>
+                </a:gs>
+              </a:gsLst>
+              <a:lin ang="16200000" scaled="0"/>
+            </a:gradFill>
+            <a:ln w="9525" cap="flat">
+              <a:solidFill>
+                <a:srgbClr val="98B955"/>
+              </a:solidFill>
+              <a:prstDash val="solid"/>
+              <a:bevel/>
+            </a:ln>
+            <a:effectLst>
+              <a:outerShdw blurRad="38100" dist="20000" dir="5400000" rotWithShape="0">
+                <a:srgbClr val="000000">
+                  <a:alpha val="38000"/>
+                </a:srgbClr>
+              </a:outerShdw>
+            </a:effectLst>
+          </p:spPr>
+          <p:txBody>
+            <a:bodyPr wrap="square" lIns="0" tIns="0" rIns="0" bIns="0" numCol="1" anchor="ctr">
+              <a:noAutofit/>
+            </a:bodyPr>
+            <a:lstStyle/>
+            <a:p>
+              <a:pPr lvl="0" algn="ctr">
+                <a:defRPr sz="1800"/>
+              </a:pPr>
+              <a:r>
+                <a:rPr lang="fr-FR" sz="2800" dirty="0"/>
+                <a:t>Nov/Dec 2015</a:t>
+              </a:r>
+            </a:p>
+          </p:txBody>
+        </p:sp>
+        <p:sp>
+          <p:nvSpPr>
+            <p:cNvPr id="239" name="Shape 239"/>
+            <p:cNvSpPr/>
+            <p:nvPr/>
+          </p:nvSpPr>
+          <p:spPr>
+            <a:xfrm>
+              <a:off x="146049" y="1205801"/>
+              <a:ext cx="3462952" cy="596364"/>
+            </a:xfrm>
+            <a:prstGeom prst="roundRect">
+              <a:avLst>
+                <a:gd name="adj" fmla="val 16667"/>
+              </a:avLst>
+            </a:prstGeom>
+            <a:gradFill flip="none" rotWithShape="1">
+              <a:gsLst>
+                <a:gs pos="0">
+                  <a:srgbClr val="C8B2E9"/>
+                </a:gs>
+                <a:gs pos="35000">
+                  <a:srgbClr val="D8C9EE"/>
+                </a:gs>
+                <a:gs pos="100000">
+                  <a:srgbClr val="F0EAF9"/>
+                </a:gs>
+              </a:gsLst>
+              <a:lin ang="16200000" scaled="0"/>
+            </a:gradFill>
+            <a:ln w="9525" cap="flat">
+              <a:solidFill>
+                <a:srgbClr val="7D60A0"/>
+              </a:solidFill>
+              <a:prstDash val="solid"/>
+              <a:bevel/>
+            </a:ln>
+            <a:effectLst>
+              <a:outerShdw blurRad="38100" dist="20000" dir="5400000" rotWithShape="0">
+                <a:srgbClr val="000000">
+                  <a:alpha val="38000"/>
+                </a:srgbClr>
+              </a:outerShdw>
+            </a:effectLst>
+          </p:spPr>
+          <p:txBody>
+            <a:bodyPr wrap="square" lIns="0" tIns="0" rIns="0" bIns="0" numCol="1" anchor="ctr">
+              <a:noAutofit/>
+            </a:bodyPr>
+            <a:lstStyle/>
+            <a:p>
+              <a:pPr lvl="0" algn="ctr">
+                <a:defRPr sz="1800"/>
+              </a:pPr>
+              <a:r>
+                <a:rPr lang="en-US" sz="2800" dirty="0"/>
+                <a:t>Feb/Mar 2016</a:t>
+              </a:r>
+            </a:p>
+          </p:txBody>
+        </p:sp>
+        <p:sp>
+          <p:nvSpPr>
+            <p:cNvPr id="242" name="Shape 242"/>
+            <p:cNvSpPr/>
+            <p:nvPr/>
+          </p:nvSpPr>
+          <p:spPr>
+            <a:xfrm>
+              <a:off x="146049" y="1837263"/>
+              <a:ext cx="3462952" cy="590643"/>
+            </a:xfrm>
+            <a:prstGeom prst="roundRect">
+              <a:avLst>
+                <a:gd name="adj" fmla="val 16667"/>
+              </a:avLst>
+            </a:prstGeom>
+            <a:gradFill flip="none" rotWithShape="1">
+              <a:gsLst>
+                <a:gs pos="0">
+                  <a:srgbClr val="FFD1BB"/>
+                </a:gs>
+                <a:gs pos="35000">
+                  <a:srgbClr val="FFDECF"/>
+                </a:gs>
+                <a:gs pos="100000">
+                  <a:srgbClr val="FFF2ED"/>
+                </a:gs>
+              </a:gsLst>
+              <a:lin ang="16200000" scaled="0"/>
+            </a:gradFill>
+            <a:ln w="9525" cap="flat">
+              <a:solidFill>
+                <a:srgbClr val="F69240"/>
+              </a:solidFill>
+              <a:prstDash val="solid"/>
+              <a:bevel/>
+            </a:ln>
+            <a:effectLst>
+              <a:outerShdw blurRad="38100" dist="20000" dir="5400000" rotWithShape="0">
+                <a:srgbClr val="000000">
+                  <a:alpha val="38000"/>
+                </a:srgbClr>
+              </a:outerShdw>
+            </a:effectLst>
+          </p:spPr>
+          <p:txBody>
+            <a:bodyPr wrap="square" lIns="0" tIns="0" rIns="0" bIns="0" numCol="1" anchor="ctr">
+              <a:noAutofit/>
+            </a:bodyPr>
+            <a:lstStyle/>
+            <a:p>
+              <a:pPr lvl="0" algn="ctr">
+                <a:defRPr sz="1800"/>
+              </a:pPr>
+              <a:r>
+                <a:rPr lang="en-US" sz="2800" dirty="0"/>
+                <a:t>Apr/May 2016</a:t>
+              </a:r>
+            </a:p>
+          </p:txBody>
+        </p:sp>
+      </p:grpSp>
       <p:sp>
         <p:nvSpPr>
           <p:cNvPr id="140" name="Shape 229"/>
@@ -3649,7 +3592,7 @@
         </p:nvSpPr>
         <p:spPr>
           <a:xfrm>
-            <a:off x="39228434" y="25038700"/>
+            <a:off x="39295275" y="25239235"/>
             <a:ext cx="3449584" cy="2074227"/>
           </a:xfrm>
           <a:prstGeom prst="rect">
@@ -6582,6 +6525,83 @@
           </a:p>
         </p:txBody>
       </p:sp>
+      <p:sp>
+        <p:nvSpPr>
+          <p:cNvPr id="49" name="Shape 49"/>
+          <p:cNvSpPr/>
+          <p:nvPr/>
+        </p:nvSpPr>
+        <p:spPr>
+          <a:xfrm>
+            <a:off x="641565" y="3691788"/>
+            <a:ext cx="3232741" cy="2069943"/>
+          </a:xfrm>
+          <a:prstGeom prst="roundRect">
+            <a:avLst>
+              <a:gd name="adj" fmla="val 16667"/>
+            </a:avLst>
+          </a:prstGeom>
+          <a:gradFill flip="none" rotWithShape="1">
+            <a:gsLst>
+              <a:gs pos="0">
+                <a:srgbClr val="3F80CE"/>
+              </a:gs>
+              <a:gs pos="100000">
+                <a:schemeClr val="accent3"/>
+              </a:gs>
+            </a:gsLst>
+            <a:lin ang="5220000" scaled="0"/>
+          </a:gradFill>
+          <a:ln w="76200" cap="flat">
+            <a:solidFill>
+              <a:srgbClr val="000000"/>
+            </a:solidFill>
+            <a:prstDash val="sysDash"/>
+            <a:bevel/>
+          </a:ln>
+          <a:effectLst>
+            <a:outerShdw blurRad="38100" dist="23000" dir="5400000" rotWithShape="0">
+              <a:srgbClr val="000000">
+                <a:alpha val="35000"/>
+              </a:srgbClr>
+            </a:outerShdw>
+          </a:effectLst>
+        </p:spPr>
+        <p:txBody>
+          <a:bodyPr wrap="square" lIns="0" tIns="0" rIns="0" bIns="0" numCol="1" anchor="ctr">
+            <a:noAutofit/>
+          </a:bodyPr>
+          <a:lstStyle/>
+          <a:p>
+            <a:pPr lvl="0" algn="ctr">
+              <a:defRPr sz="1800"/>
+            </a:pPr>
+            <a:r>
+              <a:rPr lang="en-US" sz="2800" dirty="0">
+                <a:solidFill>
+                  <a:srgbClr val="FFFFFF"/>
+                </a:solidFill>
+              </a:rPr>
+              <a:t>Sept-Dec: </a:t>
+            </a:r>
+            <a:br>
+              <a:rPr lang="en-US" sz="2800" dirty="0">
+                <a:solidFill>
+                  <a:srgbClr val="FFFFFF"/>
+                </a:solidFill>
+              </a:rPr>
+            </a:br>
+            <a:r>
+              <a:rPr lang="en-US" sz="2800" dirty="0">
+                <a:solidFill>
+                  <a:srgbClr val="FFFFFF"/>
+                </a:solidFill>
+              </a:rPr>
+              <a:t>Logic, Language and Computation (Aloni) [3EC]</a:t>
+            </a:r>
+          </a:p>
+        </p:txBody>
+      </p:sp>
       <p:grpSp>
         <p:nvGrpSpPr>
           <p:cNvPr id="27" name="Group 26"/>
@@ -9162,103 +9182,6 @@
       </p:pic>
       <p:sp>
         <p:nvSpPr>
-          <p:cNvPr id="122" name="Shape 230"/>
-          <p:cNvSpPr/>
-          <p:nvPr/>
-        </p:nvSpPr>
-        <p:spPr>
-          <a:xfrm>
-            <a:off x="38755612" y="2112015"/>
-            <a:ext cx="4135120" cy="2639114"/>
-          </a:xfrm>
-          <a:prstGeom prst="rect">
-            <a:avLst/>
-          </a:prstGeom>
-          <a:ln w="12700">
-            <a:miter lim="400000"/>
-          </a:ln>
-          <a:extLst>
-            <a:ext uri="{C572A759-6A51-4108-AA02-DFA0A04FC94B}">
-              <ma14:wrappingTextBoxFlag xmlns:ma14="http://schemas.microsoft.com/office/mac/drawingml/2011/main" val="1"/>
-            </a:ext>
-          </a:extLst>
-        </p:spPr>
-        <p:txBody>
-          <a:bodyPr lIns="208805" tIns="208805" rIns="208805" bIns="208805" anchor="t">
-            <a:normAutofit/>
-          </a:bodyPr>
-          <a:lstStyle>
-            <a:lvl1pPr>
-              <a:defRPr sz="4000"/>
-            </a:lvl1pPr>
-          </a:lstStyle>
-          <a:p>
-            <a:pPr algn="l">
-              <a:defRPr sz="1800"/>
-            </a:pPr>
-            <a:r>
-              <a:rPr lang="en-US" sz="2400" dirty="0" smtClean="0"/>
-              <a:t>Mandatory Courses of Tracks:</a:t>
-            </a:r>
-          </a:p>
-          <a:p>
-            <a:pPr algn="l">
-              <a:defRPr sz="1800"/>
-            </a:pPr>
-            <a:r>
-              <a:rPr lang="en-US" sz="2400" dirty="0" smtClean="0"/>
-              <a:t>L</a:t>
-            </a:r>
-            <a:r>
-              <a:rPr lang="en-US" sz="2400" dirty="0"/>
-              <a:t>&amp;</a:t>
-            </a:r>
-            <a:r>
-              <a:rPr lang="en-US" sz="2400" dirty="0" smtClean="0"/>
-              <a:t>P: Logic &amp; Philosophy</a:t>
-            </a:r>
-          </a:p>
-          <a:p>
-            <a:pPr algn="l">
-              <a:defRPr sz="1800"/>
-            </a:pPr>
-            <a:r>
-              <a:rPr lang="en-US" sz="2400" dirty="0" smtClean="0"/>
-              <a:t>L&amp;L: Logic &amp; Language</a:t>
-            </a:r>
-          </a:p>
-          <a:p>
-            <a:pPr algn="l">
-              <a:defRPr sz="1800"/>
-            </a:pPr>
-            <a:r>
-              <a:rPr lang="en-US" sz="2400" dirty="0" smtClean="0"/>
-              <a:t>L&amp;C: Logic C</a:t>
-            </a:r>
-            <a:r>
-              <a:rPr lang="en-US" sz="2400" dirty="0"/>
-              <a:t>&amp; </a:t>
-            </a:r>
-            <a:r>
-              <a:rPr lang="en-US" sz="2400" dirty="0" err="1"/>
-              <a:t>omputation</a:t>
-            </a:r>
-            <a:endParaRPr lang="en-US" sz="2400" dirty="0" smtClean="0"/>
-          </a:p>
-          <a:p>
-            <a:pPr algn="l">
-              <a:defRPr sz="1800"/>
-            </a:pPr>
-            <a:r>
-              <a:rPr lang="en-US" sz="2400" dirty="0" smtClean="0"/>
-              <a:t>L&amp;M: Logic &amp; Mathematics</a:t>
-            </a:r>
-            <a:endParaRPr sz="2400" dirty="0"/>
-          </a:p>
-        </p:txBody>
-      </p:sp>
-      <p:sp>
-        <p:nvSpPr>
           <p:cNvPr id="123" name="Shape 248"/>
           <p:cNvSpPr/>
           <p:nvPr/>
@@ -10234,6 +10157,249 @@
               </a:defRPr>
             </a:pPr>
             <a:endParaRPr/>
+          </a:p>
+        </p:txBody>
+      </p:sp>
+      <p:sp>
+        <p:nvSpPr>
+          <p:cNvPr id="2" name="Rounded Rectangle 1"/>
+          <p:cNvSpPr/>
+          <p:nvPr/>
+        </p:nvSpPr>
+        <p:spPr>
+          <a:xfrm>
+            <a:off x="38621610" y="2377106"/>
+            <a:ext cx="4000366" cy="2398093"/>
+          </a:xfrm>
+          <a:prstGeom prst="roundRect">
+            <a:avLst/>
+          </a:prstGeom>
+          <a:noFill/>
+          <a:ln w="76200" cap="flat">
+            <a:solidFill>
+              <a:srgbClr val="000000"/>
+            </a:solidFill>
+            <a:prstDash val="solid"/>
+            <a:bevel/>
+          </a:ln>
+          <a:effectLst>
+            <a:outerShdw blurRad="38100" dist="20000" dir="5400000" rotWithShape="0">
+              <a:srgbClr val="000000">
+                <a:alpha val="38000"/>
+              </a:srgbClr>
+            </a:outerShdw>
+          </a:effectLst>
+        </p:spPr>
+        <p:txBody>
+          <a:bodyPr wrap="square" lIns="0" tIns="0" rIns="0" bIns="0" numCol="1" anchor="ctr">
+            <a:noAutofit/>
+          </a:bodyPr>
+          <a:lstStyle/>
+          <a:p>
+            <a:pPr algn="l"/>
+            <a:r>
+              <a:rPr lang="en-US" sz="2400" dirty="0">
+                <a:latin typeface="Calibri"/>
+                <a:ea typeface="Calibri"/>
+                <a:cs typeface="Calibri"/>
+              </a:rPr>
+              <a:t>Mandatory Courses of Tracks:</a:t>
+            </a:r>
+          </a:p>
+          <a:p>
+            <a:pPr algn="l"/>
+            <a:r>
+              <a:rPr lang="en-US" sz="2400" dirty="0">
+                <a:latin typeface="Calibri"/>
+                <a:ea typeface="Calibri"/>
+                <a:cs typeface="Calibri"/>
+              </a:rPr>
+              <a:t>L&amp;P: Logic &amp; Philosophy</a:t>
+            </a:r>
+          </a:p>
+          <a:p>
+            <a:pPr algn="l"/>
+            <a:r>
+              <a:rPr lang="en-US" sz="2400" dirty="0">
+                <a:latin typeface="Calibri"/>
+                <a:ea typeface="Calibri"/>
+                <a:cs typeface="Calibri"/>
+              </a:rPr>
+              <a:t>L&amp;L: Logic &amp; Language</a:t>
+            </a:r>
+          </a:p>
+          <a:p>
+            <a:pPr algn="l"/>
+            <a:r>
+              <a:rPr lang="en-US" sz="2400" dirty="0">
+                <a:latin typeface="Calibri"/>
+                <a:ea typeface="Calibri"/>
+                <a:cs typeface="Calibri"/>
+              </a:rPr>
+              <a:t>L&amp;C: Logic &amp; Computation</a:t>
+            </a:r>
+          </a:p>
+          <a:p>
+            <a:pPr algn="l"/>
+            <a:r>
+              <a:rPr lang="en-US" sz="2400" dirty="0">
+                <a:latin typeface="Calibri"/>
+                <a:ea typeface="Calibri"/>
+                <a:cs typeface="Calibri"/>
+              </a:rPr>
+              <a:t>L&amp;M: Logic &amp; Mathematics</a:t>
+            </a:r>
+            <a:endParaRPr lang="en-US" sz="2400" dirty="0">
+              <a:latin typeface="Calibri"/>
+              <a:ea typeface="Calibri"/>
+              <a:cs typeface="Calibri"/>
+            </a:endParaRPr>
+          </a:p>
+        </p:txBody>
+      </p:sp>
+      <p:sp>
+        <p:nvSpPr>
+          <p:cNvPr id="167" name="Shape 48"/>
+          <p:cNvSpPr txBox="1">
+            <a:spLocks/>
+          </p:cNvSpPr>
+          <p:nvPr/>
+        </p:nvSpPr>
+        <p:spPr>
+          <a:xfrm>
+            <a:off x="27525740" y="1137340"/>
+            <a:ext cx="7811011" cy="644806"/>
+          </a:xfrm>
+          <a:prstGeom prst="rect">
+            <a:avLst/>
+          </a:prstGeom>
+          <a:ln w="12700">
+            <a:miter lim="400000"/>
+          </a:ln>
+          <a:extLst>
+            <a:ext uri="{C572A759-6A51-4108-AA02-DFA0A04FC94B}">
+              <ma14:wrappingTextBoxFlag xmlns:ma14="http://schemas.microsoft.com/office/mac/drawingml/2011/main" val="1"/>
+            </a:ext>
+          </a:extLst>
+        </p:spPr>
+        <p:txBody>
+          <a:bodyPr lIns="208805" tIns="208805" rIns="208805" bIns="208805" anchor="ctr">
+            <a:noAutofit/>
+          </a:bodyPr>
+          <a:lstStyle>
+            <a:lvl1pPr algn="l" defTabSz="2088048">
+              <a:defRPr sz="6000">
+                <a:latin typeface="Calibri"/>
+                <a:ea typeface="Calibri"/>
+                <a:cs typeface="Calibri"/>
+                <a:sym typeface="Calibri"/>
+              </a:defRPr>
+            </a:lvl1pPr>
+            <a:lvl2pPr algn="ctr" defTabSz="2088048">
+              <a:defRPr sz="20100">
+                <a:latin typeface="Calibri"/>
+                <a:ea typeface="Calibri"/>
+                <a:cs typeface="Calibri"/>
+                <a:sym typeface="Calibri"/>
+              </a:defRPr>
+            </a:lvl2pPr>
+            <a:lvl3pPr algn="ctr" defTabSz="2088048">
+              <a:defRPr sz="20100">
+                <a:latin typeface="Calibri"/>
+                <a:ea typeface="Calibri"/>
+                <a:cs typeface="Calibri"/>
+                <a:sym typeface="Calibri"/>
+              </a:defRPr>
+            </a:lvl3pPr>
+            <a:lvl4pPr algn="ctr" defTabSz="2088048">
+              <a:defRPr sz="20100">
+                <a:latin typeface="Calibri"/>
+                <a:ea typeface="Calibri"/>
+                <a:cs typeface="Calibri"/>
+                <a:sym typeface="Calibri"/>
+              </a:defRPr>
+            </a:lvl4pPr>
+            <a:lvl5pPr algn="ctr" defTabSz="2088048">
+              <a:defRPr sz="20100">
+                <a:latin typeface="Calibri"/>
+                <a:ea typeface="Calibri"/>
+                <a:cs typeface="Calibri"/>
+                <a:sym typeface="Calibri"/>
+              </a:defRPr>
+            </a:lvl5pPr>
+            <a:lvl6pPr algn="ctr" defTabSz="2088048">
+              <a:defRPr sz="20100">
+                <a:latin typeface="Calibri"/>
+                <a:ea typeface="Calibri"/>
+                <a:cs typeface="Calibri"/>
+                <a:sym typeface="Calibri"/>
+              </a:defRPr>
+            </a:lvl6pPr>
+            <a:lvl7pPr algn="ctr" defTabSz="2088048">
+              <a:defRPr sz="20100">
+                <a:latin typeface="Calibri"/>
+                <a:ea typeface="Calibri"/>
+                <a:cs typeface="Calibri"/>
+                <a:sym typeface="Calibri"/>
+              </a:defRPr>
+            </a:lvl7pPr>
+            <a:lvl8pPr algn="ctr" defTabSz="2088048">
+              <a:defRPr sz="20100">
+                <a:latin typeface="Calibri"/>
+                <a:ea typeface="Calibri"/>
+                <a:cs typeface="Calibri"/>
+                <a:sym typeface="Calibri"/>
+              </a:defRPr>
+            </a:lvl8pPr>
+            <a:lvl9pPr algn="ctr" defTabSz="2088048">
+              <a:defRPr sz="20100">
+                <a:latin typeface="Calibri"/>
+                <a:ea typeface="Calibri"/>
+                <a:cs typeface="Calibri"/>
+                <a:sym typeface="Calibri"/>
+              </a:defRPr>
+            </a:lvl9pPr>
+          </a:lstStyle>
+          <a:p>
+            <a:pPr>
+              <a:defRPr sz="1800"/>
+            </a:pPr>
+            <a:r>
+              <a:rPr lang="en-US" sz="2000" dirty="0"/>
+              <a:t>v0.5: </a:t>
+            </a:r>
+            <a:r>
+              <a:rPr lang="en-US" sz="2000" dirty="0" smtClean="0"/>
+              <a:t>https</a:t>
+            </a:r>
+            <a:r>
+              <a:rPr lang="en-US" sz="2000" dirty="0"/>
+              <a:t>://</a:t>
+            </a:r>
+            <a:r>
+              <a:rPr lang="en-US" sz="2000" dirty="0" err="1"/>
+              <a:t>github.com</a:t>
+            </a:r>
+            <a:r>
+              <a:rPr lang="en-US" sz="2000" dirty="0"/>
+              <a:t>/</a:t>
+            </a:r>
+            <a:r>
+              <a:rPr lang="en-US" sz="2000" dirty="0" err="1"/>
+              <a:t>cschaffner</a:t>
+            </a:r>
+            <a:r>
+              <a:rPr lang="en-US" sz="2000" dirty="0"/>
+              <a:t>/</a:t>
+            </a:r>
+            <a:r>
+              <a:rPr lang="en-US" sz="2000" dirty="0" err="1"/>
+              <a:t>MoLOverviewPoster</a:t>
+            </a:r>
+            <a:r>
+              <a:rPr lang="en-US" sz="2000" dirty="0"/>
+              <a:t> </a:t>
+            </a:r>
           </a:p>
         </p:txBody>
       </p:sp>

--- a/MoLOverviewPoster2015.pptx
+++ b/MoLOverviewPoster2015.pptx
@@ -10249,11 +10249,6 @@
               </a:rPr>
               <a:t>L&amp;M: Logic &amp; Mathematics</a:t>
             </a:r>
-            <a:endParaRPr lang="en-US" sz="2400" dirty="0">
-              <a:latin typeface="Calibri"/>
-              <a:ea typeface="Calibri"/>
-              <a:cs typeface="Calibri"/>
-            </a:endParaRPr>
           </a:p>
         </p:txBody>
       </p:sp>
@@ -10400,6 +10395,48 @@
               <a:rPr lang="en-US" sz="2000" dirty="0"/>
               <a:t> </a:t>
             </a:r>
+          </a:p>
+        </p:txBody>
+      </p:sp>
+      <p:sp>
+        <p:nvSpPr>
+          <p:cNvPr id="173" name="Shape 248"/>
+          <p:cNvSpPr/>
+          <p:nvPr/>
+        </p:nvSpPr>
+        <p:spPr>
+          <a:xfrm flipV="1">
+            <a:off x="21863365" y="13353665"/>
+            <a:ext cx="920517" cy="784305"/>
+          </a:xfrm>
+          <a:prstGeom prst="line">
+            <a:avLst/>
+          </a:prstGeom>
+          <a:ln w="76200">
+            <a:solidFill/>
+            <a:headEnd type="triangle"/>
+          </a:ln>
+          <a:effectLst>
+            <a:outerShdw blurRad="38100" dist="20000" dir="5400000" rotWithShape="0">
+              <a:srgbClr val="000000">
+                <a:alpha val="38000"/>
+              </a:srgbClr>
+            </a:outerShdw>
+          </a:effectLst>
+        </p:spPr>
+        <p:txBody>
+          <a:bodyPr lIns="0" tIns="0" rIns="0" bIns="0"/>
+          <a:lstStyle/>
+          <a:p>
+            <a:pPr lvl="0" algn="ctr" defTabSz="457200">
+              <a:defRPr sz="1200">
+                <a:latin typeface="+mn-lt"/>
+                <a:ea typeface="+mn-ea"/>
+                <a:cs typeface="+mn-cs"/>
+                <a:sym typeface="Helvetica"/>
+              </a:defRPr>
+            </a:pPr>
+            <a:endParaRPr/>
           </a:p>
         </p:txBody>
       </p:sp>

--- a/MoLOverviewPoster2015.pptx
+++ b/MoLOverviewPoster2015.pptx
@@ -2692,8 +2692,8 @@
           </p:nvSpPr>
           <p:spPr>
             <a:xfrm rot="10800000">
-              <a:off x="19441288" y="1722881"/>
-              <a:ext cx="19030458" cy="14273263"/>
+              <a:off x="17249258" y="2377105"/>
+              <a:ext cx="21222488" cy="13619037"/>
             </a:xfrm>
             <a:prstGeom prst="corner">
               <a:avLst>
@@ -2760,8 +2760,8 @@
           </p:nvSpPr>
           <p:spPr>
             <a:xfrm>
-              <a:off x="3884323" y="6555063"/>
-              <a:ext cx="22380888" cy="10638706"/>
+              <a:off x="3018273" y="6555063"/>
+              <a:ext cx="23521538" cy="10638706"/>
             </a:xfrm>
             <a:prstGeom prst="roundRect">
               <a:avLst>
@@ -2894,8 +2894,8 @@
           </p:nvSpPr>
           <p:spPr>
             <a:xfrm>
-              <a:off x="14415490" y="9678448"/>
-              <a:ext cx="19406087" cy="10776571"/>
+              <a:off x="11500298" y="9678448"/>
+              <a:ext cx="22321280" cy="10776571"/>
             </a:xfrm>
             <a:prstGeom prst="roundRect">
               <a:avLst>
@@ -3548,7 +3548,7 @@
         </p:nvSpPr>
         <p:spPr>
           <a:xfrm>
-            <a:off x="264978" y="15864854"/>
+            <a:off x="230653" y="16619960"/>
             <a:ext cx="3327707" cy="1700894"/>
           </a:xfrm>
           <a:prstGeom prst="rect">
@@ -3680,10 +3680,10 @@
         </p:nvGrpSpPr>
         <p:grpSpPr>
           <a:xfrm>
-            <a:off x="3749859" y="5445738"/>
-            <a:ext cx="25192178" cy="21009526"/>
-            <a:chOff x="3749859" y="5445738"/>
-            <a:chExt cx="25192178" cy="21009526"/>
+            <a:off x="3749859" y="5977229"/>
+            <a:ext cx="25192178" cy="20478035"/>
+            <a:chOff x="3749859" y="5977229"/>
+            <a:chExt cx="25192178" cy="20478035"/>
           </a:xfrm>
         </p:grpSpPr>
         <p:sp>
@@ -3694,8 +3694,8 @@
           </p:nvSpPr>
           <p:spPr>
             <a:xfrm>
-              <a:off x="5230149" y="9678448"/>
-              <a:ext cx="17224321" cy="2081453"/>
+              <a:off x="5218013" y="10209654"/>
+              <a:ext cx="17364992" cy="3610198"/>
             </a:xfrm>
             <a:prstGeom prst="line">
               <a:avLst/>
@@ -3783,7 +3783,7 @@
           <p:spPr>
             <a:xfrm>
               <a:off x="5307164" y="10431449"/>
-              <a:ext cx="9963737" cy="4713581"/>
+              <a:ext cx="6649239" cy="1940843"/>
             </a:xfrm>
             <a:prstGeom prst="line">
               <a:avLst/>
@@ -4091,7 +4091,7 @@
           <p:spPr>
             <a:xfrm>
               <a:off x="5163298" y="10209654"/>
-              <a:ext cx="14277990" cy="4028823"/>
+              <a:ext cx="13028886" cy="4935376"/>
             </a:xfrm>
             <a:prstGeom prst="line">
               <a:avLst/>
@@ -4179,7 +4179,7 @@
           <p:spPr>
             <a:xfrm>
               <a:off x="5231353" y="10189529"/>
-              <a:ext cx="23710684" cy="4627420"/>
+              <a:ext cx="23710684" cy="4105828"/>
             </a:xfrm>
             <a:prstGeom prst="line">
               <a:avLst/>
@@ -4266,8 +4266,8 @@
           </p:nvSpPr>
           <p:spPr>
             <a:xfrm flipV="1">
-              <a:off x="5475767" y="8809463"/>
-              <a:ext cx="16387599" cy="513489"/>
+              <a:off x="5475767" y="8403368"/>
+              <a:ext cx="13945393" cy="919584"/>
             </a:xfrm>
             <a:prstGeom prst="line">
               <a:avLst/>
@@ -4310,8 +4310,8 @@
           </p:nvSpPr>
           <p:spPr>
             <a:xfrm flipV="1">
-              <a:off x="5442087" y="6045109"/>
-              <a:ext cx="17415346" cy="3088776"/>
+              <a:off x="5442087" y="6370787"/>
+              <a:ext cx="17415346" cy="2763097"/>
             </a:xfrm>
             <a:prstGeom prst="line">
               <a:avLst/>
@@ -4354,8 +4354,8 @@
           </p:nvSpPr>
           <p:spPr>
             <a:xfrm flipV="1">
-              <a:off x="5368537" y="7620145"/>
-              <a:ext cx="6131760" cy="1288412"/>
+              <a:off x="5442087" y="8544985"/>
+              <a:ext cx="6058210" cy="725201"/>
             </a:xfrm>
             <a:prstGeom prst="line">
               <a:avLst/>
@@ -4398,7 +4398,7 @@
           </p:nvSpPr>
           <p:spPr>
             <a:xfrm flipV="1">
-              <a:off x="5138961" y="8197430"/>
+              <a:off x="5138961" y="8403368"/>
               <a:ext cx="2231637" cy="539986"/>
             </a:xfrm>
             <a:prstGeom prst="line">
@@ -4442,8 +4442,8 @@
           </p:nvSpPr>
           <p:spPr>
             <a:xfrm flipV="1">
-              <a:off x="4708204" y="5445738"/>
-              <a:ext cx="14861621" cy="3099248"/>
+              <a:off x="4896573" y="5977229"/>
+              <a:ext cx="12564597" cy="2832232"/>
             </a:xfrm>
             <a:prstGeom prst="line">
               <a:avLst/>
@@ -5818,10 +5818,10 @@
         </p:nvGrpSpPr>
         <p:grpSpPr>
           <a:xfrm>
-            <a:off x="14729166" y="10209654"/>
-            <a:ext cx="12145325" cy="9880621"/>
-            <a:chOff x="14729166" y="10209654"/>
-            <a:chExt cx="12145325" cy="9880621"/>
+            <a:off x="11956404" y="10360252"/>
+            <a:ext cx="14815112" cy="9730023"/>
+            <a:chOff x="11956404" y="10360252"/>
+            <a:chExt cx="14815112" cy="9730023"/>
           </a:xfrm>
         </p:grpSpPr>
         <p:sp>
@@ -5832,7 +5832,7 @@
           </p:nvSpPr>
           <p:spPr>
             <a:xfrm>
-              <a:off x="19441292" y="14245018"/>
+              <a:off x="18561834" y="14245018"/>
               <a:ext cx="3013179" cy="2429822"/>
             </a:xfrm>
             <a:prstGeom prst="roundRect">
@@ -5970,7 +5970,7 @@
           </p:nvSpPr>
           <p:spPr>
             <a:xfrm>
-              <a:off x="18850187" y="10807238"/>
+              <a:off x="19421161" y="10807238"/>
               <a:ext cx="3013179" cy="2078461"/>
             </a:xfrm>
             <a:prstGeom prst="roundRect">
@@ -6039,10 +6039,10 @@
           </p:nvGrpSpPr>
           <p:grpSpPr>
             <a:xfrm>
-              <a:off x="22783883" y="10555576"/>
-              <a:ext cx="4090608" cy="2752825"/>
-              <a:chOff x="25106483" y="10345549"/>
-              <a:chExt cx="4090608" cy="2752825"/>
+              <a:off x="22768106" y="11550943"/>
+              <a:ext cx="4003410" cy="2744414"/>
+              <a:chOff x="25090706" y="11340916"/>
+              <a:chExt cx="4003410" cy="2744414"/>
             </a:xfrm>
           </p:grpSpPr>
           <p:sp>
@@ -6053,7 +6053,7 @@
             </p:nvSpPr>
             <p:spPr>
               <a:xfrm>
-                <a:off x="25106483" y="10668552"/>
+                <a:off x="25090706" y="11655508"/>
                 <a:ext cx="3314497" cy="2429822"/>
               </a:xfrm>
               <a:prstGeom prst="roundRect">
@@ -6130,7 +6130,7 @@
             </p:nvSpPr>
             <p:spPr>
               <a:xfrm>
-                <a:off x="26747955" y="10345549"/>
+                <a:off x="26644980" y="11340916"/>
                 <a:ext cx="2449136" cy="1204325"/>
               </a:xfrm>
               <a:prstGeom prst="rect">
@@ -6175,10 +6175,10 @@
           </p:nvGrpSpPr>
           <p:grpSpPr>
             <a:xfrm>
-              <a:off x="14729166" y="10209654"/>
-              <a:ext cx="3594998" cy="2781245"/>
-              <a:chOff x="16573614" y="10055411"/>
-              <a:chExt cx="3594997" cy="3059338"/>
+              <a:off x="15403871" y="10360252"/>
+              <a:ext cx="3768689" cy="2757031"/>
+              <a:chOff x="17248319" y="10221067"/>
+              <a:chExt cx="3768688" cy="3032703"/>
             </a:xfrm>
           </p:grpSpPr>
           <p:sp>
@@ -6189,8 +6189,8 @@
             </p:nvSpPr>
             <p:spPr>
               <a:xfrm>
-                <a:off x="16666539" y="10331941"/>
-                <a:ext cx="3405438" cy="2782808"/>
+                <a:off x="17439944" y="10470961"/>
+                <a:ext cx="3405438" cy="2782809"/>
               </a:xfrm>
               <a:prstGeom prst="roundRect">
                 <a:avLst>
@@ -6271,7 +6271,7 @@
             </p:nvSpPr>
             <p:spPr>
               <a:xfrm>
-                <a:off x="18670639" y="10055411"/>
+                <a:off x="19519035" y="10221067"/>
                 <a:ext cx="1497972" cy="1204325"/>
               </a:xfrm>
               <a:prstGeom prst="rect">
@@ -6315,7 +6315,7 @@
             </p:nvSpPr>
             <p:spPr>
               <a:xfrm>
-                <a:off x="16573614" y="10055411"/>
+                <a:off x="17248319" y="10222989"/>
                 <a:ext cx="1497972" cy="1204325"/>
               </a:xfrm>
               <a:prstGeom prst="rect">
@@ -6360,10 +6360,10 @@
           </p:nvGrpSpPr>
           <p:grpSpPr>
             <a:xfrm>
-              <a:off x="15270901" y="13940705"/>
-              <a:ext cx="3579286" cy="2693932"/>
-              <a:chOff x="6533815" y="8515490"/>
-              <a:chExt cx="3579286" cy="2693932"/>
+              <a:off x="11956404" y="10375666"/>
+              <a:ext cx="3457391" cy="2725061"/>
+              <a:chOff x="3219318" y="4950451"/>
+              <a:chExt cx="3457391" cy="2725061"/>
             </a:xfrm>
           </p:grpSpPr>
           <p:sp>
@@ -6374,7 +6374,7 @@
             </p:nvSpPr>
             <p:spPr>
               <a:xfrm>
-                <a:off x="6533815" y="8779600"/>
+                <a:off x="3219318" y="5245690"/>
                 <a:ext cx="3314497" cy="2429822"/>
               </a:xfrm>
               <a:prstGeom prst="roundRect">
@@ -6443,7 +6443,7 @@
             </p:nvSpPr>
             <p:spPr>
               <a:xfrm>
-                <a:off x="8615129" y="8515490"/>
+                <a:off x="5178737" y="4950451"/>
                 <a:ext cx="1497972" cy="1204325"/>
               </a:xfrm>
               <a:prstGeom prst="rect">
@@ -6522,83 +6522,6 @@
               <a:t>L&amp;M</a:t>
             </a:r>
             <a:endParaRPr sz="3400" dirty="0"/>
-          </a:p>
-        </p:txBody>
-      </p:sp>
-      <p:sp>
-        <p:nvSpPr>
-          <p:cNvPr id="49" name="Shape 49"/>
-          <p:cNvSpPr/>
-          <p:nvPr/>
-        </p:nvSpPr>
-        <p:spPr>
-          <a:xfrm>
-            <a:off x="641565" y="3691788"/>
-            <a:ext cx="3232741" cy="2069943"/>
-          </a:xfrm>
-          <a:prstGeom prst="roundRect">
-            <a:avLst>
-              <a:gd name="adj" fmla="val 16667"/>
-            </a:avLst>
-          </a:prstGeom>
-          <a:gradFill flip="none" rotWithShape="1">
-            <a:gsLst>
-              <a:gs pos="0">
-                <a:srgbClr val="3F80CE"/>
-              </a:gs>
-              <a:gs pos="100000">
-                <a:schemeClr val="accent3"/>
-              </a:gs>
-            </a:gsLst>
-            <a:lin ang="5220000" scaled="0"/>
-          </a:gradFill>
-          <a:ln w="76200" cap="flat">
-            <a:solidFill>
-              <a:srgbClr val="000000"/>
-            </a:solidFill>
-            <a:prstDash val="sysDash"/>
-            <a:bevel/>
-          </a:ln>
-          <a:effectLst>
-            <a:outerShdw blurRad="38100" dist="23000" dir="5400000" rotWithShape="0">
-              <a:srgbClr val="000000">
-                <a:alpha val="35000"/>
-              </a:srgbClr>
-            </a:outerShdw>
-          </a:effectLst>
-        </p:spPr>
-        <p:txBody>
-          <a:bodyPr wrap="square" lIns="0" tIns="0" rIns="0" bIns="0" numCol="1" anchor="ctr">
-            <a:noAutofit/>
-          </a:bodyPr>
-          <a:lstStyle/>
-          <a:p>
-            <a:pPr lvl="0" algn="ctr">
-              <a:defRPr sz="1800"/>
-            </a:pPr>
-            <a:r>
-              <a:rPr lang="en-US" sz="2800" dirty="0">
-                <a:solidFill>
-                  <a:srgbClr val="FFFFFF"/>
-                </a:solidFill>
-              </a:rPr>
-              <a:t>Sept-Dec: </a:t>
-            </a:r>
-            <a:br>
-              <a:rPr lang="en-US" sz="2800" dirty="0">
-                <a:solidFill>
-                  <a:srgbClr val="FFFFFF"/>
-                </a:solidFill>
-              </a:rPr>
-            </a:br>
-            <a:r>
-              <a:rPr lang="en-US" sz="2800" dirty="0">
-                <a:solidFill>
-                  <a:srgbClr val="FFFFFF"/>
-                </a:solidFill>
-              </a:rPr>
-              <a:t>Logic, Language and Computation (Aloni) [3EC]</a:t>
-            </a:r>
           </a:p>
         </p:txBody>
       </p:sp>
@@ -7043,7 +6966,7 @@
         </p:nvSpPr>
         <p:spPr>
           <a:xfrm>
-            <a:off x="32901067" y="1192527"/>
+            <a:off x="33798527" y="1810341"/>
             <a:ext cx="4375667" cy="2074227"/>
           </a:xfrm>
           <a:prstGeom prst="rect">
@@ -7087,7 +7010,7 @@
         </p:nvSpPr>
         <p:spPr>
           <a:xfrm>
-            <a:off x="162882" y="6555063"/>
+            <a:off x="3018273" y="6370788"/>
             <a:ext cx="3741136" cy="2506353"/>
           </a:xfrm>
           <a:prstGeom prst="rect">
@@ -7112,7 +7035,7 @@
             </a:lvl1pPr>
           </a:lstStyle>
           <a:p>
-            <a:pPr lvl="0" algn="r">
+            <a:pPr lvl="0" algn="l">
               <a:defRPr sz="1800"/>
             </a:pPr>
             <a:r>
@@ -7125,16 +7048,16 @@
       </p:sp>
       <p:grpSp>
         <p:nvGrpSpPr>
-          <p:cNvPr id="26" name="Group 25"/>
+          <p:cNvPr id="6" name="Group 5"/>
           <p:cNvGrpSpPr/>
           <p:nvPr/>
         </p:nvGrpSpPr>
         <p:grpSpPr>
           <a:xfrm>
-            <a:off x="5572913" y="400350"/>
-            <a:ext cx="20702006" cy="9127733"/>
-            <a:chOff x="5572913" y="400350"/>
-            <a:chExt cx="20702006" cy="9127733"/>
+            <a:off x="6523912" y="538901"/>
+            <a:ext cx="20237400" cy="8851890"/>
+            <a:chOff x="6523912" y="538901"/>
+            <a:chExt cx="20237400" cy="8851890"/>
           </a:xfrm>
         </p:grpSpPr>
         <p:sp>
@@ -7145,7 +7068,7 @@
           </p:nvSpPr>
           <p:spPr>
             <a:xfrm>
-              <a:off x="19800747" y="2520775"/>
+              <a:off x="17461170" y="2936809"/>
               <a:ext cx="3056686" cy="3040421"/>
             </a:xfrm>
             <a:prstGeom prst="roundRect">
@@ -7211,7 +7134,7 @@
           </p:nvSpPr>
           <p:spPr>
             <a:xfrm>
-              <a:off x="23204297" y="4157246"/>
+              <a:off x="23867229" y="3398339"/>
               <a:ext cx="2894083" cy="1887863"/>
             </a:xfrm>
             <a:prstGeom prst="roundRect">
@@ -7293,7 +7216,7 @@
           </p:nvSpPr>
           <p:spPr>
             <a:xfrm>
-              <a:off x="16313484" y="767666"/>
+              <a:off x="13881498" y="538901"/>
               <a:ext cx="2778806" cy="2404676"/>
             </a:xfrm>
             <a:prstGeom prst="roundRect">
@@ -7375,7 +7298,7 @@
           </p:nvSpPr>
           <p:spPr>
             <a:xfrm>
-              <a:off x="15720530" y="3931918"/>
+              <a:off x="13773524" y="3931918"/>
               <a:ext cx="2778806" cy="1887863"/>
             </a:xfrm>
             <a:prstGeom prst="roundRect">
@@ -7457,7 +7380,7 @@
           </p:nvSpPr>
           <p:spPr>
             <a:xfrm>
-              <a:off x="12257724" y="3660938"/>
+              <a:off x="20628440" y="2936809"/>
               <a:ext cx="3013177" cy="2429822"/>
             </a:xfrm>
             <a:prstGeom prst="roundRect">
@@ -7526,7 +7449,7 @@
           </p:nvSpPr>
           <p:spPr>
             <a:xfrm>
-              <a:off x="6548646" y="698866"/>
+              <a:off x="10092141" y="3726111"/>
               <a:ext cx="3013179" cy="2429822"/>
             </a:xfrm>
             <a:prstGeom prst="roundRect">
@@ -7595,7 +7518,7 @@
           </p:nvSpPr>
           <p:spPr>
             <a:xfrm>
-              <a:off x="7409085" y="7098261"/>
+              <a:off x="6523912" y="6840365"/>
               <a:ext cx="3013179" cy="2429822"/>
             </a:xfrm>
             <a:prstGeom prst="roundRect">
@@ -7664,7 +7587,7 @@
           </p:nvSpPr>
           <p:spPr>
             <a:xfrm>
-              <a:off x="5572913" y="3660938"/>
+              <a:off x="7226705" y="976075"/>
               <a:ext cx="3013179" cy="2429822"/>
             </a:xfrm>
             <a:prstGeom prst="roundRect">
@@ -7733,7 +7656,7 @@
           </p:nvSpPr>
           <p:spPr>
             <a:xfrm>
-              <a:off x="23261740" y="2021887"/>
+              <a:off x="22918765" y="5763293"/>
               <a:ext cx="3013179" cy="1872025"/>
             </a:xfrm>
             <a:prstGeom prst="roundRect">
@@ -7802,7 +7725,7 @@
           </p:nvSpPr>
           <p:spPr>
             <a:xfrm>
-              <a:off x="8915675" y="3660938"/>
+              <a:off x="6548646" y="3660938"/>
               <a:ext cx="3013179" cy="2429822"/>
             </a:xfrm>
             <a:prstGeom prst="roundRect">
@@ -7871,7 +7794,7 @@
           </p:nvSpPr>
           <p:spPr>
             <a:xfrm>
-              <a:off x="22434340" y="6840365"/>
+              <a:off x="19569825" y="6960969"/>
               <a:ext cx="3013179" cy="2429822"/>
             </a:xfrm>
             <a:prstGeom prst="roundRect">
@@ -7940,7 +7863,7 @@
           </p:nvSpPr>
           <p:spPr>
             <a:xfrm>
-              <a:off x="11500297" y="7098261"/>
+              <a:off x="11603272" y="6960969"/>
               <a:ext cx="3013179" cy="2429822"/>
             </a:xfrm>
             <a:prstGeom prst="roundRect">
@@ -8001,134 +7924,211 @@
             </a:p>
           </p:txBody>
         </p:sp>
-        <p:grpSp>
-          <p:nvGrpSpPr>
-            <p:cNvPr id="5" name="Group 4"/>
-            <p:cNvGrpSpPr/>
+        <p:sp>
+          <p:nvSpPr>
+            <p:cNvPr id="178" name="Shape 178"/>
+            <p:cNvSpPr/>
             <p:nvPr/>
-          </p:nvGrpSpPr>
-          <p:grpSpPr>
+          </p:nvSpPr>
+          <p:spPr>
             <a:xfrm>
-              <a:off x="10438788" y="400350"/>
-              <a:ext cx="3407524" cy="2803629"/>
-              <a:chOff x="19611062" y="1926073"/>
-              <a:chExt cx="3407524" cy="2803629"/>
+              <a:off x="10239884" y="976075"/>
+              <a:ext cx="3013179" cy="2429822"/>
             </a:xfrm>
-          </p:grpSpPr>
-          <p:sp>
-            <p:nvSpPr>
-              <p:cNvPr id="178" name="Shape 178"/>
-              <p:cNvSpPr/>
-              <p:nvPr/>
-            </p:nvSpPr>
-            <p:spPr>
-              <a:xfrm>
-                <a:off x="19611062" y="2299880"/>
-                <a:ext cx="3013179" cy="2429822"/>
-              </a:xfrm>
-              <a:prstGeom prst="roundRect">
-                <a:avLst>
-                  <a:gd name="adj" fmla="val 16667"/>
-                </a:avLst>
-              </a:prstGeom>
-              <a:gradFill flip="none" rotWithShape="1">
-                <a:gsLst>
-                  <a:gs pos="0">
-                    <a:srgbClr val="FFD1BB"/>
-                  </a:gs>
-                  <a:gs pos="35000">
-                    <a:srgbClr val="FFDECF"/>
-                  </a:gs>
-                  <a:gs pos="100000">
-                    <a:srgbClr val="FFF2ED"/>
-                  </a:gs>
-                </a:gsLst>
-                <a:lin ang="16200000" scaled="0"/>
-              </a:gradFill>
-              <a:ln w="9525" cap="flat">
-                <a:solidFill>
-                  <a:srgbClr val="F69240"/>
-                </a:solidFill>
-                <a:prstDash val="solid"/>
-                <a:bevel/>
-              </a:ln>
-              <a:effectLst>
-                <a:outerShdw blurRad="38100" dist="20000" dir="5400000" rotWithShape="0">
-                  <a:srgbClr val="000000">
-                    <a:alpha val="38000"/>
-                  </a:srgbClr>
-                </a:outerShdw>
-              </a:effectLst>
-            </p:spPr>
-            <p:txBody>
-              <a:bodyPr wrap="square" lIns="0" tIns="0" rIns="0" bIns="0" numCol="1" anchor="ctr">
-                <a:noAutofit/>
-              </a:bodyPr>
-              <a:lstStyle/>
-              <a:p>
-                <a:pPr lvl="0" algn="ctr">
-                  <a:defRPr sz="1800"/>
-                </a:pPr>
-                <a:r>
-                  <a:rPr lang="en-US" sz="2800" dirty="0" smtClean="0"/>
-                  <a:t>[</a:t>
-                </a:r>
-                <a:r>
-                  <a:rPr lang="en-US" sz="2800" dirty="0" err="1" smtClean="0"/>
-                  <a:t>MoL</a:t>
-                </a:r>
-                <a:r>
-                  <a:rPr lang="en-US" sz="2800" dirty="0"/>
-                  <a:t>-FGW] Wittgenstein's Relevance: Perspectives (Stokhof)</a:t>
-                </a:r>
-              </a:p>
-            </p:txBody>
-          </p:sp>
-          <p:sp>
-            <p:nvSpPr>
-              <p:cNvPr id="108" name="Shape 230"/>
-              <p:cNvSpPr/>
-              <p:nvPr/>
-            </p:nvSpPr>
-            <p:spPr>
-              <a:xfrm>
-                <a:off x="21520614" y="1926073"/>
-                <a:ext cx="1497972" cy="1204325"/>
-              </a:xfrm>
-              <a:prstGeom prst="rect">
-                <a:avLst/>
-              </a:prstGeom>
-              <a:ln w="12700">
-                <a:miter lim="400000"/>
-              </a:ln>
-              <a:extLst>
-                <a:ext uri="{C572A759-6A51-4108-AA02-DFA0A04FC94B}">
-                  <ma14:wrappingTextBoxFlag xmlns:ma14="http://schemas.microsoft.com/office/mac/drawingml/2011/main" val="1"/>
-                </a:ext>
-              </a:extLst>
-            </p:spPr>
-            <p:txBody>
-              <a:bodyPr lIns="208805" tIns="208805" rIns="208805" bIns="208805" anchor="ctr">
-                <a:normAutofit/>
-              </a:bodyPr>
-              <a:lstStyle>
-                <a:lvl1pPr>
-                  <a:defRPr sz="4000"/>
-                </a:lvl1pPr>
-              </a:lstStyle>
-              <a:p>
-                <a:pPr algn="ctr">
-                  <a:defRPr sz="1800"/>
-                </a:pPr>
-                <a:r>
-                  <a:rPr lang="en-US" sz="3400" dirty="0" smtClean="0"/>
-                  <a:t>all</a:t>
-                </a:r>
-                <a:endParaRPr sz="3400" dirty="0"/>
-              </a:p>
-            </p:txBody>
-          </p:sp>
-        </p:grpSp>
+            <a:prstGeom prst="roundRect">
+              <a:avLst>
+                <a:gd name="adj" fmla="val 16667"/>
+              </a:avLst>
+            </a:prstGeom>
+            <a:gradFill flip="none" rotWithShape="1">
+              <a:gsLst>
+                <a:gs pos="0">
+                  <a:srgbClr val="FFD1BB"/>
+                </a:gs>
+                <a:gs pos="35000">
+                  <a:srgbClr val="FFDECF"/>
+                </a:gs>
+                <a:gs pos="100000">
+                  <a:srgbClr val="FFF2ED"/>
+                </a:gs>
+              </a:gsLst>
+              <a:lin ang="16200000" scaled="0"/>
+            </a:gradFill>
+            <a:ln w="9525" cap="flat">
+              <a:solidFill>
+                <a:srgbClr val="F69240"/>
+              </a:solidFill>
+              <a:prstDash val="solid"/>
+              <a:bevel/>
+            </a:ln>
+            <a:effectLst>
+              <a:outerShdw blurRad="38100" dist="20000" dir="5400000" rotWithShape="0">
+                <a:srgbClr val="000000">
+                  <a:alpha val="38000"/>
+                </a:srgbClr>
+              </a:outerShdw>
+            </a:effectLst>
+          </p:spPr>
+          <p:txBody>
+            <a:bodyPr wrap="square" lIns="0" tIns="0" rIns="0" bIns="0" numCol="1" anchor="ctr">
+              <a:noAutofit/>
+            </a:bodyPr>
+            <a:lstStyle/>
+            <a:p>
+              <a:pPr lvl="0" algn="ctr">
+                <a:defRPr sz="1800"/>
+              </a:pPr>
+              <a:r>
+                <a:rPr lang="en-US" sz="2800" dirty="0" smtClean="0"/>
+                <a:t>[</a:t>
+              </a:r>
+              <a:r>
+                <a:rPr lang="en-US" sz="2800" dirty="0" err="1" smtClean="0"/>
+                <a:t>MoL</a:t>
+              </a:r>
+              <a:r>
+                <a:rPr lang="en-US" sz="2800" dirty="0"/>
+                <a:t>-FGW] Wittgenstein's Relevance: Perspectives (Stokhof)</a:t>
+              </a:r>
+            </a:p>
+          </p:txBody>
+        </p:sp>
+      </p:grpSp>
+      <p:grpSp>
+        <p:nvGrpSpPr>
+          <p:cNvPr id="12" name="Group 11"/>
+          <p:cNvGrpSpPr/>
+          <p:nvPr/>
+        </p:nvGrpSpPr>
+        <p:grpSpPr>
+          <a:xfrm>
+            <a:off x="641565" y="3405897"/>
+            <a:ext cx="3578034" cy="2355834"/>
+            <a:chOff x="641565" y="3405897"/>
+            <a:chExt cx="3578034" cy="2355834"/>
+          </a:xfrm>
+        </p:grpSpPr>
+        <p:sp>
+          <p:nvSpPr>
+            <p:cNvPr id="49" name="Shape 49"/>
+            <p:cNvSpPr/>
+            <p:nvPr/>
+          </p:nvSpPr>
+          <p:spPr>
+            <a:xfrm>
+              <a:off x="641565" y="3691788"/>
+              <a:ext cx="3232741" cy="2069943"/>
+            </a:xfrm>
+            <a:prstGeom prst="roundRect">
+              <a:avLst>
+                <a:gd name="adj" fmla="val 16667"/>
+              </a:avLst>
+            </a:prstGeom>
+            <a:gradFill flip="none" rotWithShape="1">
+              <a:gsLst>
+                <a:gs pos="0">
+                  <a:srgbClr val="3F80CE"/>
+                </a:gs>
+                <a:gs pos="100000">
+                  <a:schemeClr val="accent3"/>
+                </a:gs>
+              </a:gsLst>
+              <a:lin ang="5220000" scaled="0"/>
+            </a:gradFill>
+            <a:ln w="76200" cap="flat">
+              <a:solidFill>
+                <a:srgbClr val="000000"/>
+              </a:solidFill>
+              <a:prstDash val="sysDash"/>
+              <a:bevel/>
+            </a:ln>
+            <a:effectLst>
+              <a:outerShdw blurRad="38100" dist="23000" dir="5400000" rotWithShape="0">
+                <a:srgbClr val="000000">
+                  <a:alpha val="35000"/>
+                </a:srgbClr>
+              </a:outerShdw>
+            </a:effectLst>
+          </p:spPr>
+          <p:txBody>
+            <a:bodyPr wrap="square" lIns="0" tIns="0" rIns="0" bIns="0" numCol="1" anchor="ctr">
+              <a:noAutofit/>
+            </a:bodyPr>
+            <a:lstStyle/>
+            <a:p>
+              <a:pPr lvl="0" algn="ctr">
+                <a:defRPr sz="1800"/>
+              </a:pPr>
+              <a:r>
+                <a:rPr lang="en-US" sz="2800" dirty="0">
+                  <a:solidFill>
+                    <a:srgbClr val="FFFFFF"/>
+                  </a:solidFill>
+                </a:rPr>
+                <a:t>Sept-Dec: </a:t>
+              </a:r>
+              <a:br>
+                <a:rPr lang="en-US" sz="2800" dirty="0">
+                  <a:solidFill>
+                    <a:srgbClr val="FFFFFF"/>
+                  </a:solidFill>
+                </a:rPr>
+              </a:br>
+              <a:r>
+                <a:rPr lang="en-US" sz="2800" dirty="0">
+                  <a:solidFill>
+                    <a:srgbClr val="FFFFFF"/>
+                  </a:solidFill>
+                </a:rPr>
+                <a:t>Logic, Language and Computation (Aloni) [3EC]</a:t>
+              </a:r>
+            </a:p>
+          </p:txBody>
+        </p:sp>
+        <p:sp>
+          <p:nvSpPr>
+            <p:cNvPr id="108" name="Shape 230"/>
+            <p:cNvSpPr/>
+            <p:nvPr/>
+          </p:nvSpPr>
+          <p:spPr>
+            <a:xfrm>
+              <a:off x="2721627" y="3405897"/>
+              <a:ext cx="1497972" cy="1204325"/>
+            </a:xfrm>
+            <a:prstGeom prst="rect">
+              <a:avLst/>
+            </a:prstGeom>
+            <a:ln w="12700">
+              <a:miter lim="400000"/>
+            </a:ln>
+            <a:extLst>
+              <a:ext uri="{C572A759-6A51-4108-AA02-DFA0A04FC94B}">
+                <ma14:wrappingTextBoxFlag xmlns:ma14="http://schemas.microsoft.com/office/mac/drawingml/2011/main" val="1"/>
+              </a:ext>
+            </a:extLst>
+          </p:spPr>
+          <p:txBody>
+            <a:bodyPr lIns="208805" tIns="208805" rIns="208805" bIns="208805" anchor="ctr">
+              <a:normAutofit/>
+            </a:bodyPr>
+            <a:lstStyle>
+              <a:lvl1pPr>
+                <a:defRPr sz="4000"/>
+              </a:lvl1pPr>
+            </a:lstStyle>
+            <a:p>
+              <a:pPr algn="ctr">
+                <a:defRPr sz="1800"/>
+              </a:pPr>
+              <a:r>
+                <a:rPr lang="en-US" sz="3400" dirty="0" smtClean="0"/>
+                <a:t>all</a:t>
+              </a:r>
+              <a:endParaRPr sz="3400" dirty="0"/>
+            </a:p>
+          </p:txBody>
+        </p:sp>
       </p:grpSp>
       <p:sp>
         <p:nvSpPr>
@@ -8138,8 +8138,8 @@
         </p:nvSpPr>
         <p:spPr>
           <a:xfrm>
-            <a:off x="2378762" y="1824269"/>
-            <a:ext cx="4375667" cy="2074227"/>
+            <a:off x="4896573" y="-239073"/>
+            <a:ext cx="4375667" cy="1304419"/>
           </a:xfrm>
           <a:prstGeom prst="rect">
             <a:avLst/>
@@ -9230,7 +9230,7 @@
         </p:nvSpPr>
         <p:spPr>
           <a:xfrm>
-            <a:off x="41097200" y="16205199"/>
+            <a:off x="41547848" y="16205199"/>
             <a:ext cx="334037" cy="2720499"/>
           </a:xfrm>
           <a:prstGeom prst="line">
@@ -9314,10 +9314,10 @@
         </p:nvGrpSpPr>
         <p:grpSpPr>
           <a:xfrm>
-            <a:off x="26240482" y="6803526"/>
-            <a:ext cx="15941317" cy="12953755"/>
-            <a:chOff x="26240482" y="6803526"/>
-            <a:chExt cx="15941317" cy="12953755"/>
+            <a:off x="29339373" y="6803526"/>
+            <a:ext cx="12842426" cy="12336678"/>
+            <a:chOff x="29339373" y="6803526"/>
+            <a:chExt cx="12842426" cy="12336678"/>
           </a:xfrm>
         </p:grpSpPr>
         <p:sp>
@@ -9328,7 +9328,7 @@
           </p:nvSpPr>
           <p:spPr>
             <a:xfrm>
-              <a:off x="35840972" y="17177324"/>
+              <a:off x="34243241" y="17095390"/>
               <a:ext cx="3128147" cy="1887863"/>
             </a:xfrm>
             <a:prstGeom prst="roundRect">
@@ -9836,7 +9836,7 @@
           </p:nvSpPr>
           <p:spPr>
             <a:xfrm>
-              <a:off x="26240482" y="17327459"/>
+              <a:off x="38298090" y="16380698"/>
               <a:ext cx="3013179" cy="2429822"/>
             </a:xfrm>
             <a:prstGeom prst="roundRect">
@@ -10360,8 +10360,8 @@
               <a:defRPr sz="1800"/>
             </a:pPr>
             <a:r>
-              <a:rPr lang="en-US" sz="2000" dirty="0"/>
-              <a:t>v0.5: </a:t>
+              <a:rPr lang="en-US" sz="2000" smtClean="0"/>
+              <a:t>v0.6: </a:t>
             </a:r>
             <a:r>
               <a:rPr lang="en-US" sz="2000" dirty="0" smtClean="0"/>
@@ -10406,8 +10406,50 @@
         </p:nvSpPr>
         <p:spPr>
           <a:xfrm flipV="1">
-            <a:off x="21863365" y="13353665"/>
-            <a:ext cx="920517" cy="784305"/>
+            <a:off x="21593837" y="14089418"/>
+            <a:ext cx="1105619" cy="944952"/>
+          </a:xfrm>
+          <a:prstGeom prst="line">
+            <a:avLst/>
+          </a:prstGeom>
+          <a:ln w="76200">
+            <a:solidFill/>
+            <a:headEnd type="triangle"/>
+          </a:ln>
+          <a:effectLst>
+            <a:outerShdw blurRad="38100" dist="20000" dir="5400000" rotWithShape="0">
+              <a:srgbClr val="000000">
+                <a:alpha val="38000"/>
+              </a:srgbClr>
+            </a:outerShdw>
+          </a:effectLst>
+        </p:spPr>
+        <p:txBody>
+          <a:bodyPr lIns="0" tIns="0" rIns="0" bIns="0"/>
+          <a:lstStyle/>
+          <a:p>
+            <a:pPr lvl="0" algn="ctr" defTabSz="457200">
+              <a:defRPr sz="1200">
+                <a:latin typeface="+mn-lt"/>
+                <a:ea typeface="+mn-ea"/>
+                <a:cs typeface="+mn-cs"/>
+                <a:sym typeface="Helvetica"/>
+              </a:defRPr>
+            </a:pPr>
+            <a:endParaRPr/>
+          </a:p>
+        </p:txBody>
+      </p:sp>
+      <p:sp>
+        <p:nvSpPr>
+          <p:cNvPr id="185" name="Shape 248"/>
+          <p:cNvSpPr/>
+          <p:nvPr/>
+        </p:nvSpPr>
+        <p:spPr>
+          <a:xfrm flipH="1" flipV="1">
+            <a:off x="37473695" y="17621399"/>
+            <a:ext cx="755742" cy="0"/>
           </a:xfrm>
           <a:prstGeom prst="line">
             <a:avLst/>

--- a/MoLOverviewPoster2015.pptx
+++ b/MoLOverviewPoster2015.pptx
@@ -2540,10 +2540,10 @@
         </p:nvGrpSpPr>
         <p:grpSpPr>
           <a:xfrm>
-            <a:off x="264978" y="166061"/>
-            <a:ext cx="42452378" cy="30006347"/>
-            <a:chOff x="264978" y="166061"/>
-            <a:chExt cx="42452378" cy="30006347"/>
+            <a:off x="1132721" y="166061"/>
+            <a:ext cx="41584635" cy="30006347"/>
+            <a:chOff x="1132721" y="166061"/>
+            <a:chExt cx="41584635" cy="30006347"/>
           </a:xfrm>
         </p:grpSpPr>
         <p:sp>
@@ -2621,13 +2621,13 @@
           </p:nvSpPr>
           <p:spPr>
             <a:xfrm>
-              <a:off x="264978" y="10193668"/>
-              <a:ext cx="30390685" cy="19720930"/>
+              <a:off x="1132721" y="10193668"/>
+              <a:ext cx="29522942" cy="19720930"/>
             </a:xfrm>
             <a:prstGeom prst="corner">
               <a:avLst>
                 <a:gd name="adj1" fmla="val 38815"/>
-                <a:gd name="adj2" fmla="val 51679"/>
+                <a:gd name="adj2" fmla="val 48372"/>
               </a:avLst>
             </a:prstGeom>
             <a:gradFill flip="none" rotWithShape="1">
@@ -2697,7 +2697,7 @@
             </a:xfrm>
             <a:prstGeom prst="corner">
               <a:avLst>
-                <a:gd name="adj1" fmla="val 58598"/>
+                <a:gd name="adj1" fmla="val 56330"/>
                 <a:gd name="adj2" fmla="val 76015"/>
               </a:avLst>
             </a:prstGeom>
@@ -2894,8 +2894,8 @@
           </p:nvSpPr>
           <p:spPr>
             <a:xfrm>
-              <a:off x="11500298" y="9678448"/>
-              <a:ext cx="22321280" cy="10776571"/>
+              <a:off x="11603272" y="9678448"/>
+              <a:ext cx="22218305" cy="10776571"/>
             </a:xfrm>
             <a:prstGeom prst="roundRect">
               <a:avLst>
@@ -3548,7 +3548,7 @@
         </p:nvSpPr>
         <p:spPr>
           <a:xfrm>
-            <a:off x="230653" y="16619960"/>
+            <a:off x="1657870" y="27834224"/>
             <a:ext cx="3327707" cy="1700894"/>
           </a:xfrm>
           <a:prstGeom prst="rect">
@@ -3674,1033 +3674,6 @@
       </p:sp>
       <p:grpSp>
         <p:nvGrpSpPr>
-          <p:cNvPr id="30" name="Group 29"/>
-          <p:cNvGrpSpPr/>
-          <p:nvPr/>
-        </p:nvGrpSpPr>
-        <p:grpSpPr>
-          <a:xfrm>
-            <a:off x="3749859" y="5977229"/>
-            <a:ext cx="25192178" cy="20478035"/>
-            <a:chOff x="3749859" y="5977229"/>
-            <a:chExt cx="25192178" cy="20478035"/>
-          </a:xfrm>
-        </p:grpSpPr>
-        <p:sp>
-          <p:nvSpPr>
-            <p:cNvPr id="128" name="Shape 225"/>
-            <p:cNvSpPr/>
-            <p:nvPr/>
-          </p:nvSpPr>
-          <p:spPr>
-            <a:xfrm>
-              <a:off x="5218013" y="10209654"/>
-              <a:ext cx="17364992" cy="3610198"/>
-            </a:xfrm>
-            <a:prstGeom prst="line">
-              <a:avLst/>
-            </a:prstGeom>
-            <a:ln w="76200">
-              <a:solidFill>
-                <a:srgbClr val="A7A7A7"/>
-              </a:solidFill>
-              <a:tailEnd type="triangle"/>
-            </a:ln>
-            <a:effectLst>
-              <a:outerShdw blurRad="38100" dist="20000" dir="5400000" rotWithShape="0">
-                <a:srgbClr val="000000">
-                  <a:alpha val="38000"/>
-                </a:srgbClr>
-              </a:outerShdw>
-            </a:effectLst>
-          </p:spPr>
-          <p:txBody>
-            <a:bodyPr lIns="0" tIns="0" rIns="0" bIns="0"/>
-            <a:lstStyle/>
-            <a:p>
-              <a:pPr lvl="0" algn="ctr" defTabSz="457200">
-                <a:defRPr sz="1200">
-                  <a:latin typeface="+mn-lt"/>
-                  <a:ea typeface="+mn-ea"/>
-                  <a:cs typeface="+mn-cs"/>
-                  <a:sym typeface="Helvetica"/>
-                </a:defRPr>
-              </a:pPr>
-              <a:endParaRPr/>
-            </a:p>
-          </p:txBody>
-        </p:sp>
-        <p:sp>
-          <p:nvSpPr>
-            <p:cNvPr id="134" name="Shape 225"/>
-            <p:cNvSpPr/>
-            <p:nvPr/>
-          </p:nvSpPr>
-          <p:spPr>
-            <a:xfrm>
-              <a:off x="5210019" y="10013788"/>
-              <a:ext cx="9415249" cy="1746113"/>
-            </a:xfrm>
-            <a:prstGeom prst="line">
-              <a:avLst/>
-            </a:prstGeom>
-            <a:ln w="76200">
-              <a:solidFill>
-                <a:srgbClr val="A7A7A7"/>
-              </a:solidFill>
-              <a:tailEnd type="triangle"/>
-            </a:ln>
-            <a:effectLst>
-              <a:outerShdw blurRad="38100" dist="20000" dir="5400000" rotWithShape="0">
-                <a:srgbClr val="000000">
-                  <a:alpha val="38000"/>
-                </a:srgbClr>
-              </a:outerShdw>
-            </a:effectLst>
-          </p:spPr>
-          <p:txBody>
-            <a:bodyPr lIns="0" tIns="0" rIns="0" bIns="0"/>
-            <a:lstStyle/>
-            <a:p>
-              <a:pPr lvl="0" algn="ctr" defTabSz="457200">
-                <a:defRPr sz="1200">
-                  <a:latin typeface="+mn-lt"/>
-                  <a:ea typeface="+mn-ea"/>
-                  <a:cs typeface="+mn-cs"/>
-                  <a:sym typeface="Helvetica"/>
-                </a:defRPr>
-              </a:pPr>
-              <a:endParaRPr/>
-            </a:p>
-          </p:txBody>
-        </p:sp>
-        <p:sp>
-          <p:nvSpPr>
-            <p:cNvPr id="137" name="Shape 225"/>
-            <p:cNvSpPr/>
-            <p:nvPr/>
-          </p:nvSpPr>
-          <p:spPr>
-            <a:xfrm>
-              <a:off x="5307164" y="10431449"/>
-              <a:ext cx="6649239" cy="1940843"/>
-            </a:xfrm>
-            <a:prstGeom prst="line">
-              <a:avLst/>
-            </a:prstGeom>
-            <a:ln w="76200">
-              <a:solidFill>
-                <a:srgbClr val="A7A7A7"/>
-              </a:solidFill>
-              <a:tailEnd type="triangle"/>
-            </a:ln>
-            <a:effectLst>
-              <a:outerShdw blurRad="38100" dist="20000" dir="5400000" rotWithShape="0">
-                <a:srgbClr val="000000">
-                  <a:alpha val="38000"/>
-                </a:srgbClr>
-              </a:outerShdw>
-            </a:effectLst>
-          </p:spPr>
-          <p:txBody>
-            <a:bodyPr lIns="0" tIns="0" rIns="0" bIns="0"/>
-            <a:lstStyle/>
-            <a:p>
-              <a:pPr lvl="0" algn="ctr" defTabSz="457200">
-                <a:defRPr sz="1200">
-                  <a:latin typeface="+mn-lt"/>
-                  <a:ea typeface="+mn-ea"/>
-                  <a:cs typeface="+mn-cs"/>
-                  <a:sym typeface="Helvetica"/>
-                </a:defRPr>
-              </a:pPr>
-              <a:endParaRPr/>
-            </a:p>
-          </p:txBody>
-        </p:sp>
-        <p:sp>
-          <p:nvSpPr>
-            <p:cNvPr id="138" name="Shape 225"/>
-            <p:cNvSpPr/>
-            <p:nvPr/>
-          </p:nvSpPr>
-          <p:spPr>
-            <a:xfrm>
-              <a:off x="4697979" y="10878580"/>
-              <a:ext cx="1850667" cy="3062126"/>
-            </a:xfrm>
-            <a:prstGeom prst="line">
-              <a:avLst/>
-            </a:prstGeom>
-            <a:ln w="76200">
-              <a:solidFill>
-                <a:srgbClr val="A7A7A7"/>
-              </a:solidFill>
-              <a:tailEnd type="triangle"/>
-            </a:ln>
-            <a:effectLst>
-              <a:outerShdw blurRad="38100" dist="20000" dir="5400000" rotWithShape="0">
-                <a:srgbClr val="000000">
-                  <a:alpha val="38000"/>
-                </a:srgbClr>
-              </a:outerShdw>
-            </a:effectLst>
-          </p:spPr>
-          <p:txBody>
-            <a:bodyPr lIns="0" tIns="0" rIns="0" bIns="0"/>
-            <a:lstStyle/>
-            <a:p>
-              <a:pPr lvl="0" algn="ctr" defTabSz="457200">
-                <a:defRPr sz="1200">
-                  <a:latin typeface="+mn-lt"/>
-                  <a:ea typeface="+mn-ea"/>
-                  <a:cs typeface="+mn-cs"/>
-                  <a:sym typeface="Helvetica"/>
-                </a:defRPr>
-              </a:pPr>
-              <a:endParaRPr/>
-            </a:p>
-          </p:txBody>
-        </p:sp>
-        <p:sp>
-          <p:nvSpPr>
-            <p:cNvPr id="156" name="Shape 225"/>
-            <p:cNvSpPr/>
-            <p:nvPr/>
-          </p:nvSpPr>
-          <p:spPr>
-            <a:xfrm>
-              <a:off x="4266369" y="10878580"/>
-              <a:ext cx="2372599" cy="8261624"/>
-            </a:xfrm>
-            <a:prstGeom prst="line">
-              <a:avLst/>
-            </a:prstGeom>
-            <a:ln w="76200">
-              <a:solidFill>
-                <a:srgbClr val="A7A7A7"/>
-              </a:solidFill>
-              <a:tailEnd type="triangle"/>
-            </a:ln>
-            <a:effectLst>
-              <a:outerShdw blurRad="38100" dist="20000" dir="5400000" rotWithShape="0">
-                <a:srgbClr val="000000">
-                  <a:alpha val="38000"/>
-                </a:srgbClr>
-              </a:outerShdw>
-            </a:effectLst>
-          </p:spPr>
-          <p:txBody>
-            <a:bodyPr lIns="0" tIns="0" rIns="0" bIns="0"/>
-            <a:lstStyle/>
-            <a:p>
-              <a:pPr lvl="0" algn="ctr" defTabSz="457200">
-                <a:defRPr sz="1200">
-                  <a:latin typeface="+mn-lt"/>
-                  <a:ea typeface="+mn-ea"/>
-                  <a:cs typeface="+mn-cs"/>
-                  <a:sym typeface="Helvetica"/>
-                </a:defRPr>
-              </a:pPr>
-              <a:endParaRPr/>
-            </a:p>
-          </p:txBody>
-        </p:sp>
-        <p:sp>
-          <p:nvSpPr>
-            <p:cNvPr id="158" name="Shape 225"/>
-            <p:cNvSpPr/>
-            <p:nvPr/>
-          </p:nvSpPr>
-          <p:spPr>
-            <a:xfrm>
-              <a:off x="4997622" y="10878580"/>
-              <a:ext cx="10033659" cy="15377988"/>
-            </a:xfrm>
-            <a:prstGeom prst="line">
-              <a:avLst/>
-            </a:prstGeom>
-            <a:ln w="76200">
-              <a:solidFill>
-                <a:srgbClr val="A7A7A7"/>
-              </a:solidFill>
-              <a:tailEnd type="triangle"/>
-            </a:ln>
-            <a:effectLst>
-              <a:outerShdw blurRad="38100" dist="20000" dir="5400000" rotWithShape="0">
-                <a:srgbClr val="000000">
-                  <a:alpha val="38000"/>
-                </a:srgbClr>
-              </a:outerShdw>
-            </a:effectLst>
-          </p:spPr>
-          <p:txBody>
-            <a:bodyPr lIns="0" tIns="0" rIns="0" bIns="0"/>
-            <a:lstStyle/>
-            <a:p>
-              <a:pPr lvl="0" algn="ctr" defTabSz="457200">
-                <a:defRPr sz="1200">
-                  <a:latin typeface="+mn-lt"/>
-                  <a:ea typeface="+mn-ea"/>
-                  <a:cs typeface="+mn-cs"/>
-                  <a:sym typeface="Helvetica"/>
-                </a:defRPr>
-              </a:pPr>
-              <a:endParaRPr/>
-            </a:p>
-          </p:txBody>
-        </p:sp>
-        <p:sp>
-          <p:nvSpPr>
-            <p:cNvPr id="159" name="Shape 225"/>
-            <p:cNvSpPr/>
-            <p:nvPr/>
-          </p:nvSpPr>
-          <p:spPr>
-            <a:xfrm>
-              <a:off x="4047974" y="10878580"/>
-              <a:ext cx="2006971" cy="11727426"/>
-            </a:xfrm>
-            <a:prstGeom prst="line">
-              <a:avLst/>
-            </a:prstGeom>
-            <a:ln w="76200">
-              <a:solidFill>
-                <a:srgbClr val="A7A7A7"/>
-              </a:solidFill>
-              <a:tailEnd type="triangle"/>
-            </a:ln>
-            <a:effectLst>
-              <a:outerShdw blurRad="38100" dist="20000" dir="5400000" rotWithShape="0">
-                <a:srgbClr val="000000">
-                  <a:alpha val="38000"/>
-                </a:srgbClr>
-              </a:outerShdw>
-            </a:effectLst>
-          </p:spPr>
-          <p:txBody>
-            <a:bodyPr lIns="0" tIns="0" rIns="0" bIns="0"/>
-            <a:lstStyle/>
-            <a:p>
-              <a:pPr lvl="0" algn="ctr" defTabSz="457200">
-                <a:defRPr sz="1200">
-                  <a:latin typeface="+mn-lt"/>
-                  <a:ea typeface="+mn-ea"/>
-                  <a:cs typeface="+mn-cs"/>
-                  <a:sym typeface="Helvetica"/>
-                </a:defRPr>
-              </a:pPr>
-              <a:endParaRPr/>
-            </a:p>
-          </p:txBody>
-        </p:sp>
-        <p:sp>
-          <p:nvSpPr>
-            <p:cNvPr id="171" name="Shape 225"/>
-            <p:cNvSpPr/>
-            <p:nvPr/>
-          </p:nvSpPr>
-          <p:spPr>
-            <a:xfrm>
-              <a:off x="3749859" y="10878579"/>
-              <a:ext cx="2051106" cy="15377989"/>
-            </a:xfrm>
-            <a:prstGeom prst="line">
-              <a:avLst/>
-            </a:prstGeom>
-            <a:ln w="76200">
-              <a:solidFill>
-                <a:srgbClr val="A7A7A7"/>
-              </a:solidFill>
-              <a:tailEnd type="triangle"/>
-            </a:ln>
-            <a:effectLst>
-              <a:outerShdw blurRad="38100" dist="20000" dir="5400000" rotWithShape="0">
-                <a:srgbClr val="000000">
-                  <a:alpha val="38000"/>
-                </a:srgbClr>
-              </a:outerShdw>
-            </a:effectLst>
-          </p:spPr>
-          <p:txBody>
-            <a:bodyPr lIns="0" tIns="0" rIns="0" bIns="0"/>
-            <a:lstStyle/>
-            <a:p>
-              <a:pPr lvl="0" algn="ctr" defTabSz="457200">
-                <a:defRPr sz="1200">
-                  <a:latin typeface="+mn-lt"/>
-                  <a:ea typeface="+mn-ea"/>
-                  <a:cs typeface="+mn-cs"/>
-                  <a:sym typeface="Helvetica"/>
-                </a:defRPr>
-              </a:pPr>
-              <a:endParaRPr/>
-            </a:p>
-          </p:txBody>
-        </p:sp>
-        <p:sp>
-          <p:nvSpPr>
-            <p:cNvPr id="177" name="Shape 225"/>
-            <p:cNvSpPr/>
-            <p:nvPr/>
-          </p:nvSpPr>
-          <p:spPr>
-            <a:xfrm>
-              <a:off x="4489624" y="10878580"/>
-              <a:ext cx="5949164" cy="15243662"/>
-            </a:xfrm>
-            <a:prstGeom prst="line">
-              <a:avLst/>
-            </a:prstGeom>
-            <a:ln w="76200">
-              <a:solidFill>
-                <a:srgbClr val="A7A7A7"/>
-              </a:solidFill>
-              <a:tailEnd type="triangle"/>
-            </a:ln>
-            <a:effectLst>
-              <a:outerShdw blurRad="38100" dist="20000" dir="5400000" rotWithShape="0">
-                <a:srgbClr val="000000">
-                  <a:alpha val="38000"/>
-                </a:srgbClr>
-              </a:outerShdw>
-            </a:effectLst>
-          </p:spPr>
-          <p:txBody>
-            <a:bodyPr lIns="0" tIns="0" rIns="0" bIns="0"/>
-            <a:lstStyle/>
-            <a:p>
-              <a:pPr lvl="0" algn="ctr" defTabSz="457200">
-                <a:defRPr sz="1200">
-                  <a:latin typeface="+mn-lt"/>
-                  <a:ea typeface="+mn-ea"/>
-                  <a:cs typeface="+mn-cs"/>
-                  <a:sym typeface="Helvetica"/>
-                </a:defRPr>
-              </a:pPr>
-              <a:endParaRPr/>
-            </a:p>
-          </p:txBody>
-        </p:sp>
-        <p:sp>
-          <p:nvSpPr>
-            <p:cNvPr id="198" name="Shape 225"/>
-            <p:cNvSpPr/>
-            <p:nvPr/>
-          </p:nvSpPr>
-          <p:spPr>
-            <a:xfrm>
-              <a:off x="5163298" y="10209654"/>
-              <a:ext cx="13028886" cy="4935376"/>
-            </a:xfrm>
-            <a:prstGeom prst="line">
-              <a:avLst/>
-            </a:prstGeom>
-            <a:ln w="76200">
-              <a:solidFill>
-                <a:srgbClr val="A7A7A7"/>
-              </a:solidFill>
-              <a:tailEnd type="triangle"/>
-            </a:ln>
-            <a:effectLst>
-              <a:outerShdw blurRad="38100" dist="20000" dir="5400000" rotWithShape="0">
-                <a:srgbClr val="000000">
-                  <a:alpha val="38000"/>
-                </a:srgbClr>
-              </a:outerShdw>
-            </a:effectLst>
-          </p:spPr>
-          <p:txBody>
-            <a:bodyPr lIns="0" tIns="0" rIns="0" bIns="0"/>
-            <a:lstStyle/>
-            <a:p>
-              <a:pPr lvl="0" algn="ctr" defTabSz="457200">
-                <a:defRPr sz="1200">
-                  <a:latin typeface="+mn-lt"/>
-                  <a:ea typeface="+mn-ea"/>
-                  <a:cs typeface="+mn-cs"/>
-                  <a:sym typeface="Helvetica"/>
-                </a:defRPr>
-              </a:pPr>
-              <a:endParaRPr/>
-            </a:p>
-          </p:txBody>
-        </p:sp>
-        <p:sp>
-          <p:nvSpPr>
-            <p:cNvPr id="200" name="Shape 225"/>
-            <p:cNvSpPr/>
-            <p:nvPr/>
-          </p:nvSpPr>
-          <p:spPr>
-            <a:xfrm>
-              <a:off x="5230149" y="9811271"/>
-              <a:ext cx="13355249" cy="2330105"/>
-            </a:xfrm>
-            <a:prstGeom prst="line">
-              <a:avLst/>
-            </a:prstGeom>
-            <a:ln w="76200">
-              <a:solidFill>
-                <a:srgbClr val="A7A7A7"/>
-              </a:solidFill>
-              <a:tailEnd type="triangle"/>
-            </a:ln>
-            <a:effectLst>
-              <a:outerShdw blurRad="38100" dist="20000" dir="5400000" rotWithShape="0">
-                <a:srgbClr val="000000">
-                  <a:alpha val="38000"/>
-                </a:srgbClr>
-              </a:outerShdw>
-            </a:effectLst>
-          </p:spPr>
-          <p:txBody>
-            <a:bodyPr lIns="0" tIns="0" rIns="0" bIns="0"/>
-            <a:lstStyle/>
-            <a:p>
-              <a:pPr lvl="0" algn="ctr" defTabSz="457200">
-                <a:defRPr sz="1200">
-                  <a:latin typeface="+mn-lt"/>
-                  <a:ea typeface="+mn-ea"/>
-                  <a:cs typeface="+mn-cs"/>
-                  <a:sym typeface="Helvetica"/>
-                </a:defRPr>
-              </a:pPr>
-              <a:endParaRPr/>
-            </a:p>
-          </p:txBody>
-        </p:sp>
-        <p:sp>
-          <p:nvSpPr>
-            <p:cNvPr id="201" name="Shape 225"/>
-            <p:cNvSpPr/>
-            <p:nvPr/>
-          </p:nvSpPr>
-          <p:spPr>
-            <a:xfrm>
-              <a:off x="5231353" y="10189529"/>
-              <a:ext cx="23710684" cy="4105828"/>
-            </a:xfrm>
-            <a:prstGeom prst="line">
-              <a:avLst/>
-            </a:prstGeom>
-            <a:ln w="76200">
-              <a:solidFill>
-                <a:srgbClr val="A7A7A7"/>
-              </a:solidFill>
-              <a:tailEnd type="triangle"/>
-            </a:ln>
-            <a:effectLst>
-              <a:outerShdw blurRad="38100" dist="20000" dir="5400000" rotWithShape="0">
-                <a:srgbClr val="000000">
-                  <a:alpha val="38000"/>
-                </a:srgbClr>
-              </a:outerShdw>
-            </a:effectLst>
-          </p:spPr>
-          <p:txBody>
-            <a:bodyPr lIns="0" tIns="0" rIns="0" bIns="0"/>
-            <a:lstStyle/>
-            <a:p>
-              <a:pPr lvl="0" algn="ctr" defTabSz="457200">
-                <a:defRPr sz="1200">
-                  <a:latin typeface="+mn-lt"/>
-                  <a:ea typeface="+mn-ea"/>
-                  <a:cs typeface="+mn-cs"/>
-                  <a:sym typeface="Helvetica"/>
-                </a:defRPr>
-              </a:pPr>
-              <a:endParaRPr/>
-            </a:p>
-          </p:txBody>
-        </p:sp>
-        <p:sp>
-          <p:nvSpPr>
-            <p:cNvPr id="203" name="Shape 225"/>
-            <p:cNvSpPr/>
-            <p:nvPr/>
-          </p:nvSpPr>
-          <p:spPr>
-            <a:xfrm>
-              <a:off x="5442087" y="9509735"/>
-              <a:ext cx="23499950" cy="2250166"/>
-            </a:xfrm>
-            <a:prstGeom prst="line">
-              <a:avLst/>
-            </a:prstGeom>
-            <a:ln w="76200">
-              <a:solidFill>
-                <a:srgbClr val="A7A7A7"/>
-              </a:solidFill>
-              <a:tailEnd type="triangle"/>
-            </a:ln>
-            <a:effectLst>
-              <a:outerShdw blurRad="38100" dist="20000" dir="5400000" rotWithShape="0">
-                <a:srgbClr val="000000">
-                  <a:alpha val="38000"/>
-                </a:srgbClr>
-              </a:outerShdw>
-            </a:effectLst>
-          </p:spPr>
-          <p:txBody>
-            <a:bodyPr lIns="0" tIns="0" rIns="0" bIns="0"/>
-            <a:lstStyle/>
-            <a:p>
-              <a:pPr lvl="0" algn="ctr" defTabSz="457200">
-                <a:defRPr sz="1200">
-                  <a:latin typeface="+mn-lt"/>
-                  <a:ea typeface="+mn-ea"/>
-                  <a:cs typeface="+mn-cs"/>
-                  <a:sym typeface="Helvetica"/>
-                </a:defRPr>
-              </a:pPr>
-              <a:endParaRPr/>
-            </a:p>
-          </p:txBody>
-        </p:sp>
-        <p:sp>
-          <p:nvSpPr>
-            <p:cNvPr id="204" name="Shape 225"/>
-            <p:cNvSpPr/>
-            <p:nvPr/>
-          </p:nvSpPr>
-          <p:spPr>
-            <a:xfrm flipV="1">
-              <a:off x="5475767" y="8403368"/>
-              <a:ext cx="13945393" cy="919584"/>
-            </a:xfrm>
-            <a:prstGeom prst="line">
-              <a:avLst/>
-            </a:prstGeom>
-            <a:ln w="76200">
-              <a:solidFill>
-                <a:srgbClr val="A7A7A7"/>
-              </a:solidFill>
-              <a:tailEnd type="triangle"/>
-            </a:ln>
-            <a:effectLst>
-              <a:outerShdw blurRad="38100" dist="20000" dir="5400000" rotWithShape="0">
-                <a:srgbClr val="000000">
-                  <a:alpha val="38000"/>
-                </a:srgbClr>
-              </a:outerShdw>
-            </a:effectLst>
-          </p:spPr>
-          <p:txBody>
-            <a:bodyPr lIns="0" tIns="0" rIns="0" bIns="0"/>
-            <a:lstStyle/>
-            <a:p>
-              <a:pPr lvl="0" algn="ctr" defTabSz="457200">
-                <a:defRPr sz="1200">
-                  <a:latin typeface="+mn-lt"/>
-                  <a:ea typeface="+mn-ea"/>
-                  <a:cs typeface="+mn-cs"/>
-                  <a:sym typeface="Helvetica"/>
-                </a:defRPr>
-              </a:pPr>
-              <a:endParaRPr/>
-            </a:p>
-          </p:txBody>
-        </p:sp>
-        <p:sp>
-          <p:nvSpPr>
-            <p:cNvPr id="206" name="Shape 225"/>
-            <p:cNvSpPr/>
-            <p:nvPr/>
-          </p:nvSpPr>
-          <p:spPr>
-            <a:xfrm flipV="1">
-              <a:off x="5442087" y="6370787"/>
-              <a:ext cx="17415346" cy="2763097"/>
-            </a:xfrm>
-            <a:prstGeom prst="line">
-              <a:avLst/>
-            </a:prstGeom>
-            <a:ln w="76200">
-              <a:solidFill>
-                <a:srgbClr val="A7A7A7"/>
-              </a:solidFill>
-              <a:tailEnd type="triangle"/>
-            </a:ln>
-            <a:effectLst>
-              <a:outerShdw blurRad="38100" dist="20000" dir="5400000" rotWithShape="0">
-                <a:srgbClr val="000000">
-                  <a:alpha val="38000"/>
-                </a:srgbClr>
-              </a:outerShdw>
-            </a:effectLst>
-          </p:spPr>
-          <p:txBody>
-            <a:bodyPr lIns="0" tIns="0" rIns="0" bIns="0"/>
-            <a:lstStyle/>
-            <a:p>
-              <a:pPr lvl="0" algn="ctr" defTabSz="457200">
-                <a:defRPr sz="1200">
-                  <a:latin typeface="+mn-lt"/>
-                  <a:ea typeface="+mn-ea"/>
-                  <a:cs typeface="+mn-cs"/>
-                  <a:sym typeface="Helvetica"/>
-                </a:defRPr>
-              </a:pPr>
-              <a:endParaRPr/>
-            </a:p>
-          </p:txBody>
-        </p:sp>
-        <p:sp>
-          <p:nvSpPr>
-            <p:cNvPr id="207" name="Shape 225"/>
-            <p:cNvSpPr/>
-            <p:nvPr/>
-          </p:nvSpPr>
-          <p:spPr>
-            <a:xfrm flipV="1">
-              <a:off x="5442087" y="8544985"/>
-              <a:ext cx="6058210" cy="725201"/>
-            </a:xfrm>
-            <a:prstGeom prst="line">
-              <a:avLst/>
-            </a:prstGeom>
-            <a:ln w="76200">
-              <a:solidFill>
-                <a:srgbClr val="A7A7A7"/>
-              </a:solidFill>
-              <a:tailEnd type="triangle"/>
-            </a:ln>
-            <a:effectLst>
-              <a:outerShdw blurRad="38100" dist="20000" dir="5400000" rotWithShape="0">
-                <a:srgbClr val="000000">
-                  <a:alpha val="38000"/>
-                </a:srgbClr>
-              </a:outerShdw>
-            </a:effectLst>
-          </p:spPr>
-          <p:txBody>
-            <a:bodyPr lIns="0" tIns="0" rIns="0" bIns="0"/>
-            <a:lstStyle/>
-            <a:p>
-              <a:pPr lvl="0" algn="ctr" defTabSz="457200">
-                <a:defRPr sz="1200">
-                  <a:latin typeface="+mn-lt"/>
-                  <a:ea typeface="+mn-ea"/>
-                  <a:cs typeface="+mn-cs"/>
-                  <a:sym typeface="Helvetica"/>
-                </a:defRPr>
-              </a:pPr>
-              <a:endParaRPr/>
-            </a:p>
-          </p:txBody>
-        </p:sp>
-        <p:sp>
-          <p:nvSpPr>
-            <p:cNvPr id="209" name="Shape 225"/>
-            <p:cNvSpPr/>
-            <p:nvPr/>
-          </p:nvSpPr>
-          <p:spPr>
-            <a:xfrm flipV="1">
-              <a:off x="5138961" y="8403368"/>
-              <a:ext cx="2231637" cy="539986"/>
-            </a:xfrm>
-            <a:prstGeom prst="line">
-              <a:avLst/>
-            </a:prstGeom>
-            <a:ln w="76200">
-              <a:solidFill>
-                <a:srgbClr val="A7A7A7"/>
-              </a:solidFill>
-              <a:tailEnd type="triangle"/>
-            </a:ln>
-            <a:effectLst>
-              <a:outerShdw blurRad="38100" dist="20000" dir="5400000" rotWithShape="0">
-                <a:srgbClr val="000000">
-                  <a:alpha val="38000"/>
-                </a:srgbClr>
-              </a:outerShdw>
-            </a:effectLst>
-          </p:spPr>
-          <p:txBody>
-            <a:bodyPr lIns="0" tIns="0" rIns="0" bIns="0"/>
-            <a:lstStyle/>
-            <a:p>
-              <a:pPr lvl="0" algn="ctr" defTabSz="457200">
-                <a:defRPr sz="1200">
-                  <a:latin typeface="+mn-lt"/>
-                  <a:ea typeface="+mn-ea"/>
-                  <a:cs typeface="+mn-cs"/>
-                  <a:sym typeface="Helvetica"/>
-                </a:defRPr>
-              </a:pPr>
-              <a:endParaRPr/>
-            </a:p>
-          </p:txBody>
-        </p:sp>
-        <p:sp>
-          <p:nvSpPr>
-            <p:cNvPr id="210" name="Shape 225"/>
-            <p:cNvSpPr/>
-            <p:nvPr/>
-          </p:nvSpPr>
-          <p:spPr>
-            <a:xfrm flipV="1">
-              <a:off x="4896573" y="5977229"/>
-              <a:ext cx="12564597" cy="2832232"/>
-            </a:xfrm>
-            <a:prstGeom prst="line">
-              <a:avLst/>
-            </a:prstGeom>
-            <a:ln w="76200">
-              <a:solidFill>
-                <a:srgbClr val="A7A7A7"/>
-              </a:solidFill>
-              <a:tailEnd type="triangle"/>
-            </a:ln>
-            <a:effectLst>
-              <a:outerShdw blurRad="38100" dist="20000" dir="5400000" rotWithShape="0">
-                <a:srgbClr val="000000">
-                  <a:alpha val="38000"/>
-                </a:srgbClr>
-              </a:outerShdw>
-            </a:effectLst>
-          </p:spPr>
-          <p:txBody>
-            <a:bodyPr lIns="0" tIns="0" rIns="0" bIns="0"/>
-            <a:lstStyle/>
-            <a:p>
-              <a:pPr lvl="0" algn="ctr" defTabSz="457200">
-                <a:defRPr sz="1200">
-                  <a:latin typeface="+mn-lt"/>
-                  <a:ea typeface="+mn-ea"/>
-                  <a:cs typeface="+mn-cs"/>
-                  <a:sym typeface="Helvetica"/>
-                </a:defRPr>
-              </a:pPr>
-              <a:endParaRPr/>
-            </a:p>
-          </p:txBody>
-        </p:sp>
-        <p:sp>
-          <p:nvSpPr>
-            <p:cNvPr id="213" name="Shape 225"/>
-            <p:cNvSpPr/>
-            <p:nvPr/>
-          </p:nvSpPr>
-          <p:spPr>
-            <a:xfrm>
-              <a:off x="5117920" y="10717077"/>
-              <a:ext cx="12131338" cy="15738187"/>
-            </a:xfrm>
-            <a:prstGeom prst="line">
-              <a:avLst/>
-            </a:prstGeom>
-            <a:ln w="76200">
-              <a:solidFill>
-                <a:srgbClr val="A7A7A7"/>
-              </a:solidFill>
-              <a:tailEnd type="triangle"/>
-            </a:ln>
-            <a:effectLst>
-              <a:outerShdw blurRad="38100" dist="20000" dir="5400000" rotWithShape="0">
-                <a:srgbClr val="000000">
-                  <a:alpha val="38000"/>
-                </a:srgbClr>
-              </a:outerShdw>
-            </a:effectLst>
-          </p:spPr>
-          <p:txBody>
-            <a:bodyPr lIns="0" tIns="0" rIns="0" bIns="0"/>
-            <a:lstStyle/>
-            <a:p>
-              <a:pPr lvl="0" algn="ctr" defTabSz="457200">
-                <a:defRPr sz="1200">
-                  <a:latin typeface="+mn-lt"/>
-                  <a:ea typeface="+mn-ea"/>
-                  <a:cs typeface="+mn-cs"/>
-                  <a:sym typeface="Helvetica"/>
-                </a:defRPr>
-              </a:pPr>
-              <a:endParaRPr/>
-            </a:p>
-          </p:txBody>
-        </p:sp>
-        <p:sp>
-          <p:nvSpPr>
-            <p:cNvPr id="215" name="Shape 225"/>
-            <p:cNvSpPr/>
-            <p:nvPr/>
-          </p:nvSpPr>
-          <p:spPr>
-            <a:xfrm>
-              <a:off x="4854093" y="10878580"/>
-              <a:ext cx="8071563" cy="13040647"/>
-            </a:xfrm>
-            <a:prstGeom prst="line">
-              <a:avLst/>
-            </a:prstGeom>
-            <a:ln w="76200">
-              <a:solidFill>
-                <a:srgbClr val="A7A7A7"/>
-              </a:solidFill>
-              <a:tailEnd type="triangle"/>
-            </a:ln>
-            <a:effectLst>
-              <a:outerShdw blurRad="38100" dist="20000" dir="5400000" rotWithShape="0">
-                <a:srgbClr val="000000">
-                  <a:alpha val="38000"/>
-                </a:srgbClr>
-              </a:outerShdw>
-            </a:effectLst>
-          </p:spPr>
-          <p:txBody>
-            <a:bodyPr lIns="0" tIns="0" rIns="0" bIns="0"/>
-            <a:lstStyle/>
-            <a:p>
-              <a:pPr lvl="0" algn="ctr" defTabSz="457200">
-                <a:defRPr sz="1200">
-                  <a:latin typeface="+mn-lt"/>
-                  <a:ea typeface="+mn-ea"/>
-                  <a:cs typeface="+mn-cs"/>
-                  <a:sym typeface="Helvetica"/>
-                </a:defRPr>
-              </a:pPr>
-              <a:endParaRPr/>
-            </a:p>
-          </p:txBody>
-        </p:sp>
-        <p:sp>
-          <p:nvSpPr>
-            <p:cNvPr id="216" name="Shape 225"/>
-            <p:cNvSpPr/>
-            <p:nvPr/>
-          </p:nvSpPr>
-          <p:spPr>
-            <a:xfrm>
-              <a:off x="4550311" y="10878580"/>
-              <a:ext cx="6034116" cy="12033221"/>
-            </a:xfrm>
-            <a:prstGeom prst="line">
-              <a:avLst/>
-            </a:prstGeom>
-            <a:ln w="76200">
-              <a:solidFill>
-                <a:srgbClr val="A7A7A7"/>
-              </a:solidFill>
-              <a:tailEnd type="triangle"/>
-            </a:ln>
-            <a:effectLst>
-              <a:outerShdw blurRad="38100" dist="20000" dir="5400000" rotWithShape="0">
-                <a:srgbClr val="000000">
-                  <a:alpha val="38000"/>
-                </a:srgbClr>
-              </a:outerShdw>
-            </a:effectLst>
-          </p:spPr>
-          <p:txBody>
-            <a:bodyPr lIns="0" tIns="0" rIns="0" bIns="0"/>
-            <a:lstStyle/>
-            <a:p>
-              <a:pPr lvl="0" algn="ctr" defTabSz="457200">
-                <a:defRPr sz="1200">
-                  <a:latin typeface="+mn-lt"/>
-                  <a:ea typeface="+mn-ea"/>
-                  <a:cs typeface="+mn-cs"/>
-                  <a:sym typeface="Helvetica"/>
-                </a:defRPr>
-              </a:pPr>
-              <a:endParaRPr/>
-            </a:p>
-          </p:txBody>
-        </p:sp>
-        <p:sp>
-          <p:nvSpPr>
-            <p:cNvPr id="218" name="Shape 225"/>
-            <p:cNvSpPr/>
-            <p:nvPr/>
-          </p:nvSpPr>
-          <p:spPr>
-            <a:xfrm>
-              <a:off x="5203421" y="10511888"/>
-              <a:ext cx="1551008" cy="1248013"/>
-            </a:xfrm>
-            <a:prstGeom prst="line">
-              <a:avLst/>
-            </a:prstGeom>
-            <a:ln w="76200">
-              <a:solidFill>
-                <a:srgbClr val="A7A7A7"/>
-              </a:solidFill>
-              <a:tailEnd type="triangle"/>
-            </a:ln>
-            <a:effectLst>
-              <a:outerShdw blurRad="38100" dist="20000" dir="5400000" rotWithShape="0">
-                <a:srgbClr val="000000">
-                  <a:alpha val="38000"/>
-                </a:srgbClr>
-              </a:outerShdw>
-            </a:effectLst>
-          </p:spPr>
-          <p:txBody>
-            <a:bodyPr lIns="0" tIns="0" rIns="0" bIns="0"/>
-            <a:lstStyle/>
-            <a:p>
-              <a:pPr lvl="0" algn="ctr" defTabSz="457200">
-                <a:defRPr sz="1200">
-                  <a:latin typeface="+mn-lt"/>
-                  <a:ea typeface="+mn-ea"/>
-                  <a:cs typeface="+mn-cs"/>
-                  <a:sym typeface="Helvetica"/>
-                </a:defRPr>
-              </a:pPr>
-              <a:endParaRPr/>
-            </a:p>
-          </p:txBody>
-        </p:sp>
-        <p:sp>
-          <p:nvSpPr>
-            <p:cNvPr id="212" name="Shape 225"/>
-            <p:cNvSpPr/>
-            <p:nvPr/>
-          </p:nvSpPr>
-          <p:spPr>
-            <a:xfrm>
-              <a:off x="5117920" y="10587431"/>
-              <a:ext cx="11164596" cy="12473427"/>
-            </a:xfrm>
-            <a:prstGeom prst="line">
-              <a:avLst/>
-            </a:prstGeom>
-            <a:ln w="76200">
-              <a:solidFill>
-                <a:srgbClr val="A7A7A7"/>
-              </a:solidFill>
-              <a:tailEnd type="triangle"/>
-            </a:ln>
-            <a:effectLst>
-              <a:outerShdw blurRad="38100" dist="20000" dir="5400000" rotWithShape="0">
-                <a:srgbClr val="000000">
-                  <a:alpha val="38000"/>
-                </a:srgbClr>
-              </a:outerShdw>
-            </a:effectLst>
-          </p:spPr>
-          <p:txBody>
-            <a:bodyPr lIns="0" tIns="0" rIns="0" bIns="0"/>
-            <a:lstStyle/>
-            <a:p>
-              <a:pPr lvl="0" algn="ctr" defTabSz="457200">
-                <a:defRPr sz="1200">
-                  <a:latin typeface="+mn-lt"/>
-                  <a:ea typeface="+mn-ea"/>
-                  <a:cs typeface="+mn-cs"/>
-                  <a:sym typeface="Helvetica"/>
-                </a:defRPr>
-              </a:pPr>
-              <a:endParaRPr/>
-            </a:p>
-          </p:txBody>
-        </p:sp>
-      </p:grpSp>
-      <p:grpSp>
-        <p:nvGrpSpPr>
           <p:cNvPr id="16" name="Group 15"/>
           <p:cNvGrpSpPr/>
           <p:nvPr/>
@@ -5341,7 +4314,7 @@
           </p:nvSpPr>
           <p:spPr>
             <a:xfrm>
-              <a:off x="27642484" y="20644971"/>
+              <a:off x="27642484" y="20713617"/>
               <a:ext cx="3013179" cy="1371571"/>
             </a:xfrm>
             <a:prstGeom prst="roundRect">
@@ -6533,10 +5506,10 @@
         </p:nvGrpSpPr>
         <p:grpSpPr>
           <a:xfrm>
-            <a:off x="2339113" y="8501575"/>
-            <a:ext cx="7531810" cy="8166724"/>
-            <a:chOff x="2339113" y="8501575"/>
-            <a:chExt cx="7531810" cy="8166724"/>
+            <a:off x="2442088" y="8673190"/>
+            <a:ext cx="7428835" cy="7995109"/>
+            <a:chOff x="2442088" y="8673190"/>
+            <a:chExt cx="7428835" cy="7995109"/>
           </a:xfrm>
         </p:grpSpPr>
         <p:sp>
@@ -6693,9 +5666,9 @@
           </p:nvGrpSpPr>
           <p:grpSpPr>
             <a:xfrm>
-              <a:off x="2339113" y="8501575"/>
+              <a:off x="2442088" y="8673190"/>
               <a:ext cx="2878899" cy="2263429"/>
-              <a:chOff x="21937680" y="-548646"/>
+              <a:chOff x="22040655" y="-377031"/>
               <a:chExt cx="2878899" cy="2263429"/>
             </a:xfrm>
           </p:grpSpPr>
@@ -6707,7 +5680,7 @@
             </p:nvSpPr>
             <p:spPr>
               <a:xfrm>
-                <a:off x="21937680" y="-173080"/>
+                <a:off x="22040655" y="-1465"/>
                 <a:ext cx="2778807" cy="1887863"/>
               </a:xfrm>
               <a:prstGeom prst="roundRect">
@@ -6794,7 +5767,7 @@
             </p:nvSpPr>
             <p:spPr>
               <a:xfrm>
-                <a:off x="23318607" y="-548646"/>
+                <a:off x="23421582" y="-377031"/>
                 <a:ext cx="1497972" cy="1204325"/>
               </a:xfrm>
               <a:prstGeom prst="rect">
@@ -6840,7 +5813,7 @@
         </p:nvSpPr>
         <p:spPr>
           <a:xfrm flipH="1" flipV="1">
-            <a:off x="3608998" y="25762839"/>
+            <a:off x="4810373" y="25762839"/>
             <a:ext cx="1376578" cy="913788"/>
           </a:xfrm>
           <a:prstGeom prst="line">
@@ -6882,7 +5855,7 @@
         </p:nvSpPr>
         <p:spPr>
           <a:xfrm flipH="1" flipV="1">
-            <a:off x="3834982" y="21551956"/>
+            <a:off x="5036357" y="21551956"/>
             <a:ext cx="1311234" cy="1196940"/>
           </a:xfrm>
           <a:prstGeom prst="line">
@@ -6924,7 +5897,7 @@
         </p:nvSpPr>
         <p:spPr>
           <a:xfrm flipH="1" flipV="1">
-            <a:off x="4113418" y="20804483"/>
+            <a:off x="5314793" y="20804483"/>
             <a:ext cx="1526377" cy="0"/>
           </a:xfrm>
           <a:prstGeom prst="line">
@@ -7116,13 +6089,42 @@
                 </a:defRPr>
               </a:pPr>
               <a:r>
+                <a:rPr lang="en-US" sz="2800" dirty="0" smtClean="0">
+                  <a:solidFill>
+                    <a:srgbClr val="FFFFFF"/>
+                  </a:solidFill>
+                </a:rPr>
+                <a:t>[</a:t>
+              </a:r>
+              <a:r>
                 <a:rPr lang="en-US" sz="2800" dirty="0">
                   <a:solidFill>
                     <a:srgbClr val="FFFFFF"/>
                   </a:solidFill>
                 </a:rPr>
-                <a:t>Sept-Dec [MoL-FGW] Rationality, Cognition and Reasoning (vLambalgen) [12EC]</a:t>
-              </a:r>
+                <a:t>MoL-FGW] Rationality, Cognition and Reasoning (</a:t>
+              </a:r>
+              <a:r>
+                <a:rPr lang="en-US" sz="2800" dirty="0" err="1">
+                  <a:solidFill>
+                    <a:srgbClr val="FFFFFF"/>
+                  </a:solidFill>
+                </a:rPr>
+                <a:t>vLambalgen</a:t>
+              </a:r>
+              <a:r>
+                <a:rPr lang="en-US" sz="2800" dirty="0" smtClean="0">
+                  <a:solidFill>
+                    <a:srgbClr val="FFFFFF"/>
+                  </a:solidFill>
+                </a:rPr>
+                <a:t>)</a:t>
+              </a:r>
+              <a:endParaRPr lang="en-US" sz="2800" dirty="0">
+                <a:solidFill>
+                  <a:srgbClr val="FFFFFF"/>
+                </a:solidFill>
+              </a:endParaRPr>
             </a:p>
           </p:txBody>
         </p:sp>
@@ -7298,7 +6300,7 @@
           </p:nvSpPr>
           <p:spPr>
             <a:xfrm>
-              <a:off x="13773524" y="3931918"/>
+              <a:off x="10213869" y="3873868"/>
               <a:ext cx="2778806" cy="1887863"/>
             </a:xfrm>
             <a:prstGeom prst="roundRect">
@@ -7380,7 +6382,7 @@
           </p:nvSpPr>
           <p:spPr>
             <a:xfrm>
-              <a:off x="20628440" y="2936809"/>
+              <a:off x="20697090" y="3108424"/>
               <a:ext cx="3013177" cy="2429822"/>
             </a:xfrm>
             <a:prstGeom prst="roundRect">
@@ -7449,7 +6451,7 @@
           </p:nvSpPr>
           <p:spPr>
             <a:xfrm>
-              <a:off x="10092141" y="3726111"/>
+              <a:off x="13673862" y="3519180"/>
               <a:ext cx="3013179" cy="2429822"/>
             </a:xfrm>
             <a:prstGeom prst="roundRect">
@@ -8182,10 +7184,10 @@
         </p:nvGrpSpPr>
         <p:grpSpPr>
           <a:xfrm>
-            <a:off x="702403" y="18416630"/>
-            <a:ext cx="19560034" cy="10589394"/>
+            <a:off x="1903778" y="18416630"/>
+            <a:ext cx="19629168" cy="10528925"/>
             <a:chOff x="702403" y="18416630"/>
-            <a:chExt cx="19560034" cy="10589394"/>
+            <a:chExt cx="19629168" cy="10528925"/>
           </a:xfrm>
         </p:grpSpPr>
         <p:sp>
@@ -8333,7 +7335,7 @@
           </p:nvSpPr>
           <p:spPr>
             <a:xfrm>
-              <a:off x="17249258" y="26576203"/>
+              <a:off x="17318392" y="26515734"/>
               <a:ext cx="3013179" cy="2429821"/>
             </a:xfrm>
             <a:prstGeom prst="roundRect">
@@ -8400,7 +7402,7 @@
           </p:nvSpPr>
           <p:spPr>
             <a:xfrm>
-              <a:off x="9239202" y="23060858"/>
+              <a:off x="9308336" y="23060858"/>
               <a:ext cx="3013179" cy="2429822"/>
             </a:xfrm>
             <a:prstGeom prst="roundRect">
@@ -8467,7 +7469,7 @@
           </p:nvSpPr>
           <p:spPr>
             <a:xfrm>
-              <a:off x="5230149" y="26576202"/>
+              <a:off x="5299283" y="26515733"/>
               <a:ext cx="3013179" cy="2429822"/>
             </a:xfrm>
             <a:prstGeom prst="roundRect">
@@ -8536,7 +7538,7 @@
           </p:nvSpPr>
           <p:spPr>
             <a:xfrm>
-              <a:off x="5146217" y="23060858"/>
+              <a:off x="5215351" y="23060858"/>
               <a:ext cx="3218117" cy="2429822"/>
             </a:xfrm>
             <a:prstGeom prst="roundRect">
@@ -8605,7 +7607,7 @@
           </p:nvSpPr>
           <p:spPr>
             <a:xfrm>
-              <a:off x="12925656" y="23060858"/>
+              <a:off x="12994790" y="23060858"/>
               <a:ext cx="3013179" cy="2429822"/>
             </a:xfrm>
             <a:prstGeom prst="roundRect">
@@ -8674,7 +7676,7 @@
           </p:nvSpPr>
           <p:spPr>
             <a:xfrm>
-              <a:off x="16552330" y="23060858"/>
+              <a:off x="16621464" y="23060858"/>
               <a:ext cx="3013179" cy="2429822"/>
             </a:xfrm>
             <a:prstGeom prst="roundRect">
@@ -8743,10 +7745,10 @@
           </p:nvGrpSpPr>
           <p:grpSpPr>
             <a:xfrm>
-              <a:off x="8790329" y="26127692"/>
-              <a:ext cx="3314496" cy="2757395"/>
-              <a:chOff x="5027225" y="22551825"/>
-              <a:chExt cx="3314497" cy="2757395"/>
+              <a:off x="8859463" y="26230661"/>
+              <a:ext cx="3360235" cy="2714894"/>
+              <a:chOff x="5096359" y="22654794"/>
+              <a:chExt cx="3360236" cy="2714894"/>
             </a:xfrm>
           </p:grpSpPr>
           <p:sp>
@@ -8757,7 +7759,7 @@
             </p:nvSpPr>
             <p:spPr>
               <a:xfrm>
-                <a:off x="5027225" y="22879398"/>
+                <a:off x="5096359" y="22939866"/>
                 <a:ext cx="3314497" cy="2429822"/>
               </a:xfrm>
               <a:prstGeom prst="roundRect">
@@ -8826,7 +7828,7 @@
             </p:nvSpPr>
             <p:spPr>
               <a:xfrm>
-                <a:off x="6821323" y="22551825"/>
+                <a:off x="6958623" y="22654794"/>
                 <a:ext cx="1497972" cy="1204325"/>
               </a:xfrm>
               <a:prstGeom prst="rect">
@@ -8871,10 +7873,10 @@
           </p:nvGrpSpPr>
           <p:grpSpPr>
             <a:xfrm>
-              <a:off x="12968020" y="26256569"/>
-              <a:ext cx="3314496" cy="2749455"/>
-              <a:chOff x="5027225" y="25272723"/>
-              <a:chExt cx="3314497" cy="2749455"/>
+              <a:off x="13037154" y="26222246"/>
+              <a:ext cx="3423506" cy="2723309"/>
+              <a:chOff x="5096359" y="25238400"/>
+              <a:chExt cx="3423507" cy="2723309"/>
             </a:xfrm>
           </p:grpSpPr>
           <p:sp>
@@ -8885,7 +7887,7 @@
             </p:nvSpPr>
             <p:spPr>
               <a:xfrm>
-                <a:off x="5027225" y="25592356"/>
+                <a:off x="5096359" y="25531887"/>
                 <a:ext cx="3314497" cy="2429822"/>
               </a:xfrm>
               <a:prstGeom prst="roundRect">
@@ -8952,7 +7954,7 @@
             </p:nvSpPr>
             <p:spPr>
               <a:xfrm>
-                <a:off x="6781619" y="25272723"/>
+                <a:off x="7021894" y="25238400"/>
                 <a:ext cx="1497972" cy="1204325"/>
               </a:xfrm>
               <a:prstGeom prst="rect">
@@ -9315,9 +8317,9 @@
         <p:grpSpPr>
           <a:xfrm>
             <a:off x="29339373" y="6803526"/>
-            <a:ext cx="12842426" cy="12336678"/>
+            <a:ext cx="12842426" cy="12268032"/>
             <a:chOff x="29339373" y="6803526"/>
-            <a:chExt cx="12842426" cy="12336678"/>
+            <a:chExt cx="12842426" cy="12268032"/>
           </a:xfrm>
         </p:grpSpPr>
         <p:sp>
@@ -9905,7 +8907,7 @@
           </p:nvSpPr>
           <p:spPr>
             <a:xfrm>
-              <a:off x="30679500" y="17252341"/>
+              <a:off x="30679500" y="17183695"/>
               <a:ext cx="2778806" cy="1887863"/>
             </a:xfrm>
             <a:prstGeom prst="roundRect">
@@ -10361,7 +9363,7 @@
             </a:pPr>
             <a:r>
               <a:rPr lang="en-US" sz="2000" smtClean="0"/>
-              <a:t>v0.6: </a:t>
+              <a:t>v0.7: </a:t>
             </a:r>
             <a:r>
               <a:rPr lang="en-US" sz="2000" dirty="0" smtClean="0"/>

--- a/MoLOverviewPoster2015.pptx
+++ b/MoLOverviewPoster2015.pptx
@@ -3244,7 +3244,7 @@
         </p:nvSpPr>
         <p:spPr>
           <a:xfrm>
-            <a:off x="27412477" y="-187587"/>
+            <a:off x="27412477" y="-50295"/>
             <a:ext cx="13005745" cy="1740827"/>
           </a:xfrm>
           <a:prstGeom prst="rect">
@@ -9264,8 +9264,8 @@
         </p:nvSpPr>
         <p:spPr>
           <a:xfrm>
-            <a:off x="27525740" y="1137340"/>
-            <a:ext cx="7811011" cy="644806"/>
+            <a:off x="27525740" y="1480570"/>
+            <a:ext cx="12249151" cy="644806"/>
           </a:xfrm>
           <a:prstGeom prst="rect">
             <a:avLst/>
@@ -9362,41 +9362,32 @@
               <a:defRPr sz="1800"/>
             </a:pPr>
             <a:r>
-              <a:rPr lang="en-US" sz="2000" smtClean="0"/>
-              <a:t>v0.7: </a:t>
+              <a:rPr lang="en-US" sz="2000" dirty="0" smtClean="0"/>
+              <a:t>v1.0: </a:t>
+            </a:r>
+            <a:r>
+              <a:rPr lang="en-US" sz="2000" dirty="0" smtClean="0">
+                <a:hlinkClick r:id="rId4"/>
+              </a:rPr>
+              <a:t>https</a:t>
+            </a:r>
+            <a:r>
+              <a:rPr lang="en-US" sz="2000" dirty="0">
+                <a:hlinkClick r:id="rId4"/>
+              </a:rPr>
+              <a:t>://github.com/cschaffner/</a:t>
+            </a:r>
+            <a:r>
+              <a:rPr lang="en-US" sz="2000" dirty="0" smtClean="0">
+                <a:hlinkClick r:id="rId4"/>
+              </a:rPr>
+              <a:t>MoLOverviewPoster</a:t>
             </a:r>
             <a:r>
               <a:rPr lang="en-US" sz="2000" dirty="0" smtClean="0"/>
-              <a:t>https</a:t>
+              <a:t> , suggestions and comments are welcome! </a:t>
             </a:r>
-            <a:r>
-              <a:rPr lang="en-US" sz="2000" dirty="0"/>
-              <a:t>://</a:t>
-            </a:r>
-            <a:r>
-              <a:rPr lang="en-US" sz="2000" dirty="0" err="1"/>
-              <a:t>github.com</a:t>
-            </a:r>
-            <a:r>
-              <a:rPr lang="en-US" sz="2000" dirty="0"/>
-              <a:t>/</a:t>
-            </a:r>
-            <a:r>
-              <a:rPr lang="en-US" sz="2000" dirty="0" err="1"/>
-              <a:t>cschaffner</a:t>
-            </a:r>
-            <a:r>
-              <a:rPr lang="en-US" sz="2000" dirty="0"/>
-              <a:t>/</a:t>
-            </a:r>
-            <a:r>
-              <a:rPr lang="en-US" sz="2000" dirty="0" err="1"/>
-              <a:t>MoLOverviewPoster</a:t>
-            </a:r>
-            <a:r>
-              <a:rPr lang="en-US" sz="2000" dirty="0"/>
-              <a:t> </a:t>
-            </a:r>
+            <a:endParaRPr lang="en-US" sz="2000" dirty="0"/>
           </a:p>
         </p:txBody>
       </p:sp>

--- a/MoLOverviewPoster2015.pptx
+++ b/MoLOverviewPoster2015.pptx
@@ -11,7 +11,7 @@
     <p:sldId id="257" r:id="rId2"/>
   </p:sldIdLst>
   <p:sldSz cx="42811700" cy="30264100"/>
-  <p:notesSz cx="6858000" cy="9144000"/>
+  <p:notesSz cx="6648450" cy="9774238"/>
   <p:defaultTextStyle>
     <a:lvl1pPr defTabSz="2088048">
       <a:defRPr sz="8200">
@@ -123,15 +123,15 @@
         </p:nvSpPr>
         <p:spPr>
           <a:xfrm>
-            <a:off x="1004888" y="685800"/>
-            <a:ext cx="4848225" cy="3429000"/>
+            <a:off x="731838" y="733425"/>
+            <a:ext cx="5184775" cy="3665538"/>
           </a:xfrm>
           <a:prstGeom prst="rect">
             <a:avLst/>
           </a:prstGeom>
         </p:spPr>
         <p:txBody>
-          <a:bodyPr/>
+          <a:bodyPr lIns="89650" tIns="44825" rIns="89650" bIns="44825"/>
           <a:lstStyle/>
           <a:p>
             <a:pPr lvl="0"/>
@@ -151,15 +151,15 @@
         </p:nvSpPr>
         <p:spPr>
           <a:xfrm>
-            <a:off x="914400" y="4343400"/>
-            <a:ext cx="5029200" cy="4114800"/>
+            <a:off x="886462" y="4642771"/>
+            <a:ext cx="4875531" cy="4398407"/>
           </a:xfrm>
           <a:prstGeom prst="rect">
             <a:avLst/>
           </a:prstGeom>
         </p:spPr>
         <p:txBody>
-          <a:bodyPr/>
+          <a:bodyPr lIns="89650" tIns="44825" rIns="89650" bIns="44825"/>
           <a:lstStyle/>
           <a:p>
             <a:pPr lvl="0"/>
@@ -308,8 +308,8 @@
         </p:nvSpPr>
         <p:spPr>
           <a:xfrm>
-            <a:off x="1004888" y="685800"/>
-            <a:ext cx="4848225" cy="3429000"/>
+            <a:off x="731838" y="733425"/>
+            <a:ext cx="5184775" cy="3665538"/>
           </a:xfrm>
         </p:spPr>
       </p:sp>
@@ -2540,10 +2540,10 @@
         </p:nvGrpSpPr>
         <p:grpSpPr>
           <a:xfrm>
-            <a:off x="1132721" y="166061"/>
-            <a:ext cx="41584635" cy="30006347"/>
-            <a:chOff x="1132721" y="166061"/>
-            <a:chExt cx="41584635" cy="30006347"/>
+            <a:off x="508829" y="163685"/>
+            <a:ext cx="41869737" cy="29802014"/>
+            <a:chOff x="1132721" y="-35115"/>
+            <a:chExt cx="41869737" cy="29802014"/>
           </a:xfrm>
         </p:grpSpPr>
         <p:sp>
@@ -2554,33 +2554,22 @@
           </p:nvSpPr>
           <p:spPr>
             <a:xfrm>
-              <a:off x="4985577" y="166061"/>
-              <a:ext cx="21881203" cy="13653791"/>
+              <a:off x="6123360" y="-35115"/>
+              <a:ext cx="21220423" cy="13854968"/>
             </a:xfrm>
             <a:prstGeom prst="roundRect">
               <a:avLst>
                 <a:gd name="adj" fmla="val 9410"/>
               </a:avLst>
             </a:prstGeom>
-            <a:gradFill flip="none" rotWithShape="1">
-              <a:gsLst>
-                <a:gs pos="0">
-                  <a:srgbClr val="FFFF00">
-                    <a:alpha val="30000"/>
-                  </a:srgbClr>
-                </a:gs>
-                <a:gs pos="100000">
-                  <a:srgbClr val="FFFFFF">
-                    <a:alpha val="30000"/>
-                  </a:srgbClr>
-                </a:gs>
-              </a:gsLst>
-              <a:lin ang="4680000" scaled="0"/>
-              <a:tileRect/>
-            </a:gradFill>
-            <a:ln>
+            <a:solidFill>
+              <a:srgbClr val="8585FF">
+                <a:alpha val="34902"/>
+              </a:srgbClr>
+            </a:solidFill>
+            <a:ln w="76200">
               <a:solidFill>
-                <a:srgbClr val="FFFF00"/>
+                <a:srgbClr val="00CC5C"/>
               </a:solidFill>
             </a:ln>
           </p:spPr>
@@ -2621,8 +2610,8 @@
           </p:nvSpPr>
           <p:spPr>
             <a:xfrm>
-              <a:off x="1132721" y="10193668"/>
-              <a:ext cx="29522942" cy="19720930"/>
+              <a:off x="1132721" y="10065286"/>
+              <a:ext cx="29410014" cy="19357737"/>
             </a:xfrm>
             <a:prstGeom prst="corner">
               <a:avLst>
@@ -2630,25 +2619,14 @@
                 <a:gd name="adj2" fmla="val 48372"/>
               </a:avLst>
             </a:prstGeom>
-            <a:gradFill flip="none" rotWithShape="1">
-              <a:gsLst>
-                <a:gs pos="0">
-                  <a:schemeClr val="accent5">
-                    <a:alpha val="30000"/>
-                  </a:schemeClr>
-                </a:gs>
-                <a:gs pos="100000">
-                  <a:srgbClr val="FFFFFF">
-                    <a:alpha val="30000"/>
-                  </a:srgbClr>
-                </a:gs>
-              </a:gsLst>
-              <a:lin ang="0" scaled="1"/>
-              <a:tileRect/>
-            </a:gradFill>
-            <a:ln>
+            <a:solidFill>
+              <a:srgbClr val="00B0F0">
+                <a:alpha val="49804"/>
+              </a:srgbClr>
+            </a:solidFill>
+            <a:ln w="76200">
               <a:solidFill>
-                <a:schemeClr val="accent5"/>
+                <a:schemeClr val="accent6"/>
               </a:solidFill>
             </a:ln>
           </p:spPr>
@@ -2692,34 +2670,25 @@
           </p:nvSpPr>
           <p:spPr>
             <a:xfrm rot="10800000">
-              <a:off x="17249258" y="2377105"/>
-              <a:ext cx="21222488" cy="13619037"/>
+              <a:off x="17223226" y="2555249"/>
+              <a:ext cx="21329322" cy="13435575"/>
             </a:xfrm>
             <a:prstGeom prst="corner">
               <a:avLst>
-                <a:gd name="adj1" fmla="val 56330"/>
+                <a:gd name="adj1" fmla="val 52163"/>
                 <a:gd name="adj2" fmla="val 76015"/>
               </a:avLst>
             </a:prstGeom>
-            <a:gradFill flip="none" rotWithShape="1">
-              <a:gsLst>
-                <a:gs pos="0">
-                  <a:schemeClr val="accent6">
-                    <a:alpha val="30000"/>
-                  </a:schemeClr>
-                </a:gs>
-                <a:gs pos="100000">
-                  <a:srgbClr val="FFFFFF">
-                    <a:alpha val="30000"/>
-                  </a:srgbClr>
-                </a:gs>
-              </a:gsLst>
-              <a:lin ang="20040000" scaled="0"/>
-              <a:tileRect/>
-            </a:gradFill>
-            <a:ln>
+            <a:solidFill>
+              <a:schemeClr val="accent5">
+                <a:lumMod val="60000"/>
+                <a:lumOff val="40000"/>
+                <a:alpha val="30196"/>
+              </a:schemeClr>
+            </a:solidFill>
+            <a:ln w="76200">
               <a:solidFill>
-                <a:schemeClr val="accent6"/>
+                <a:srgbClr val="00B050"/>
               </a:solidFill>
             </a:ln>
           </p:spPr>
@@ -2760,33 +2729,22 @@
           </p:nvSpPr>
           <p:spPr>
             <a:xfrm>
-              <a:off x="3018273" y="6555063"/>
-              <a:ext cx="23521538" cy="10638706"/>
+              <a:off x="2094535" y="6555063"/>
+              <a:ext cx="24445276" cy="10638706"/>
             </a:xfrm>
             <a:prstGeom prst="roundRect">
               <a:avLst>
                 <a:gd name="adj" fmla="val 9008"/>
               </a:avLst>
             </a:prstGeom>
-            <a:gradFill flip="none" rotWithShape="1">
-              <a:gsLst>
-                <a:gs pos="0">
-                  <a:schemeClr val="accent2">
-                    <a:alpha val="50000"/>
-                  </a:schemeClr>
-                </a:gs>
-                <a:gs pos="100000">
-                  <a:srgbClr val="FFFFFF">
-                    <a:alpha val="30000"/>
-                  </a:srgbClr>
-                </a:gs>
-              </a:gsLst>
-              <a:lin ang="0" scaled="1"/>
-              <a:tileRect/>
-            </a:gradFill>
-            <a:ln>
+            <a:solidFill>
+              <a:srgbClr val="FF0000">
+                <a:alpha val="30196"/>
+              </a:srgbClr>
+            </a:solidFill>
+            <a:ln w="76200">
               <a:solidFill>
-                <a:schemeClr val="accent2"/>
+                <a:srgbClr val="FF0000"/>
               </a:solidFill>
             </a:ln>
           </p:spPr>
@@ -2827,33 +2785,22 @@
           </p:nvSpPr>
           <p:spPr>
             <a:xfrm>
-              <a:off x="22857433" y="20612990"/>
-              <a:ext cx="19859923" cy="9559418"/>
+              <a:off x="22578386" y="20798047"/>
+              <a:ext cx="20424072" cy="8968852"/>
             </a:xfrm>
             <a:prstGeom prst="roundRect">
               <a:avLst>
                 <a:gd name="adj" fmla="val 9008"/>
               </a:avLst>
             </a:prstGeom>
-            <a:gradFill flip="none" rotWithShape="1">
-              <a:gsLst>
-                <a:gs pos="0">
-                  <a:schemeClr val="accent4">
-                    <a:alpha val="50000"/>
-                  </a:schemeClr>
-                </a:gs>
-                <a:gs pos="100000">
-                  <a:srgbClr val="FFFFFF">
-                    <a:alpha val="30000"/>
-                  </a:srgbClr>
-                </a:gs>
-              </a:gsLst>
-              <a:lin ang="10800000" scaled="0"/>
-              <a:tileRect/>
-            </a:gradFill>
-            <a:ln>
+            <a:solidFill>
+              <a:srgbClr val="00B050">
+                <a:alpha val="20000"/>
+              </a:srgbClr>
+            </a:solidFill>
+            <a:ln w="76200">
               <a:solidFill>
-                <a:schemeClr val="accent4"/>
+                <a:srgbClr val="00B050"/>
               </a:solidFill>
             </a:ln>
           </p:spPr>
@@ -2894,33 +2841,22 @@
           </p:nvSpPr>
           <p:spPr>
             <a:xfrm>
-              <a:off x="11603272" y="9678448"/>
-              <a:ext cx="22218305" cy="10776571"/>
+              <a:off x="11843902" y="9976144"/>
+              <a:ext cx="22218305" cy="10478875"/>
             </a:xfrm>
             <a:prstGeom prst="roundRect">
               <a:avLst>
                 <a:gd name="adj" fmla="val 9410"/>
               </a:avLst>
             </a:prstGeom>
-            <a:gradFill flip="none" rotWithShape="1">
-              <a:gsLst>
-                <a:gs pos="0">
-                  <a:schemeClr val="accent4">
-                    <a:alpha val="30000"/>
-                  </a:schemeClr>
-                </a:gs>
-                <a:gs pos="100000">
-                  <a:srgbClr val="FFFFFF">
-                    <a:alpha val="30000"/>
-                  </a:srgbClr>
-                </a:gs>
-              </a:gsLst>
-              <a:lin ang="16200000" scaled="0"/>
-              <a:tileRect/>
-            </a:gradFill>
+            <a:solidFill>
+              <a:srgbClr val="FFFF00">
+                <a:alpha val="25098"/>
+              </a:srgbClr>
+            </a:solidFill>
             <a:ln>
               <a:solidFill>
-                <a:schemeClr val="accent4"/>
+                <a:srgbClr val="7030A0"/>
               </a:solidFill>
             </a:ln>
           </p:spPr>
@@ -2945,7 +2881,7 @@
             <a:lstStyle/>
             <a:p>
               <a:pPr algn="l" defTabSz="914400" rtl="0" latinLnBrk="1" hangingPunct="0"/>
-              <a:endParaRPr lang="en-US" sz="1800">
+              <a:endParaRPr lang="en-US" sz="1800" dirty="0">
                 <a:solidFill>
                   <a:srgbClr val="000000"/>
                 </a:solidFill>
@@ -2961,7 +2897,7 @@
           </p:nvSpPr>
           <p:spPr>
             <a:xfrm rot="16200000">
-              <a:off x="28920516" y="6321966"/>
+              <a:off x="29300993" y="6256422"/>
               <a:ext cx="14943205" cy="12459722"/>
             </a:xfrm>
             <a:prstGeom prst="corner">
@@ -2970,25 +2906,14 @@
                 <a:gd name="adj2" fmla="val 27568"/>
               </a:avLst>
             </a:prstGeom>
-            <a:gradFill flip="none" rotWithShape="1">
-              <a:gsLst>
-                <a:gs pos="0">
-                  <a:schemeClr val="tx2">
-                    <a:alpha val="30000"/>
-                  </a:schemeClr>
-                </a:gs>
-                <a:gs pos="100000">
-                  <a:srgbClr val="FFFFFF">
-                    <a:alpha val="30000"/>
-                  </a:srgbClr>
-                </a:gs>
-              </a:gsLst>
-              <a:lin ang="15660000" scaled="0"/>
-              <a:tileRect/>
-            </a:gradFill>
+            <a:solidFill>
+              <a:srgbClr val="8585FF">
+                <a:alpha val="34902"/>
+              </a:srgbClr>
+            </a:solidFill>
             <a:ln>
               <a:solidFill>
-                <a:schemeClr val="tx2"/>
+                <a:srgbClr val="FF0000"/>
               </a:solidFill>
             </a:ln>
           </p:spPr>
@@ -3030,8 +2955,8 @@
         </p:nvSpPr>
         <p:spPr>
           <a:xfrm flipV="1">
-            <a:off x="39148238" y="22272253"/>
-            <a:ext cx="1739122" cy="2190388"/>
+            <a:off x="39371545" y="22368505"/>
+            <a:ext cx="1082680" cy="2003516"/>
           </a:xfrm>
           <a:prstGeom prst="line">
             <a:avLst/>
@@ -3072,8 +2997,8 @@
         </p:nvSpPr>
         <p:spPr>
           <a:xfrm flipV="1">
-            <a:off x="38995597" y="22267445"/>
-            <a:ext cx="779294" cy="653260"/>
+            <a:off x="38633375" y="21648207"/>
+            <a:ext cx="708381" cy="477289"/>
           </a:xfrm>
           <a:prstGeom prst="line">
             <a:avLst/>
@@ -3114,8 +3039,8 @@
         </p:nvSpPr>
         <p:spPr>
           <a:xfrm flipV="1">
-            <a:off x="34888378" y="21197067"/>
-            <a:ext cx="4725910" cy="204614"/>
+            <a:off x="34014340" y="20984855"/>
+            <a:ext cx="4937770" cy="1502234"/>
           </a:xfrm>
           <a:prstGeom prst="line">
             <a:avLst/>
@@ -3156,8 +3081,8 @@
         </p:nvSpPr>
         <p:spPr>
           <a:xfrm flipV="1">
-            <a:off x="39774890" y="22272253"/>
-            <a:ext cx="1512059" cy="4251878"/>
+            <a:off x="40750534" y="22655875"/>
+            <a:ext cx="399589" cy="3991028"/>
           </a:xfrm>
           <a:prstGeom prst="line">
             <a:avLst/>
@@ -3198,8 +3123,8 @@
         </p:nvSpPr>
         <p:spPr>
           <a:xfrm flipV="1">
-            <a:off x="36150420" y="22244366"/>
-            <a:ext cx="4267803" cy="4820028"/>
+            <a:off x="36053263" y="22246677"/>
+            <a:ext cx="3909346" cy="4682397"/>
           </a:xfrm>
           <a:prstGeom prst="line">
             <a:avLst/>
@@ -3244,7 +3169,7 @@
         </p:nvSpPr>
         <p:spPr>
           <a:xfrm>
-            <a:off x="27412477" y="-50295"/>
+            <a:off x="26979343" y="45957"/>
             <a:ext cx="13005745" cy="1740827"/>
           </a:xfrm>
           <a:prstGeom prst="rect">
@@ -3284,7 +3209,7 @@
         </p:nvGrpSpPr>
         <p:grpSpPr>
           <a:xfrm>
-            <a:off x="146049" y="67432"/>
+            <a:off x="516019" y="163684"/>
             <a:ext cx="3462954" cy="2360474"/>
             <a:chOff x="146049" y="67432"/>
             <a:chExt cx="3462954" cy="2360474"/>
@@ -3548,8 +3473,8 @@
         </p:nvSpPr>
         <p:spPr>
           <a:xfrm>
-            <a:off x="1657870" y="27834224"/>
-            <a:ext cx="3327707" cy="1700894"/>
+            <a:off x="1224736" y="27689846"/>
+            <a:ext cx="3563025" cy="1700894"/>
           </a:xfrm>
           <a:prstGeom prst="rect">
             <a:avLst/>
@@ -3577,10 +3502,18 @@
               <a:defRPr sz="1800"/>
             </a:pPr>
             <a:r>
+              <a:rPr lang="en-US" sz="4000" b="1" dirty="0" smtClean="0"/>
+              <a:t>Mathematical</a:t>
+            </a:r>
+            <a:r>
               <a:rPr lang="en-US" sz="4000" dirty="0" smtClean="0"/>
-              <a:t>Mathematical Logic</a:t>
+              <a:t> </a:t>
             </a:r>
-            <a:endParaRPr sz="4000" dirty="0"/>
+            <a:r>
+              <a:rPr lang="en-US" sz="4000" b="1" dirty="0" smtClean="0"/>
+              <a:t>Logic</a:t>
+            </a:r>
+            <a:endParaRPr sz="4000" b="1" dirty="0"/>
           </a:p>
         </p:txBody>
       </p:sp>
@@ -3592,8 +3525,8 @@
         </p:nvSpPr>
         <p:spPr>
           <a:xfrm>
-            <a:off x="39295275" y="25239235"/>
-            <a:ext cx="3449584" cy="2074227"/>
+            <a:off x="26824069" y="20961700"/>
+            <a:ext cx="6983034" cy="1163796"/>
           </a:xfrm>
           <a:prstGeom prst="rect">
             <a:avLst/>
@@ -3609,7 +3542,7 @@
         </p:spPr>
         <p:txBody>
           <a:bodyPr lIns="208805" tIns="208805" rIns="208805" bIns="208805" anchor="ctr">
-            <a:normAutofit lnSpcReduction="10000"/>
+            <a:normAutofit/>
           </a:bodyPr>
           <a:lstStyle>
             <a:lvl1pPr>
@@ -3617,14 +3550,14 @@
             </a:lvl1pPr>
           </a:lstStyle>
           <a:p>
-            <a:pPr lvl="0" algn="r">
+            <a:pPr lvl="0" algn="l">
               <a:defRPr sz="1800"/>
             </a:pPr>
             <a:r>
-              <a:rPr lang="en-US" sz="4000" dirty="0" smtClean="0"/>
+              <a:rPr lang="en-US" sz="4000" b="1" dirty="0" smtClean="0"/>
               <a:t>Theoretical Computer Science</a:t>
             </a:r>
-            <a:endParaRPr sz="4000" dirty="0"/>
+            <a:endParaRPr sz="4000" b="1" dirty="0"/>
           </a:p>
         </p:txBody>
       </p:sp>
@@ -3636,8 +3569,8 @@
         </p:nvSpPr>
         <p:spPr>
           <a:xfrm>
-            <a:off x="39189239" y="4470714"/>
-            <a:ext cx="3488779" cy="2828082"/>
+            <a:off x="38378200" y="4566966"/>
+            <a:ext cx="3866685" cy="2828082"/>
           </a:xfrm>
           <a:prstGeom prst="rect">
             <a:avLst/>
@@ -3665,10 +3598,26 @@
               <a:defRPr sz="1800"/>
             </a:pPr>
             <a:r>
+              <a:rPr lang="en-US" sz="4000" b="1" dirty="0" smtClean="0"/>
+              <a:t>Computational</a:t>
+            </a:r>
+            <a:r>
               <a:rPr lang="en-US" sz="4000" dirty="0" smtClean="0"/>
-              <a:t>Computational Linguistics / AI</a:t>
+              <a:t> </a:t>
             </a:r>
-            <a:endParaRPr sz="4000" dirty="0"/>
+            <a:r>
+              <a:rPr lang="en-US" sz="4000" b="1" dirty="0" smtClean="0"/>
+              <a:t>Linguistics</a:t>
+            </a:r>
+            <a:r>
+              <a:rPr lang="en-US" sz="4000" dirty="0" smtClean="0"/>
+              <a:t> / </a:t>
+            </a:r>
+            <a:r>
+              <a:rPr lang="en-US" sz="4000" b="1" dirty="0" smtClean="0"/>
+              <a:t>AI</a:t>
+            </a:r>
+            <a:endParaRPr sz="4000" b="1" dirty="0"/>
           </a:p>
         </p:txBody>
       </p:sp>
@@ -3680,10 +3629,10 @@
         </p:nvGrpSpPr>
         <p:grpSpPr>
           <a:xfrm>
-            <a:off x="23786760" y="19073523"/>
-            <a:ext cx="18835216" cy="10419532"/>
-            <a:chOff x="23786760" y="19073523"/>
-            <a:chExt cx="18835216" cy="10419532"/>
+            <a:off x="22673960" y="18977271"/>
+            <a:ext cx="19707387" cy="10644552"/>
+            <a:chOff x="23107094" y="18881019"/>
+            <a:chExt cx="19707387" cy="10644552"/>
           </a:xfrm>
         </p:grpSpPr>
         <p:sp>
@@ -3694,13 +3643,11 @@
           </p:nvSpPr>
           <p:spPr>
             <a:xfrm>
-              <a:off x="39774891" y="19073523"/>
-              <a:ext cx="2847085" cy="3040421"/>
+              <a:off x="39577749" y="18881019"/>
+              <a:ext cx="3236732" cy="3317316"/>
             </a:xfrm>
-            <a:prstGeom prst="roundRect">
-              <a:avLst>
-                <a:gd name="adj" fmla="val 16667"/>
-              </a:avLst>
+            <a:prstGeom prst="ellipse">
+              <a:avLst/>
             </a:prstGeom>
             <a:gradFill flip="none" rotWithShape="1">
               <a:gsLst>
@@ -3713,11 +3660,11 @@
               </a:gsLst>
               <a:lin ang="16200000" scaled="0"/>
             </a:gradFill>
-            <a:ln w="9525" cap="flat">
+            <a:ln w="22225" cap="flat">
               <a:solidFill>
                 <a:schemeClr val="tx1"/>
               </a:solidFill>
-              <a:prstDash val="sysDash"/>
+              <a:prstDash val="solid"/>
               <a:bevel/>
             </a:ln>
             <a:effectLst>
@@ -3776,7 +3723,7 @@
           </p:nvSpPr>
           <p:spPr>
             <a:xfrm>
-              <a:off x="27383451" y="26981210"/>
+              <a:off x="26912397" y="26633405"/>
               <a:ext cx="2778806" cy="2427776"/>
             </a:xfrm>
             <a:prstGeom prst="roundRect">
@@ -3858,7 +3805,7 @@
           </p:nvSpPr>
           <p:spPr>
             <a:xfrm>
-              <a:off x="32109572" y="24234379"/>
+              <a:off x="31058902" y="27188104"/>
               <a:ext cx="2778806" cy="1887864"/>
             </a:xfrm>
             <a:prstGeom prst="roundRect">
@@ -3930,7 +3877,7 @@
                 <a:t>-FNWI] Recursion Theory (</a:t>
               </a:r>
               <a:r>
-                <a:rPr lang="en-US" sz="2800" dirty="0" err="1">
+                <a:rPr lang="en-US" sz="2800" dirty="0" err="1" smtClean="0">
                   <a:solidFill>
                     <a:srgbClr val="FFFFFF"/>
                   </a:solidFill>
@@ -3938,13 +3885,18 @@
                 <a:t>Rodenburg</a:t>
               </a:r>
               <a:r>
-                <a:rPr lang="en-US" sz="2800" dirty="0">
+                <a:rPr lang="en-US" sz="2800" dirty="0" smtClean="0">
                   <a:solidFill>
                     <a:srgbClr val="FFFFFF"/>
                   </a:solidFill>
                 </a:rPr>
                 <a:t>)</a:t>
               </a:r>
+              <a:endParaRPr lang="en-US" sz="2800" dirty="0">
+                <a:solidFill>
+                  <a:srgbClr val="FFFFFF"/>
+                </a:solidFill>
+              </a:endParaRPr>
             </a:p>
           </p:txBody>
         </p:sp>
@@ -3956,7 +3908,7 @@
           </p:nvSpPr>
           <p:spPr>
             <a:xfrm>
-              <a:off x="27378110" y="24788764"/>
+              <a:off x="26912397" y="23630460"/>
               <a:ext cx="2778806" cy="1887863"/>
             </a:xfrm>
             <a:prstGeom prst="roundRect">
@@ -4038,8 +3990,8 @@
           </p:nvSpPr>
           <p:spPr>
             <a:xfrm>
-              <a:off x="23793654" y="27063233"/>
-              <a:ext cx="3013179" cy="2429822"/>
+              <a:off x="23113988" y="26974552"/>
+              <a:ext cx="3013179" cy="2132947"/>
             </a:xfrm>
             <a:prstGeom prst="roundRect">
               <a:avLst>
@@ -4107,7 +4059,7 @@
           </p:nvSpPr>
           <p:spPr>
             <a:xfrm>
-              <a:off x="37405046" y="26625130"/>
+              <a:off x="39066509" y="26729543"/>
               <a:ext cx="3013177" cy="2794095"/>
             </a:xfrm>
             <a:prstGeom prst="roundRect">
@@ -4176,7 +4128,7 @@
           </p:nvSpPr>
           <p:spPr>
             <a:xfrm>
-              <a:off x="23786760" y="22559623"/>
+              <a:off x="23107094" y="22407572"/>
               <a:ext cx="3013179" cy="1825561"/>
             </a:xfrm>
             <a:prstGeom prst="roundRect">
@@ -4245,7 +4197,7 @@
           </p:nvSpPr>
           <p:spPr>
             <a:xfrm>
-              <a:off x="36135059" y="24462641"/>
+              <a:off x="37382564" y="24452854"/>
               <a:ext cx="3013179" cy="1659602"/>
             </a:xfrm>
             <a:prstGeom prst="roundRect">
@@ -4314,7 +4266,7 @@
           </p:nvSpPr>
           <p:spPr>
             <a:xfrm>
-              <a:off x="27642484" y="20713617"/>
+              <a:off x="32940796" y="25234160"/>
               <a:ext cx="3013179" cy="1371571"/>
             </a:xfrm>
             <a:prstGeom prst="roundRect">
@@ -4383,7 +4335,7 @@
           </p:nvSpPr>
           <p:spPr>
             <a:xfrm>
-              <a:off x="23793654" y="24659708"/>
+              <a:off x="23113988" y="24532927"/>
               <a:ext cx="3013179" cy="2107808"/>
             </a:xfrm>
             <a:prstGeom prst="roundRect">
@@ -4452,7 +4404,7 @@
           </p:nvSpPr>
           <p:spPr>
             <a:xfrm>
-              <a:off x="33137241" y="27064393"/>
+              <a:off x="34938094" y="27316641"/>
               <a:ext cx="3013179" cy="2208930"/>
             </a:xfrm>
             <a:prstGeom prst="roundRect">
@@ -4521,10 +4473,10 @@
           </p:nvGrpSpPr>
           <p:grpSpPr>
             <a:xfrm>
-              <a:off x="35303047" y="21401681"/>
-              <a:ext cx="3763462" cy="2517547"/>
-              <a:chOff x="35388312" y="21371677"/>
-              <a:chExt cx="3763461" cy="2517547"/>
+              <a:off x="35557954" y="21377532"/>
+              <a:ext cx="3243920" cy="2304682"/>
+              <a:chOff x="35643220" y="21347528"/>
+              <a:chExt cx="3243919" cy="2304682"/>
             </a:xfrm>
           </p:grpSpPr>
           <p:sp>
@@ -4535,8 +4487,8 @@
             </p:nvSpPr>
             <p:spPr>
               <a:xfrm>
-                <a:off x="35388312" y="21658575"/>
-                <a:ext cx="3523321" cy="2230649"/>
+                <a:off x="35643220" y="21642815"/>
+                <a:ext cx="3243919" cy="2009395"/>
               </a:xfrm>
               <a:prstGeom prst="roundRect">
                 <a:avLst>
@@ -4581,6 +4533,12 @@
                 <a:pPr lvl="0" algn="ctr">
                   <a:defRPr sz="1800"/>
                 </a:pPr>
+                <a:endParaRPr lang="en-US" sz="2800" dirty="0" smtClean="0"/>
+              </a:p>
+              <a:p>
+                <a:pPr lvl="0" algn="ctr">
+                  <a:defRPr sz="1800"/>
+                </a:pPr>
                 <a:r>
                   <a:rPr lang="en-US" sz="2800" dirty="0" smtClean="0"/>
                   <a:t>[</a:t>
@@ -4604,7 +4562,7 @@
             </p:nvSpPr>
             <p:spPr>
               <a:xfrm>
-                <a:off x="37653801" y="21371677"/>
+                <a:off x="36597052" y="21347528"/>
                 <a:ext cx="1497972" cy="1204325"/>
               </a:xfrm>
               <a:prstGeom prst="rect">
@@ -4633,10 +4591,10 @@
                   <a:defRPr sz="1800"/>
                 </a:pPr>
                 <a:r>
-                  <a:rPr lang="en-US" sz="3400" dirty="0" smtClean="0"/>
+                  <a:rPr lang="en-US" sz="3400" b="1" dirty="0" smtClean="0"/>
                   <a:t>L&amp;C</a:t>
                 </a:r>
-                <a:endParaRPr sz="3400" dirty="0"/>
+                <a:endParaRPr sz="3400" b="1" dirty="0"/>
               </a:p>
             </p:txBody>
           </p:sp>
@@ -4649,10 +4607,10 @@
           </p:nvGrpSpPr>
           <p:grpSpPr>
             <a:xfrm>
-              <a:off x="31202528" y="20455019"/>
-              <a:ext cx="3634326" cy="2465686"/>
-              <a:chOff x="39087856" y="26810225"/>
-              <a:chExt cx="3634326" cy="2465686"/>
+              <a:off x="30976658" y="22104801"/>
+              <a:ext cx="3470816" cy="2512227"/>
+              <a:chOff x="38861986" y="28460007"/>
+              <a:chExt cx="3470816" cy="2512227"/>
             </a:xfrm>
           </p:grpSpPr>
           <p:sp>
@@ -4663,7 +4621,7 @@
             </p:nvSpPr>
             <p:spPr>
               <a:xfrm>
-                <a:off x="39087856" y="27112784"/>
+                <a:off x="38861986" y="28809107"/>
                 <a:ext cx="3470816" cy="2163127"/>
               </a:xfrm>
               <a:prstGeom prst="roundRect">
@@ -4710,6 +4668,20 @@
                     </a:solidFill>
                   </a:defRPr>
                 </a:pPr>
+                <a:endParaRPr lang="en-US" sz="2800" dirty="0" smtClean="0">
+                  <a:solidFill>
+                    <a:srgbClr val="FFFFFF"/>
+                  </a:solidFill>
+                </a:endParaRPr>
+              </a:p>
+              <a:p>
+                <a:pPr lvl="0" algn="ctr">
+                  <a:defRPr sz="1800">
+                    <a:solidFill>
+                      <a:srgbClr val="000000"/>
+                    </a:solidFill>
+                  </a:defRPr>
+                </a:pPr>
                 <a:r>
                   <a:rPr lang="en-US" sz="2800" dirty="0" smtClean="0">
                     <a:solidFill>
@@ -4745,7 +4717,7 @@
             </p:nvSpPr>
             <p:spPr>
               <a:xfrm>
-                <a:off x="41224210" y="26810225"/>
+                <a:off x="39918656" y="28460007"/>
                 <a:ext cx="1497972" cy="1204325"/>
               </a:xfrm>
               <a:prstGeom prst="rect">
@@ -4774,10 +4746,18 @@
                   <a:defRPr sz="1800"/>
                 </a:pPr>
                 <a:r>
-                  <a:rPr lang="en-US" sz="3400" dirty="0"/>
+                  <a:rPr lang="en-US" sz="3400" b="1" dirty="0">
+                    <a:solidFill>
+                      <a:schemeClr val="bg1"/>
+                    </a:solidFill>
+                  </a:rPr>
                   <a:t>L&amp;C</a:t>
                 </a:r>
-                <a:endParaRPr sz="3400" dirty="0"/>
+                <a:endParaRPr sz="3400" b="1" dirty="0">
+                  <a:solidFill>
+                    <a:schemeClr val="bg1"/>
+                  </a:solidFill>
+                </a:endParaRPr>
               </a:p>
             </p:txBody>
           </p:sp>
@@ -4791,10 +4771,10 @@
         </p:nvGrpSpPr>
         <p:grpSpPr>
           <a:xfrm>
-            <a:off x="11956404" y="10360252"/>
-            <a:ext cx="14815112" cy="9730023"/>
-            <a:chOff x="11956404" y="10360252"/>
-            <a:chExt cx="14815112" cy="9730023"/>
+            <a:off x="11597914" y="10471918"/>
+            <a:ext cx="13900896" cy="9840733"/>
+            <a:chOff x="12031048" y="10375666"/>
+            <a:chExt cx="13900896" cy="9840733"/>
           </a:xfrm>
         </p:grpSpPr>
         <p:sp>
@@ -4805,7 +4785,7 @@
           </p:nvSpPr>
           <p:spPr>
             <a:xfrm>
-              <a:off x="18561834" y="14245018"/>
+              <a:off x="18561834" y="14212934"/>
               <a:ext cx="3013179" cy="2429822"/>
             </a:xfrm>
             <a:prstGeom prst="roundRect">
@@ -4874,7 +4854,7 @@
           </p:nvSpPr>
           <p:spPr>
             <a:xfrm>
-              <a:off x="20154682" y="17460631"/>
+              <a:off x="20154682" y="17586755"/>
               <a:ext cx="4465896" cy="2629644"/>
             </a:xfrm>
             <a:prstGeom prst="roundRect">
@@ -4943,7 +4923,7 @@
           </p:nvSpPr>
           <p:spPr>
             <a:xfrm>
-              <a:off x="19421161" y="10807238"/>
+              <a:off x="19551788" y="10807238"/>
               <a:ext cx="3013179" cy="2078461"/>
             </a:xfrm>
             <a:prstGeom prst="roundRect">
@@ -5012,10 +4992,10 @@
           </p:nvGrpSpPr>
           <p:grpSpPr>
             <a:xfrm>
-              <a:off x="22768106" y="11550943"/>
-              <a:ext cx="4003410" cy="2744414"/>
-              <a:chOff x="25090706" y="11340916"/>
-              <a:chExt cx="4003410" cy="2744414"/>
+              <a:off x="22918765" y="11601135"/>
+              <a:ext cx="3013179" cy="2712883"/>
+              <a:chOff x="25241365" y="11391108"/>
+              <a:chExt cx="3013179" cy="2712883"/>
             </a:xfrm>
           </p:grpSpPr>
           <p:sp>
@@ -5026,8 +5006,8 @@
             </p:nvSpPr>
             <p:spPr>
               <a:xfrm>
-                <a:off x="25090706" y="11655508"/>
-                <a:ext cx="3314497" cy="2429822"/>
+                <a:off x="25241365" y="11674169"/>
+                <a:ext cx="3013179" cy="2429822"/>
               </a:xfrm>
               <a:prstGeom prst="roundRect">
                 <a:avLst>
@@ -5081,17 +5061,18 @@
                   <a:t>MoL</a:t>
                 </a:r>
                 <a:r>
-                  <a:rPr lang="en-US" sz="2800" dirty="0"/>
+                  <a:rPr lang="en-US" sz="2800" dirty="0" smtClean="0"/>
                   <a:t>-FGW] Structures for Semantics (</a:t>
                 </a:r>
                 <a:r>
-                  <a:rPr lang="en-US" sz="2800" dirty="0" err="1"/>
+                  <a:rPr lang="en-US" sz="2800" dirty="0" err="1" smtClean="0"/>
                   <a:t>Aloni</a:t>
                 </a:r>
                 <a:r>
-                  <a:rPr lang="en-US" sz="2800" dirty="0"/>
+                  <a:rPr lang="en-US" sz="2800" dirty="0" smtClean="0"/>
                   <a:t>)</a:t>
                 </a:r>
+                <a:endParaRPr lang="en-US" sz="2800" dirty="0"/>
               </a:p>
             </p:txBody>
           </p:sp>
@@ -5103,7 +5084,7 @@
             </p:nvSpPr>
             <p:spPr>
               <a:xfrm>
-                <a:off x="26644980" y="11340916"/>
+                <a:off x="25529434" y="11391108"/>
                 <a:ext cx="2449136" cy="1204325"/>
               </a:xfrm>
               <a:prstGeom prst="rect">
@@ -5132,10 +5113,10 @@
                   <a:defRPr sz="1800"/>
                 </a:pPr>
                 <a:r>
-                  <a:rPr lang="en-US" sz="3400" dirty="0"/>
+                  <a:rPr lang="en-US" sz="3400" b="1" dirty="0"/>
                   <a:t>L&amp;L</a:t>
                 </a:r>
-                <a:endParaRPr sz="3400" dirty="0"/>
+                <a:endParaRPr sz="3400" b="1" dirty="0"/>
               </a:p>
             </p:txBody>
           </p:sp>
@@ -5148,10 +5129,10 @@
           </p:nvGrpSpPr>
           <p:grpSpPr>
             <a:xfrm>
-              <a:off x="15403871" y="10360252"/>
-              <a:ext cx="3768689" cy="2757031"/>
-              <a:chOff x="17248319" y="10221067"/>
-              <a:chExt cx="3768688" cy="3032703"/>
+              <a:off x="15629091" y="10416234"/>
+              <a:ext cx="3611034" cy="2669857"/>
+              <a:chOff x="17473539" y="10282648"/>
+              <a:chExt cx="3611033" cy="2936813"/>
             </a:xfrm>
           </p:grpSpPr>
           <p:sp>
@@ -5162,8 +5143,8 @@
             </p:nvSpPr>
             <p:spPr>
               <a:xfrm>
-                <a:off x="17439944" y="10470961"/>
-                <a:ext cx="3405438" cy="2782809"/>
+                <a:off x="17570571" y="10470963"/>
+                <a:ext cx="3405438" cy="2748498"/>
               </a:xfrm>
               <a:prstGeom prst="roundRect">
                 <a:avLst>
@@ -5244,7 +5225,7 @@
             </p:nvSpPr>
             <p:spPr>
               <a:xfrm>
-                <a:off x="19519035" y="10221067"/>
+                <a:off x="19586600" y="10282648"/>
                 <a:ext cx="1497972" cy="1204325"/>
               </a:xfrm>
               <a:prstGeom prst="rect">
@@ -5273,10 +5254,18 @@
                   <a:defRPr sz="1800"/>
                 </a:pPr>
                 <a:r>
-                  <a:rPr lang="en-US" sz="3400" dirty="0"/>
+                  <a:rPr lang="en-US" sz="3400" b="1" dirty="0">
+                    <a:solidFill>
+                      <a:schemeClr val="bg1"/>
+                    </a:solidFill>
+                  </a:rPr>
                   <a:t>L&amp;L</a:t>
                 </a:r>
-                <a:endParaRPr sz="3400" dirty="0"/>
+                <a:endParaRPr sz="3400" b="1" dirty="0">
+                  <a:solidFill>
+                    <a:schemeClr val="bg1"/>
+                  </a:solidFill>
+                </a:endParaRPr>
               </a:p>
             </p:txBody>
           </p:sp>
@@ -5288,7 +5277,7 @@
             </p:nvSpPr>
             <p:spPr>
               <a:xfrm>
-                <a:off x="17248319" y="10222989"/>
+                <a:off x="17473539" y="10284570"/>
                 <a:ext cx="1497972" cy="1204325"/>
               </a:xfrm>
               <a:prstGeom prst="rect">
@@ -5317,10 +5306,18 @@
                   <a:defRPr sz="1800"/>
                 </a:pPr>
                 <a:r>
-                  <a:rPr lang="en-US" sz="3400" dirty="0"/>
+                  <a:rPr lang="en-US" sz="3400" b="1" dirty="0">
+                    <a:solidFill>
+                      <a:schemeClr val="bg1"/>
+                    </a:solidFill>
+                  </a:rPr>
                   <a:t>L&amp;P</a:t>
                 </a:r>
-                <a:endParaRPr sz="3400" dirty="0"/>
+                <a:endParaRPr sz="3400" b="1" dirty="0">
+                  <a:solidFill>
+                    <a:schemeClr val="bg1"/>
+                  </a:solidFill>
+                </a:endParaRPr>
               </a:p>
             </p:txBody>
           </p:sp>
@@ -5333,10 +5330,10 @@
           </p:nvGrpSpPr>
           <p:grpSpPr>
             <a:xfrm>
-              <a:off x="11956404" y="10375666"/>
-              <a:ext cx="3457391" cy="2725061"/>
-              <a:chOff x="3219318" y="4950451"/>
-              <a:chExt cx="3457391" cy="2725061"/>
+              <a:off x="12031048" y="10375666"/>
+              <a:ext cx="3314497" cy="2725061"/>
+              <a:chOff x="3293962" y="4950451"/>
+              <a:chExt cx="3314497" cy="2725061"/>
             </a:xfrm>
           </p:grpSpPr>
           <p:sp>
@@ -5347,8 +5344,8 @@
             </p:nvSpPr>
             <p:spPr>
               <a:xfrm>
-                <a:off x="3219318" y="5245690"/>
-                <a:ext cx="3314497" cy="2429822"/>
+                <a:off x="3293962" y="5162216"/>
+                <a:ext cx="3314497" cy="2513296"/>
               </a:xfrm>
               <a:prstGeom prst="roundRect">
                 <a:avLst>
@@ -5416,7 +5413,7 @@
             </p:nvSpPr>
             <p:spPr>
               <a:xfrm>
-                <a:off x="5178737" y="4950451"/>
+                <a:off x="4244389" y="4950451"/>
                 <a:ext cx="1497972" cy="1204325"/>
               </a:xfrm>
               <a:prstGeom prst="rect">
@@ -5445,10 +5442,10 @@
                   <a:defRPr sz="1800"/>
                 </a:pPr>
                 <a:r>
-                  <a:rPr lang="en-US" sz="3400" dirty="0"/>
+                  <a:rPr lang="en-US" sz="3400" b="1" dirty="0"/>
                   <a:t>L&amp;P</a:t>
                 </a:r>
-                <a:endParaRPr sz="3400" dirty="0"/>
+                <a:endParaRPr sz="3400" b="1" dirty="0"/>
               </a:p>
             </p:txBody>
           </p:sp>
@@ -5462,7 +5459,7 @@
         </p:nvSpPr>
         <p:spPr>
           <a:xfrm>
-            <a:off x="2615446" y="18129428"/>
+            <a:off x="2182312" y="18225680"/>
             <a:ext cx="1497972" cy="1204325"/>
           </a:xfrm>
           <a:prstGeom prst="rect">
@@ -5506,10 +5503,10 @@
         </p:nvGrpSpPr>
         <p:grpSpPr>
           <a:xfrm>
-            <a:off x="2442088" y="8673190"/>
-            <a:ext cx="7428835" cy="7995109"/>
-            <a:chOff x="2442088" y="8673190"/>
-            <a:chExt cx="7428835" cy="7995109"/>
+            <a:off x="2008954" y="8576768"/>
+            <a:ext cx="7369201" cy="8173775"/>
+            <a:chOff x="2442088" y="8480516"/>
+            <a:chExt cx="7369201" cy="8173775"/>
           </a:xfrm>
         </p:grpSpPr>
         <p:sp>
@@ -5520,7 +5517,7 @@
           </p:nvSpPr>
           <p:spPr>
             <a:xfrm>
-              <a:off x="6054945" y="14238477"/>
+              <a:off x="4663438" y="14224469"/>
               <a:ext cx="3013179" cy="2429822"/>
             </a:xfrm>
             <a:prstGeom prst="roundRect">
@@ -5597,7 +5594,7 @@
           </p:nvSpPr>
           <p:spPr>
             <a:xfrm>
-              <a:off x="6857744" y="10717078"/>
+              <a:off x="6798110" y="10657444"/>
               <a:ext cx="3013179" cy="2429822"/>
             </a:xfrm>
             <a:prstGeom prst="roundRect">
@@ -5666,10 +5663,10 @@
           </p:nvGrpSpPr>
           <p:grpSpPr>
             <a:xfrm>
-              <a:off x="2442088" y="8673190"/>
-              <a:ext cx="2878899" cy="2263429"/>
-              <a:chOff x="22040655" y="-377031"/>
-              <a:chExt cx="2878899" cy="2263429"/>
+              <a:off x="2442088" y="8480516"/>
+              <a:ext cx="2778807" cy="2974588"/>
+              <a:chOff x="22040655" y="-569705"/>
+              <a:chExt cx="2778807" cy="2974588"/>
             </a:xfrm>
           </p:grpSpPr>
           <p:sp>
@@ -5680,13 +5677,11 @@
             </p:nvSpPr>
             <p:spPr>
               <a:xfrm>
-                <a:off x="22040655" y="-1465"/>
-                <a:ext cx="2778807" cy="1887863"/>
+                <a:off x="22040655" y="-377031"/>
+                <a:ext cx="2778807" cy="2781914"/>
               </a:xfrm>
-              <a:prstGeom prst="roundRect">
-                <a:avLst>
-                  <a:gd name="adj" fmla="val 16667"/>
-                </a:avLst>
+              <a:prstGeom prst="ellipse">
+                <a:avLst/>
               </a:prstGeom>
               <a:gradFill flip="none" rotWithShape="1">
                 <a:gsLst>
@@ -5703,7 +5698,7 @@
                 <a:solidFill>
                   <a:schemeClr val="tx1"/>
                 </a:solidFill>
-                <a:prstDash val="sysDash"/>
+                <a:prstDash val="solid"/>
                 <a:bevel/>
               </a:ln>
               <a:effectLst>
@@ -5727,21 +5722,35 @@
                     </a:solidFill>
                   </a:defRPr>
                 </a:pPr>
+                <a:endParaRPr lang="en-US" sz="2800" dirty="0" smtClean="0">
+                  <a:solidFill>
+                    <a:srgbClr val="FFFFFF"/>
+                  </a:solidFill>
+                </a:endParaRPr>
+              </a:p>
+              <a:p>
+                <a:pPr lvl="0" algn="ctr">
+                  <a:defRPr sz="1800">
+                    <a:solidFill>
+                      <a:srgbClr val="000000"/>
+                    </a:solidFill>
+                  </a:defRPr>
+                </a:pPr>
+                <a:r>
+                  <a:rPr lang="en-US" sz="2800" dirty="0" smtClean="0">
+                    <a:solidFill>
+                      <a:srgbClr val="FFFFFF"/>
+                    </a:solidFill>
+                  </a:rPr>
+                  <a:t>[</a:t>
+                </a:r>
                 <a:r>
                   <a:rPr lang="en-US" sz="2800" dirty="0">
                     <a:solidFill>
                       <a:srgbClr val="FFFFFF"/>
                     </a:solidFill>
                   </a:rPr>
-                  <a:t>[MoL-FNWI] Basic Logic (</a:t>
-                </a:r>
-                <a:r>
-                  <a:rPr lang="en-US" sz="2800" dirty="0" err="1">
-                    <a:solidFill>
-                      <a:srgbClr val="FFFFFF"/>
-                    </a:solidFill>
-                  </a:rPr>
-                  <a:t>Incurvati</a:t>
+                  <a:t>MoL-FNWI] Basic Logic (Incurvati</a:t>
                 </a:r>
                 <a:r>
                   <a:rPr lang="en-US" sz="2800" dirty="0" smtClean="0">
@@ -5767,7 +5776,7 @@
             </p:nvSpPr>
             <p:spPr>
               <a:xfrm>
-                <a:off x="23421582" y="-377031"/>
+                <a:off x="22681072" y="-569705"/>
                 <a:ext cx="1497972" cy="1204325"/>
               </a:xfrm>
               <a:prstGeom prst="rect">
@@ -5796,10 +5805,18 @@
                   <a:defRPr sz="1800"/>
                 </a:pPr>
                 <a:r>
-                  <a:rPr lang="en-US" sz="3400" dirty="0" smtClean="0"/>
+                  <a:rPr lang="en-US" sz="3400" b="1" dirty="0" smtClean="0">
+                    <a:solidFill>
+                      <a:schemeClr val="bg1"/>
+                    </a:solidFill>
+                  </a:rPr>
                   <a:t>some</a:t>
                 </a:r>
-                <a:endParaRPr sz="3400" dirty="0"/>
+                <a:endParaRPr sz="3400" b="1" dirty="0">
+                  <a:solidFill>
+                    <a:schemeClr val="bg1"/>
+                  </a:solidFill>
+                </a:endParaRPr>
               </a:p>
             </p:txBody>
           </p:sp>
@@ -5813,7 +5830,7 @@
         </p:nvSpPr>
         <p:spPr>
           <a:xfrm flipH="1" flipV="1">
-            <a:off x="4810373" y="25762839"/>
+            <a:off x="4377239" y="25859091"/>
             <a:ext cx="1376578" cy="913788"/>
           </a:xfrm>
           <a:prstGeom prst="line">
@@ -5855,8 +5872,8 @@
         </p:nvSpPr>
         <p:spPr>
           <a:xfrm flipH="1" flipV="1">
-            <a:off x="5036357" y="21551956"/>
-            <a:ext cx="1311234" cy="1196940"/>
+            <a:off x="4230303" y="21473783"/>
+            <a:ext cx="1523513" cy="1589333"/>
           </a:xfrm>
           <a:prstGeom prst="line">
             <a:avLst/>
@@ -5897,8 +5914,8 @@
         </p:nvSpPr>
         <p:spPr>
           <a:xfrm flipH="1" flipV="1">
-            <a:off x="5314793" y="20804483"/>
-            <a:ext cx="1526377" cy="0"/>
+            <a:off x="4953821" y="20071774"/>
+            <a:ext cx="1031399" cy="0"/>
           </a:xfrm>
           <a:prstGeom prst="line">
             <a:avLst/>
@@ -5939,7 +5956,7 @@
         </p:nvSpPr>
         <p:spPr>
           <a:xfrm>
-            <a:off x="33798527" y="1810341"/>
+            <a:off x="33758300" y="2397442"/>
             <a:ext cx="4375667" cy="2074227"/>
           </a:xfrm>
           <a:prstGeom prst="rect">
@@ -5968,10 +5985,10 @@
               <a:defRPr sz="1800"/>
             </a:pPr>
             <a:r>
-              <a:rPr lang="en-US" sz="4000" dirty="0" smtClean="0"/>
+              <a:rPr lang="en-US" sz="4000" b="1" dirty="0" smtClean="0"/>
               <a:t>Cognition</a:t>
             </a:r>
-            <a:endParaRPr sz="4000" dirty="0"/>
+            <a:endParaRPr sz="4000" b="1" dirty="0"/>
           </a:p>
         </p:txBody>
       </p:sp>
@@ -5983,7 +6000,7 @@
         </p:nvSpPr>
         <p:spPr>
           <a:xfrm>
-            <a:off x="3018273" y="6370788"/>
+            <a:off x="1950838" y="6488938"/>
             <a:ext cx="3741136" cy="2506353"/>
           </a:xfrm>
           <a:prstGeom prst="rect">
@@ -6012,10 +6029,18 @@
               <a:defRPr sz="1800"/>
             </a:pPr>
             <a:r>
+              <a:rPr lang="en-US" sz="4000" b="1" dirty="0" smtClean="0"/>
+              <a:t>Philosophical</a:t>
+            </a:r>
+            <a:r>
               <a:rPr lang="en-US" sz="4000" dirty="0" smtClean="0"/>
-              <a:t>Philosophical Logic</a:t>
+              <a:t> </a:t>
             </a:r>
-            <a:endParaRPr sz="4000" dirty="0"/>
+            <a:r>
+              <a:rPr lang="en-US" sz="4000" b="1" dirty="0" smtClean="0"/>
+              <a:t>Logic</a:t>
+            </a:r>
+            <a:endParaRPr sz="4000" b="1" dirty="0"/>
           </a:p>
         </p:txBody>
       </p:sp>
@@ -6027,10 +6052,10 @@
         </p:nvGrpSpPr>
         <p:grpSpPr>
           <a:xfrm>
-            <a:off x="6523912" y="538901"/>
-            <a:ext cx="20237400" cy="8851890"/>
-            <a:chOff x="6523912" y="538901"/>
-            <a:chExt cx="20237400" cy="8851890"/>
+            <a:off x="6313866" y="424708"/>
+            <a:ext cx="20086501" cy="9067855"/>
+            <a:chOff x="6747000" y="328456"/>
+            <a:chExt cx="20086501" cy="9067855"/>
           </a:xfrm>
         </p:grpSpPr>
         <p:sp>
@@ -6041,7 +6066,7 @@
           </p:nvSpPr>
           <p:spPr>
             <a:xfrm>
-              <a:off x="17461170" y="2936809"/>
+              <a:off x="17413044" y="2936809"/>
               <a:ext cx="3056686" cy="3040421"/>
             </a:xfrm>
             <a:prstGeom prst="roundRect">
@@ -6136,7 +6161,7 @@
           </p:nvSpPr>
           <p:spPr>
             <a:xfrm>
-              <a:off x="23867229" y="3398339"/>
+              <a:off x="23939418" y="3085520"/>
               <a:ext cx="2894083" cy="1887863"/>
             </a:xfrm>
             <a:prstGeom prst="roundRect">
@@ -6218,13 +6243,11 @@
           </p:nvSpPr>
           <p:spPr>
             <a:xfrm>
-              <a:off x="13881498" y="538901"/>
-              <a:ext cx="2778806" cy="2404676"/>
+              <a:off x="13622568" y="328456"/>
+              <a:ext cx="3199763" cy="2970038"/>
             </a:xfrm>
-            <a:prstGeom prst="roundRect">
-              <a:avLst>
-                <a:gd name="adj" fmla="val 16667"/>
-              </a:avLst>
+            <a:prstGeom prst="ellipse">
+              <a:avLst/>
             </a:prstGeom>
             <a:gradFill flip="none" rotWithShape="1">
               <a:gsLst>
@@ -6241,7 +6264,7 @@
               <a:solidFill>
                 <a:schemeClr val="tx1"/>
               </a:solidFill>
-              <a:prstDash val="sysDash"/>
+              <a:prstDash val="solid"/>
               <a:bevel/>
             </a:ln>
             <a:effectLst>
@@ -6300,8 +6323,8 @@
           </p:nvSpPr>
           <p:spPr>
             <a:xfrm>
-              <a:off x="10213869" y="3873868"/>
-              <a:ext cx="2778806" cy="1887863"/>
+              <a:off x="6791071" y="1050292"/>
+              <a:ext cx="3013179" cy="1887863"/>
             </a:xfrm>
             <a:prstGeom prst="roundRect">
               <a:avLst>
@@ -6382,7 +6405,7 @@
           </p:nvSpPr>
           <p:spPr>
             <a:xfrm>
-              <a:off x="20697090" y="3108424"/>
+              <a:off x="20721153" y="3012172"/>
               <a:ext cx="3013177" cy="2429822"/>
             </a:xfrm>
             <a:prstGeom prst="roundRect">
@@ -6451,7 +6474,7 @@
           </p:nvSpPr>
           <p:spPr>
             <a:xfrm>
-              <a:off x="13673862" y="3519180"/>
+              <a:off x="10259622" y="842726"/>
               <a:ext cx="3013179" cy="2429822"/>
             </a:xfrm>
             <a:prstGeom prst="roundRect">
@@ -6520,7 +6543,7 @@
           </p:nvSpPr>
           <p:spPr>
             <a:xfrm>
-              <a:off x="6523912" y="6840365"/>
+              <a:off x="6791072" y="6966489"/>
               <a:ext cx="3013179" cy="2429822"/>
             </a:xfrm>
             <a:prstGeom prst="roundRect">
@@ -6589,7 +6612,7 @@
           </p:nvSpPr>
           <p:spPr>
             <a:xfrm>
-              <a:off x="7226705" y="976075"/>
+              <a:off x="10504221" y="3660938"/>
               <a:ext cx="3013179" cy="2429822"/>
             </a:xfrm>
             <a:prstGeom prst="roundRect">
@@ -6658,8 +6681,8 @@
           </p:nvSpPr>
           <p:spPr>
             <a:xfrm>
-              <a:off x="22918765" y="5763293"/>
-              <a:ext cx="3013179" cy="1872025"/>
+              <a:off x="22846577" y="5763293"/>
+              <a:ext cx="2756622" cy="1872025"/>
             </a:xfrm>
             <a:prstGeom prst="roundRect">
               <a:avLst>
@@ -6727,7 +6750,7 @@
           </p:nvSpPr>
           <p:spPr>
             <a:xfrm>
-              <a:off x="6548646" y="3660938"/>
+              <a:off x="6747000" y="3660938"/>
               <a:ext cx="3013179" cy="2429822"/>
             </a:xfrm>
             <a:prstGeom prst="roundRect">
@@ -6796,7 +6819,7 @@
           </p:nvSpPr>
           <p:spPr>
             <a:xfrm>
-              <a:off x="19569825" y="6960969"/>
+              <a:off x="19135341" y="6889436"/>
               <a:ext cx="3013179" cy="2429822"/>
             </a:xfrm>
             <a:prstGeom prst="roundRect">
@@ -6865,7 +6888,7 @@
           </p:nvSpPr>
           <p:spPr>
             <a:xfrm>
-              <a:off x="11603272" y="6960969"/>
+              <a:off x="11994692" y="6948298"/>
               <a:ext cx="3013179" cy="2429822"/>
             </a:xfrm>
             <a:prstGeom prst="roundRect">
@@ -6934,7 +6957,7 @@
           </p:nvSpPr>
           <p:spPr>
             <a:xfrm>
-              <a:off x="10239884" y="976075"/>
+              <a:off x="13541463" y="3660938"/>
               <a:ext cx="3013179" cy="2429822"/>
             </a:xfrm>
             <a:prstGeom prst="roundRect">
@@ -6996,142 +7019,153 @@
           </p:txBody>
         </p:sp>
       </p:grpSp>
-      <p:grpSp>
-        <p:nvGrpSpPr>
-          <p:cNvPr id="12" name="Group 11"/>
-          <p:cNvGrpSpPr/>
+      <p:sp>
+        <p:nvSpPr>
+          <p:cNvPr id="49" name="Shape 49"/>
+          <p:cNvSpPr/>
           <p:nvPr/>
-        </p:nvGrpSpPr>
-        <p:grpSpPr>
+        </p:nvSpPr>
+        <p:spPr>
           <a:xfrm>
-            <a:off x="641565" y="3405897"/>
-            <a:ext cx="3578034" cy="2355834"/>
-            <a:chOff x="641565" y="3405897"/>
-            <a:chExt cx="3578034" cy="2355834"/>
+            <a:off x="508831" y="2892273"/>
+            <a:ext cx="3422879" cy="3258412"/>
           </a:xfrm>
-        </p:grpSpPr>
-        <p:sp>
-          <p:nvSpPr>
-            <p:cNvPr id="49" name="Shape 49"/>
-            <p:cNvSpPr/>
-            <p:nvPr/>
-          </p:nvSpPr>
-          <p:spPr>
-            <a:xfrm>
-              <a:off x="641565" y="3691788"/>
-              <a:ext cx="3232741" cy="2069943"/>
-            </a:xfrm>
-            <a:prstGeom prst="roundRect">
-              <a:avLst>
-                <a:gd name="adj" fmla="val 16667"/>
-              </a:avLst>
-            </a:prstGeom>
-            <a:gradFill flip="none" rotWithShape="1">
-              <a:gsLst>
-                <a:gs pos="0">
-                  <a:srgbClr val="3F80CE"/>
-                </a:gs>
-                <a:gs pos="100000">
-                  <a:schemeClr val="accent3"/>
-                </a:gs>
-              </a:gsLst>
-              <a:lin ang="5220000" scaled="0"/>
-            </a:gradFill>
-            <a:ln w="76200" cap="flat">
+          <a:prstGeom prst="ellipse">
+            <a:avLst/>
+          </a:prstGeom>
+          <a:gradFill flip="none" rotWithShape="1">
+            <a:gsLst>
+              <a:gs pos="0">
+                <a:srgbClr val="3F80CE"/>
+              </a:gs>
+              <a:gs pos="100000">
+                <a:schemeClr val="accent3"/>
+              </a:gs>
+            </a:gsLst>
+            <a:lin ang="5220000" scaled="0"/>
+          </a:gradFill>
+          <a:ln w="76200" cap="flat">
+            <a:solidFill>
+              <a:srgbClr val="000000"/>
+            </a:solidFill>
+            <a:prstDash val="solid"/>
+            <a:bevel/>
+          </a:ln>
+          <a:effectLst>
+            <a:outerShdw blurRad="38100" dist="23000" dir="5400000" rotWithShape="0">
+              <a:srgbClr val="000000">
+                <a:alpha val="35000"/>
+              </a:srgbClr>
+            </a:outerShdw>
+          </a:effectLst>
+        </p:spPr>
+        <p:txBody>
+          <a:bodyPr wrap="square" lIns="0" tIns="0" rIns="0" bIns="0" numCol="1" anchor="ctr">
+            <a:noAutofit/>
+          </a:bodyPr>
+          <a:lstStyle/>
+          <a:p>
+            <a:pPr lvl="0" algn="ctr">
+              <a:defRPr sz="1800"/>
+            </a:pPr>
+            <a:endParaRPr lang="en-US" sz="2800" dirty="0" smtClean="0">
               <a:solidFill>
-                <a:srgbClr val="000000"/>
+                <a:srgbClr val="FFFFFF"/>
               </a:solidFill>
-              <a:prstDash val="sysDash"/>
-              <a:bevel/>
-            </a:ln>
-            <a:effectLst>
-              <a:outerShdw blurRad="38100" dist="23000" dir="5400000" rotWithShape="0">
-                <a:srgbClr val="000000">
-                  <a:alpha val="35000"/>
-                </a:srgbClr>
-              </a:outerShdw>
-            </a:effectLst>
-          </p:spPr>
-          <p:txBody>
-            <a:bodyPr wrap="square" lIns="0" tIns="0" rIns="0" bIns="0" numCol="1" anchor="ctr">
-              <a:noAutofit/>
-            </a:bodyPr>
-            <a:lstStyle/>
-            <a:p>
-              <a:pPr lvl="0" algn="ctr">
-                <a:defRPr sz="1800"/>
-              </a:pPr>
-              <a:r>
-                <a:rPr lang="en-US" sz="2800" dirty="0">
-                  <a:solidFill>
-                    <a:srgbClr val="FFFFFF"/>
-                  </a:solidFill>
-                </a:rPr>
-                <a:t>Sept-Dec: </a:t>
-              </a:r>
-              <a:br>
-                <a:rPr lang="en-US" sz="2800" dirty="0">
-                  <a:solidFill>
-                    <a:srgbClr val="FFFFFF"/>
-                  </a:solidFill>
-                </a:rPr>
-              </a:br>
-              <a:r>
-                <a:rPr lang="en-US" sz="2800" dirty="0">
-                  <a:solidFill>
-                    <a:srgbClr val="FFFFFF"/>
-                  </a:solidFill>
-                </a:rPr>
-                <a:t>Logic, Language and Computation (Aloni) [3EC]</a:t>
-              </a:r>
-            </a:p>
-          </p:txBody>
-        </p:sp>
-        <p:sp>
-          <p:nvSpPr>
-            <p:cNvPr id="108" name="Shape 230"/>
-            <p:cNvSpPr/>
-            <p:nvPr/>
-          </p:nvSpPr>
-          <p:spPr>
-            <a:xfrm>
-              <a:off x="2721627" y="3405897"/>
-              <a:ext cx="1497972" cy="1204325"/>
-            </a:xfrm>
-            <a:prstGeom prst="rect">
-              <a:avLst/>
-            </a:prstGeom>
-            <a:ln w="12700">
-              <a:miter lim="400000"/>
-            </a:ln>
-            <a:extLst>
-              <a:ext uri="{C572A759-6A51-4108-AA02-DFA0A04FC94B}">
-                <ma14:wrappingTextBoxFlag xmlns:ma14="http://schemas.microsoft.com/office/mac/drawingml/2011/main" val="1"/>
-              </a:ext>
-            </a:extLst>
-          </p:spPr>
-          <p:txBody>
-            <a:bodyPr lIns="208805" tIns="208805" rIns="208805" bIns="208805" anchor="ctr">
-              <a:normAutofit/>
-            </a:bodyPr>
-            <a:lstStyle>
-              <a:lvl1pPr>
-                <a:defRPr sz="4000"/>
-              </a:lvl1pPr>
-            </a:lstStyle>
-            <a:p>
-              <a:pPr algn="ctr">
-                <a:defRPr sz="1800"/>
-              </a:pPr>
-              <a:r>
-                <a:rPr lang="en-US" sz="3400" dirty="0" smtClean="0"/>
-                <a:t>all</a:t>
-              </a:r>
-              <a:endParaRPr sz="3400" dirty="0"/>
-            </a:p>
-          </p:txBody>
-        </p:sp>
-      </p:grpSp>
+            </a:endParaRPr>
+          </a:p>
+          <a:p>
+            <a:pPr lvl="0" algn="ctr">
+              <a:defRPr sz="1800"/>
+            </a:pPr>
+            <a:r>
+              <a:rPr lang="en-US" sz="2800" dirty="0" smtClean="0">
+                <a:solidFill>
+                  <a:srgbClr val="FFFFFF"/>
+                </a:solidFill>
+              </a:rPr>
+              <a:t>Sept-Dec</a:t>
+            </a:r>
+            <a:r>
+              <a:rPr lang="en-US" sz="2800" dirty="0">
+                <a:solidFill>
+                  <a:srgbClr val="FFFFFF"/>
+                </a:solidFill>
+              </a:rPr>
+              <a:t>: </a:t>
+            </a:r>
+            <a:br>
+              <a:rPr lang="en-US" sz="2800" dirty="0">
+                <a:solidFill>
+                  <a:srgbClr val="FFFFFF"/>
+                </a:solidFill>
+              </a:rPr>
+            </a:br>
+            <a:r>
+              <a:rPr lang="en-US" sz="2800" dirty="0">
+                <a:solidFill>
+                  <a:srgbClr val="FFFFFF"/>
+                </a:solidFill>
+              </a:rPr>
+              <a:t>Logic, Language and Computation (Aloni) [3EC]</a:t>
+            </a:r>
+          </a:p>
+        </p:txBody>
+      </p:sp>
+      <p:sp>
+        <p:nvSpPr>
+          <p:cNvPr id="108" name="Shape 230"/>
+          <p:cNvSpPr/>
+          <p:nvPr/>
+        </p:nvSpPr>
+        <p:spPr>
+          <a:xfrm>
+            <a:off x="1463782" y="2676558"/>
+            <a:ext cx="1497972" cy="1204325"/>
+          </a:xfrm>
+          <a:prstGeom prst="rect">
+            <a:avLst/>
+          </a:prstGeom>
+          <a:ln w="12700">
+            <a:noFill/>
+            <a:prstDash val="solid"/>
+            <a:miter lim="400000"/>
+          </a:ln>
+          <a:extLst>
+            <a:ext uri="{C572A759-6A51-4108-AA02-DFA0A04FC94B}">
+              <ma14:wrappingTextBoxFlag xmlns:ma14="http://schemas.microsoft.com/office/mac/drawingml/2011/main" val="1"/>
+            </a:ext>
+          </a:extLst>
+        </p:spPr>
+        <p:txBody>
+          <a:bodyPr lIns="208805" tIns="208805" rIns="208805" bIns="208805" anchor="ctr">
+            <a:normAutofit/>
+          </a:bodyPr>
+          <a:lstStyle>
+            <a:lvl1pPr>
+              <a:defRPr sz="4000"/>
+            </a:lvl1pPr>
+          </a:lstStyle>
+          <a:p>
+            <a:pPr algn="ctr">
+              <a:defRPr sz="1800"/>
+            </a:pPr>
+            <a:r>
+              <a:rPr lang="en-US" sz="3400" b="1" dirty="0" smtClean="0">
+                <a:solidFill>
+                  <a:schemeClr val="bg1"/>
+                </a:solidFill>
+              </a:rPr>
+              <a:t>all</a:t>
+            </a:r>
+            <a:endParaRPr sz="3400" b="1" dirty="0">
+              <a:solidFill>
+                <a:schemeClr val="bg1"/>
+              </a:solidFill>
+            </a:endParaRPr>
+          </a:p>
+        </p:txBody>
+      </p:sp>
       <p:sp>
         <p:nvSpPr>
           <p:cNvPr id="113" name="Shape 228"/>
@@ -7140,7 +7174,7 @@
         </p:nvSpPr>
         <p:spPr>
           <a:xfrm>
-            <a:off x="4896573" y="-239073"/>
+            <a:off x="18878384" y="424708"/>
             <a:ext cx="4375667" cy="1304419"/>
           </a:xfrm>
           <a:prstGeom prst="rect">
@@ -7169,10 +7203,10 @@
               <a:defRPr sz="1800"/>
             </a:pPr>
             <a:r>
-              <a:rPr lang="en-US" sz="4000" dirty="0" smtClean="0"/>
+              <a:rPr lang="en-US" sz="4000" b="1" dirty="0" smtClean="0"/>
               <a:t>Philosophy</a:t>
             </a:r>
-            <a:endParaRPr sz="4000" dirty="0"/>
+            <a:endParaRPr sz="4000" b="1" dirty="0"/>
           </a:p>
         </p:txBody>
       </p:sp>
@@ -7184,10 +7218,10 @@
         </p:nvGrpSpPr>
         <p:grpSpPr>
           <a:xfrm>
-            <a:off x="1903778" y="18416630"/>
-            <a:ext cx="19629168" cy="10528925"/>
-            <a:chOff x="702403" y="18416630"/>
-            <a:chExt cx="19629168" cy="10528925"/>
+            <a:off x="1224737" y="18131056"/>
+            <a:ext cx="19654358" cy="11068406"/>
+            <a:chOff x="456496" y="18034804"/>
+            <a:chExt cx="19654358" cy="11068406"/>
           </a:xfrm>
         </p:grpSpPr>
         <p:sp>
@@ -7198,13 +7232,11 @@
           </p:nvSpPr>
           <p:spPr>
             <a:xfrm>
-              <a:off x="908295" y="18416630"/>
-              <a:ext cx="3071552" cy="2875967"/>
+              <a:off x="456496" y="18034804"/>
+              <a:ext cx="3378486" cy="3378486"/>
             </a:xfrm>
-            <a:prstGeom prst="roundRect">
-              <a:avLst>
-                <a:gd name="adj" fmla="val 16667"/>
-              </a:avLst>
+            <a:prstGeom prst="ellipse">
+              <a:avLst/>
             </a:prstGeom>
             <a:gradFill flip="none" rotWithShape="1">
               <a:gsLst>
@@ -7223,7 +7255,7 @@
               <a:solidFill>
                 <a:schemeClr val="tx1"/>
               </a:solidFill>
-              <a:prstDash val="sysDash"/>
+              <a:prstDash val="solid"/>
               <a:bevel/>
             </a:ln>
             <a:effectLst>
@@ -7247,13 +7279,35 @@
                   </a:solidFill>
                 </a:defRPr>
               </a:pPr>
+              <a:endParaRPr lang="en-US" sz="2800" dirty="0" smtClean="0">
+                <a:solidFill>
+                  <a:srgbClr val="FFFFFF"/>
+                </a:solidFill>
+              </a:endParaRPr>
+            </a:p>
+            <a:p>
+              <a:pPr lvl="0" algn="ctr">
+                <a:defRPr sz="1800">
+                  <a:solidFill>
+                    <a:srgbClr val="000000"/>
+                  </a:solidFill>
+                </a:defRPr>
+              </a:pPr>
+              <a:r>
+                <a:rPr lang="en-US" sz="2800" dirty="0" smtClean="0">
+                  <a:solidFill>
+                    <a:srgbClr val="FFFFFF"/>
+                  </a:solidFill>
+                </a:rPr>
+                <a:t>Sep-Dec</a:t>
+              </a:r>
               <a:r>
                 <a:rPr lang="en-US" sz="2800" dirty="0">
                   <a:solidFill>
                     <a:srgbClr val="FFFFFF"/>
                   </a:solidFill>
                 </a:rPr>
-                <a:t>Sep-Dec: [BScWisk] Introduction to Modal Logic (Bezhanishvili)</a:t>
+                <a:t>: [BScWisk] Introduction to Modal Logic (Bezhanishvili)</a:t>
               </a:r>
             </a:p>
           </p:txBody>
@@ -7266,7 +7320,7 @@
           </p:nvSpPr>
           <p:spPr>
             <a:xfrm>
-              <a:off x="5800965" y="19395707"/>
+              <a:off x="5296469" y="19584893"/>
               <a:ext cx="3013179" cy="2429822"/>
             </a:xfrm>
             <a:prstGeom prst="roundRect">
@@ -7335,7 +7389,7 @@
           </p:nvSpPr>
           <p:spPr>
             <a:xfrm>
-              <a:off x="17318392" y="26515734"/>
+              <a:off x="17097675" y="26673389"/>
               <a:ext cx="3013179" cy="2429821"/>
             </a:xfrm>
             <a:prstGeom prst="roundRect">
@@ -7402,8 +7456,8 @@
           </p:nvSpPr>
           <p:spPr>
             <a:xfrm>
-              <a:off x="9308336" y="23060858"/>
-              <a:ext cx="3013179" cy="2429822"/>
+              <a:off x="9245274" y="23155450"/>
+              <a:ext cx="3013179" cy="2398291"/>
             </a:xfrm>
             <a:prstGeom prst="roundRect">
               <a:avLst>
@@ -7469,7 +7523,7 @@
           </p:nvSpPr>
           <p:spPr>
             <a:xfrm>
-              <a:off x="5299283" y="26515733"/>
+              <a:off x="5299283" y="26610326"/>
               <a:ext cx="3013179" cy="2429822"/>
             </a:xfrm>
             <a:prstGeom prst="roundRect">
@@ -7538,7 +7592,7 @@
           </p:nvSpPr>
           <p:spPr>
             <a:xfrm>
-              <a:off x="5215351" y="23060858"/>
+              <a:off x="5215351" y="23123920"/>
               <a:ext cx="3218117" cy="2429822"/>
             </a:xfrm>
             <a:prstGeom prst="roundRect">
@@ -7607,7 +7661,7 @@
           </p:nvSpPr>
           <p:spPr>
             <a:xfrm>
-              <a:off x="12994790" y="23060858"/>
+              <a:off x="13215507" y="23123920"/>
               <a:ext cx="3013179" cy="2429822"/>
             </a:xfrm>
             <a:prstGeom prst="roundRect">
@@ -7676,7 +7730,7 @@
           </p:nvSpPr>
           <p:spPr>
             <a:xfrm>
-              <a:off x="16621464" y="23060858"/>
+              <a:off x="17094429" y="23155451"/>
               <a:ext cx="3013179" cy="2429822"/>
             </a:xfrm>
             <a:prstGeom prst="roundRect">
@@ -7745,10 +7799,10 @@
           </p:nvGrpSpPr>
           <p:grpSpPr>
             <a:xfrm>
-              <a:off x="8859463" y="26230661"/>
-              <a:ext cx="3360235" cy="2714894"/>
-              <a:chOff x="5096359" y="22654794"/>
-              <a:chExt cx="3360236" cy="2714894"/>
+              <a:off x="9258627" y="26388316"/>
+              <a:ext cx="3104517" cy="2683363"/>
+              <a:chOff x="5495523" y="22812449"/>
+              <a:chExt cx="3104518" cy="2683363"/>
             </a:xfrm>
           </p:grpSpPr>
           <p:sp>
@@ -7759,8 +7813,8 @@
             </p:nvSpPr>
             <p:spPr>
               <a:xfrm>
-                <a:off x="5096359" y="22939866"/>
-                <a:ext cx="3314497" cy="2429822"/>
+                <a:off x="5495523" y="23065990"/>
+                <a:ext cx="3104518" cy="2429822"/>
               </a:xfrm>
               <a:prstGeom prst="roundRect">
                 <a:avLst>
@@ -7828,7 +7882,7 @@
             </p:nvSpPr>
             <p:spPr>
               <a:xfrm>
-                <a:off x="6958623" y="22654794"/>
+                <a:off x="6359534" y="22812449"/>
                 <a:ext cx="1497972" cy="1204325"/>
               </a:xfrm>
               <a:prstGeom prst="rect">
@@ -7857,10 +7911,10 @@
                   <a:defRPr sz="1800"/>
                 </a:pPr>
                 <a:r>
-                  <a:rPr lang="en-US" sz="3400" dirty="0"/>
+                  <a:rPr lang="en-US" sz="3400" b="1" dirty="0"/>
                   <a:t>L&amp;M</a:t>
                 </a:r>
-                <a:endParaRPr sz="3400" dirty="0"/>
+                <a:endParaRPr sz="3400" b="1" dirty="0"/>
               </a:p>
             </p:txBody>
           </p:sp>
@@ -7873,10 +7927,10 @@
           </p:nvGrpSpPr>
           <p:grpSpPr>
             <a:xfrm>
-              <a:off x="13037154" y="26222246"/>
-              <a:ext cx="3423506" cy="2723309"/>
-              <a:chOff x="5096359" y="25238400"/>
-              <a:chExt cx="3423507" cy="2723309"/>
+              <a:off x="13037154" y="26379901"/>
+              <a:ext cx="3314496" cy="2723309"/>
+              <a:chOff x="5096359" y="25396055"/>
+              <a:chExt cx="3314497" cy="2723309"/>
             </a:xfrm>
           </p:grpSpPr>
           <p:sp>
@@ -7887,7 +7941,7 @@
             </p:nvSpPr>
             <p:spPr>
               <a:xfrm>
-                <a:off x="5096359" y="25531887"/>
+                <a:off x="5096359" y="25689542"/>
                 <a:ext cx="3314497" cy="2429822"/>
               </a:xfrm>
               <a:prstGeom prst="roundRect">
@@ -7954,7 +8008,7 @@
             </p:nvSpPr>
             <p:spPr>
               <a:xfrm>
-                <a:off x="7021894" y="25238400"/>
+                <a:off x="6012901" y="25396055"/>
                 <a:ext cx="1497972" cy="1204325"/>
               </a:xfrm>
               <a:prstGeom prst="rect">
@@ -7977,10 +8031,10 @@
               <a:p>
                 <a:pPr algn="ctr"/>
                 <a:r>
-                  <a:rPr lang="en-US" sz="3400" dirty="0"/>
+                  <a:rPr lang="en-US" sz="3400" b="1" dirty="0"/>
                   <a:t>L&amp;M</a:t>
                 </a:r>
-                <a:endParaRPr sz="3400" dirty="0"/>
+                <a:endParaRPr sz="3400" b="1" dirty="0"/>
               </a:p>
             </p:txBody>
           </p:sp>
@@ -7993,10 +8047,10 @@
           </p:nvGrpSpPr>
           <p:grpSpPr>
             <a:xfrm>
-              <a:off x="702403" y="22911801"/>
-              <a:ext cx="3181920" cy="2684498"/>
-              <a:chOff x="702403" y="21387873"/>
-              <a:chExt cx="3181920" cy="2684498"/>
+              <a:off x="481687" y="22805874"/>
+              <a:ext cx="3317116" cy="3316369"/>
+              <a:chOff x="481687" y="21281946"/>
+              <a:chExt cx="3317116" cy="3316369"/>
             </a:xfrm>
           </p:grpSpPr>
           <p:sp>
@@ -8007,13 +8061,11 @@
             </p:nvSpPr>
             <p:spPr>
               <a:xfrm>
-                <a:off x="702403" y="21642549"/>
-                <a:ext cx="3013179" cy="2429822"/>
+                <a:off x="481687" y="21387873"/>
+                <a:ext cx="3317116" cy="3210442"/>
               </a:xfrm>
-              <a:prstGeom prst="roundRect">
-                <a:avLst>
-                  <a:gd name="adj" fmla="val 16667"/>
-                </a:avLst>
+              <a:prstGeom prst="ellipse">
+                <a:avLst/>
               </a:prstGeom>
               <a:gradFill flip="none" rotWithShape="1">
                 <a:gsLst>
@@ -8033,7 +8085,7 @@
                 <a:solidFill>
                   <a:schemeClr val="tx1"/>
                 </a:solidFill>
-                <a:prstDash val="sysDash"/>
+                <a:prstDash val="solid"/>
                 <a:bevel/>
               </a:ln>
               <a:effectLst>
@@ -8049,6 +8101,12 @@
                 <a:noAutofit/>
               </a:bodyPr>
               <a:lstStyle/>
+              <a:p>
+                <a:pPr lvl="0" algn="ctr">
+                  <a:defRPr sz="1800"/>
+                </a:pPr>
+                <a:endParaRPr lang="en-US" sz="2800" dirty="0" smtClean="0"/>
+              </a:p>
               <a:p>
                 <a:pPr lvl="0" algn="ctr">
                   <a:defRPr sz="1800"/>
@@ -8076,7 +8134,7 @@
             </p:nvSpPr>
             <p:spPr>
               <a:xfrm>
-                <a:off x="2386351" y="21387873"/>
+                <a:off x="1444781" y="21281946"/>
                 <a:ext cx="1497972" cy="1204325"/>
               </a:xfrm>
               <a:prstGeom prst="rect">
@@ -8105,10 +8163,10 @@
                   <a:defRPr sz="1800"/>
                 </a:pPr>
                 <a:r>
-                  <a:rPr lang="en-US" sz="3400" dirty="0"/>
+                  <a:rPr lang="en-US" sz="3400" b="1" dirty="0"/>
                   <a:t>L&amp;M</a:t>
                 </a:r>
-                <a:endParaRPr sz="3400" dirty="0"/>
+                <a:endParaRPr sz="3400" b="1" dirty="0"/>
               </a:p>
             </p:txBody>
           </p:sp>
@@ -8121,8 +8179,8 @@
           </p:nvSpPr>
           <p:spPr>
             <a:xfrm>
-              <a:off x="14625268" y="18471918"/>
-              <a:ext cx="4375667" cy="2074227"/>
+              <a:off x="11943962" y="18568495"/>
+              <a:ext cx="6243803" cy="1407027"/>
             </a:xfrm>
             <a:prstGeom prst="rect">
               <a:avLst/>
@@ -8150,10 +8208,26 @@
                 <a:defRPr sz="1800"/>
               </a:pPr>
               <a:r>
+                <a:rPr lang="en-US" sz="4000" b="1" dirty="0" smtClean="0"/>
+                <a:t>Semantics</a:t>
+              </a:r>
+              <a:r>
                 <a:rPr lang="en-US" sz="4000" dirty="0" smtClean="0"/>
-                <a:t>Semantics &amp; Pragmatics</a:t>
-              </a:r>
-              <a:endParaRPr sz="4000" dirty="0"/>
+                <a:t> </a:t>
+              </a:r>
+              <a:r>
+                <a:rPr lang="en-US" sz="4000" b="1" dirty="0" smtClean="0"/>
+                <a:t>&amp;</a:t>
+              </a:r>
+              <a:r>
+                <a:rPr lang="en-US" sz="4000" dirty="0" smtClean="0"/>
+                <a:t> </a:t>
+              </a:r>
+              <a:r>
+                <a:rPr lang="en-US" sz="4000" b="1" dirty="0" smtClean="0"/>
+                <a:t>Pragmatics</a:t>
+              </a:r>
+              <a:endParaRPr sz="4000" b="1" dirty="0"/>
             </a:p>
           </p:txBody>
         </p:sp>
@@ -8174,7 +8248,7 @@
         </p:blipFill>
         <p:spPr>
           <a:xfrm>
-            <a:off x="40187388" y="19308"/>
+            <a:off x="39754254" y="115560"/>
             <a:ext cx="2624312" cy="2624312"/>
           </a:xfrm>
           <a:prstGeom prst="rect">
@@ -8190,8 +8264,8 @@
         </p:nvSpPr>
         <p:spPr>
           <a:xfrm>
-            <a:off x="42079688" y="9528083"/>
-            <a:ext cx="324225" cy="9320558"/>
+            <a:off x="41749032" y="9624336"/>
+            <a:ext cx="0" cy="9040412"/>
           </a:xfrm>
           <a:prstGeom prst="line">
             <a:avLst/>
@@ -8232,50 +8306,8 @@
         </p:nvSpPr>
         <p:spPr>
           <a:xfrm>
-            <a:off x="41547848" y="16205199"/>
-            <a:ext cx="334037" cy="2720499"/>
-          </a:xfrm>
-          <a:prstGeom prst="line">
-            <a:avLst/>
-          </a:prstGeom>
-          <a:ln w="76200">
-            <a:solidFill/>
-            <a:headEnd type="triangle"/>
-          </a:ln>
-          <a:effectLst>
-            <a:outerShdw blurRad="38100" dist="20000" dir="5400000" rotWithShape="0">
-              <a:srgbClr val="000000">
-                <a:alpha val="38000"/>
-              </a:srgbClr>
-            </a:outerShdw>
-          </a:effectLst>
-        </p:spPr>
-        <p:txBody>
-          <a:bodyPr lIns="0" tIns="0" rIns="0" bIns="0"/>
-          <a:lstStyle/>
-          <a:p>
-            <a:pPr lvl="0" algn="ctr" defTabSz="457200">
-              <a:defRPr sz="1200">
-                <a:latin typeface="+mn-lt"/>
-                <a:ea typeface="+mn-ea"/>
-                <a:cs typeface="+mn-cs"/>
-                <a:sym typeface="Helvetica"/>
-              </a:defRPr>
-            </a:pPr>
-            <a:endParaRPr/>
-          </a:p>
-        </p:txBody>
-      </p:sp>
-      <p:sp>
-        <p:nvSpPr>
-          <p:cNvPr id="126" name="Shape 248"/>
-          <p:cNvSpPr/>
-          <p:nvPr/>
-        </p:nvSpPr>
-        <p:spPr>
-          <a:xfrm flipV="1">
-            <a:off x="40701460" y="9509735"/>
-            <a:ext cx="0" cy="850517"/>
+            <a:off x="41100173" y="15349874"/>
+            <a:ext cx="49949" cy="3418334"/>
           </a:xfrm>
           <a:prstGeom prst="line">
             <a:avLst/>
@@ -8316,10 +8348,10 @@
         </p:nvGrpSpPr>
         <p:grpSpPr>
           <a:xfrm>
-            <a:off x="29339373" y="6803526"/>
-            <a:ext cx="12842426" cy="12268032"/>
-            <a:chOff x="29339373" y="6803526"/>
-            <a:chExt cx="12842426" cy="12268032"/>
+            <a:off x="29121821" y="6242935"/>
+            <a:ext cx="12875212" cy="12936471"/>
+            <a:chOff x="29554955" y="6109844"/>
+            <a:chExt cx="12875212" cy="12936471"/>
           </a:xfrm>
         </p:grpSpPr>
         <p:sp>
@@ -8330,7 +8362,7 @@
           </p:nvSpPr>
           <p:spPr>
             <a:xfrm>
-              <a:off x="34243241" y="17095390"/>
+              <a:off x="34274772" y="17158452"/>
               <a:ext cx="3128147" cy="1887863"/>
             </a:xfrm>
             <a:prstGeom prst="roundRect">
@@ -8412,7 +8444,7 @@
           </p:nvSpPr>
           <p:spPr>
             <a:xfrm>
-              <a:off x="39168620" y="6918426"/>
+              <a:off x="39416988" y="6823833"/>
               <a:ext cx="3013179" cy="2429822"/>
             </a:xfrm>
             <a:prstGeom prst="roundRect">
@@ -8481,7 +8513,7 @@
           </p:nvSpPr>
           <p:spPr>
             <a:xfrm>
-              <a:off x="29339373" y="13713222"/>
+              <a:off x="29554955" y="13544626"/>
               <a:ext cx="3013179" cy="1862146"/>
             </a:xfrm>
             <a:prstGeom prst="roundRect">
@@ -8536,8 +8568,20 @@
                 <a:t>GSHum</a:t>
               </a:r>
               <a:r>
+                <a:rPr lang="en-US" sz="2800" dirty="0" smtClean="0"/>
+                <a:t>] </a:t>
+              </a:r>
+              <a:r>
                 <a:rPr lang="en-US" sz="2800" dirty="0"/>
-                <a:t>] Semantics and Grammar (Dekker)</a:t>
+                <a:t>Semantics </a:t>
+              </a:r>
+              <a:r>
+                <a:rPr lang="en-US" sz="2800" dirty="0" smtClean="0"/>
+                <a:t>and Grammar </a:t>
+              </a:r>
+              <a:r>
+                <a:rPr lang="en-US" sz="2800" dirty="0"/>
+                <a:t>(Dekker)</a:t>
               </a:r>
             </a:p>
           </p:txBody>
@@ -8550,7 +8594,7 @@
           </p:nvSpPr>
           <p:spPr>
             <a:xfrm>
-              <a:off x="35023323" y="6803526"/>
+              <a:off x="35023323" y="6109844"/>
               <a:ext cx="3013179" cy="2706210"/>
             </a:xfrm>
             <a:prstGeom prst="roundRect">
@@ -8623,7 +8667,7 @@
           </p:nvSpPr>
           <p:spPr>
             <a:xfrm>
-              <a:off x="29339373" y="10734612"/>
+              <a:off x="29586487" y="10583810"/>
               <a:ext cx="3013179" cy="2429822"/>
             </a:xfrm>
             <a:prstGeom prst="roundRect">
@@ -8692,7 +8736,7 @@
           </p:nvSpPr>
           <p:spPr>
             <a:xfrm>
-              <a:off x="34979808" y="13030107"/>
+              <a:off x="34979808" y="12588673"/>
               <a:ext cx="3013179" cy="2429822"/>
             </a:xfrm>
             <a:prstGeom prst="roundRect">
@@ -8765,8 +8809,8 @@
           </p:nvSpPr>
           <p:spPr>
             <a:xfrm>
-              <a:off x="34998950" y="9942470"/>
-              <a:ext cx="3013179" cy="2429822"/>
+              <a:off x="35023323" y="9469505"/>
+              <a:ext cx="2988806" cy="2485688"/>
             </a:xfrm>
             <a:prstGeom prst="roundRect">
               <a:avLst>
@@ -8838,7 +8882,7 @@
           </p:nvSpPr>
           <p:spPr>
             <a:xfrm>
-              <a:off x="38298090" y="16380698"/>
+              <a:off x="38266559" y="16146959"/>
               <a:ext cx="3013179" cy="2429822"/>
             </a:xfrm>
             <a:prstGeom prst="roundRect">
@@ -8907,7 +8951,7 @@
           </p:nvSpPr>
           <p:spPr>
             <a:xfrm>
-              <a:off x="30679500" y="17183695"/>
+              <a:off x="30679500" y="17152164"/>
               <a:ext cx="2778806" cy="1887863"/>
             </a:xfrm>
             <a:prstGeom prst="roundRect">
@@ -8983,7 +9027,7 @@
           </p:nvSpPr>
           <p:spPr>
             <a:xfrm>
-              <a:off x="39066509" y="13509683"/>
+              <a:off x="38830694" y="12575409"/>
               <a:ext cx="3013179" cy="2429822"/>
             </a:xfrm>
             <a:prstGeom prst="roundRect">
@@ -9052,7 +9096,7 @@
           </p:nvSpPr>
           <p:spPr>
             <a:xfrm>
-              <a:off x="39168622" y="10360253"/>
+              <a:off x="38830696" y="9525371"/>
               <a:ext cx="3013177" cy="2429822"/>
             </a:xfrm>
             <a:prstGeom prst="roundRect">
@@ -9122,7 +9166,7 @@
         </p:nvSpPr>
         <p:spPr>
           <a:xfrm flipV="1">
-            <a:off x="3521119" y="33596388"/>
+            <a:off x="3087985" y="33692640"/>
             <a:ext cx="6015972" cy="118386"/>
           </a:xfrm>
           <a:prstGeom prst="line">
@@ -9170,8 +9214,8 @@
         </p:nvSpPr>
         <p:spPr>
           <a:xfrm>
-            <a:off x="38621610" y="2377106"/>
-            <a:ext cx="4000366" cy="2398093"/>
+            <a:off x="38228561" y="2742059"/>
+            <a:ext cx="4110918" cy="2093608"/>
           </a:xfrm>
           <a:prstGeom prst="roundRect">
             <a:avLst/>
@@ -9205,51 +9249,163 @@
                 <a:ea typeface="Calibri"/>
                 <a:cs typeface="Calibri"/>
               </a:rPr>
-              <a:t>Mandatory Courses of Tracks:</a:t>
+              <a:t>Mandatory </a:t>
             </a:r>
-          </a:p>
-          <a:p>
-            <a:pPr algn="l"/>
+            <a:r>
+              <a:rPr lang="en-US" sz="2400" dirty="0" smtClean="0">
+                <a:latin typeface="Calibri"/>
+                <a:ea typeface="Calibri"/>
+                <a:cs typeface="Calibri"/>
+              </a:rPr>
+              <a:t> Courses </a:t>
+            </a:r>
             <a:r>
               <a:rPr lang="en-US" sz="2400" dirty="0">
                 <a:latin typeface="Calibri"/>
                 <a:ea typeface="Calibri"/>
                 <a:cs typeface="Calibri"/>
               </a:rPr>
-              <a:t>L&amp;P: Logic &amp; Philosophy</a:t>
+              <a:t>of Tracks:</a:t>
             </a:r>
           </a:p>
           <a:p>
             <a:pPr algn="l"/>
+            <a:r>
+              <a:rPr lang="en-US" sz="2400" b="1" dirty="0">
+                <a:latin typeface="Calibri"/>
+                <a:ea typeface="Calibri"/>
+                <a:cs typeface="Calibri"/>
+              </a:rPr>
+              <a:t>L&amp;P</a:t>
+            </a:r>
+            <a:r>
+              <a:rPr lang="en-US" sz="2400" b="1" dirty="0" smtClean="0">
+                <a:latin typeface="Calibri"/>
+                <a:ea typeface="Calibri"/>
+                <a:cs typeface="Calibri"/>
+              </a:rPr>
+              <a:t>:</a:t>
+            </a:r>
+            <a:r>
+              <a:rPr lang="en-US" sz="2400" dirty="0" smtClean="0">
+                <a:latin typeface="Calibri"/>
+                <a:ea typeface="Calibri"/>
+                <a:cs typeface="Calibri"/>
+              </a:rPr>
+              <a:t>           Logic </a:t>
+            </a:r>
             <a:r>
               <a:rPr lang="en-US" sz="2400" dirty="0">
                 <a:latin typeface="Calibri"/>
                 <a:ea typeface="Calibri"/>
                 <a:cs typeface="Calibri"/>
               </a:rPr>
-              <a:t>L&amp;L: Logic &amp; Language</a:t>
+              <a:t>&amp; Philosophy</a:t>
             </a:r>
           </a:p>
           <a:p>
             <a:pPr algn="l"/>
+            <a:r>
+              <a:rPr lang="en-US" sz="2400" b="1" dirty="0">
+                <a:latin typeface="Calibri"/>
+                <a:ea typeface="Calibri"/>
+                <a:cs typeface="Calibri"/>
+              </a:rPr>
+              <a:t>L&amp;L</a:t>
+            </a:r>
             <a:r>
               <a:rPr lang="en-US" sz="2400" dirty="0">
                 <a:latin typeface="Calibri"/>
                 <a:ea typeface="Calibri"/>
                 <a:cs typeface="Calibri"/>
               </a:rPr>
-              <a:t>L&amp;C: Logic &amp; Computation</a:t>
+              <a:t>: </a:t>
             </a:r>
-          </a:p>
-          <a:p>
-            <a:pPr algn="l"/>
+            <a:r>
+              <a:rPr lang="en-US" sz="2400" dirty="0" smtClean="0">
+                <a:latin typeface="Calibri"/>
+                <a:ea typeface="Calibri"/>
+                <a:cs typeface="Calibri"/>
+              </a:rPr>
+              <a:t>             Logic </a:t>
+            </a:r>
             <a:r>
               <a:rPr lang="en-US" sz="2400" dirty="0">
                 <a:latin typeface="Calibri"/>
                 <a:ea typeface="Calibri"/>
                 <a:cs typeface="Calibri"/>
               </a:rPr>
-              <a:t>L&amp;M: Logic &amp; Mathematics</a:t>
+              <a:t>&amp; Language</a:t>
+            </a:r>
+          </a:p>
+          <a:p>
+            <a:pPr algn="l"/>
+            <a:r>
+              <a:rPr lang="en-US" sz="2400" b="1" dirty="0">
+                <a:latin typeface="Calibri"/>
+                <a:ea typeface="Calibri"/>
+                <a:cs typeface="Calibri"/>
+              </a:rPr>
+              <a:t>L&amp;C:</a:t>
+            </a:r>
+            <a:r>
+              <a:rPr lang="en-US" sz="2400" dirty="0">
+                <a:latin typeface="Calibri"/>
+                <a:ea typeface="Calibri"/>
+                <a:cs typeface="Calibri"/>
+              </a:rPr>
+              <a:t> </a:t>
+            </a:r>
+            <a:r>
+              <a:rPr lang="en-US" sz="2400" dirty="0" smtClean="0">
+                <a:latin typeface="Calibri"/>
+                <a:ea typeface="Calibri"/>
+                <a:cs typeface="Calibri"/>
+              </a:rPr>
+              <a:t>      Logic </a:t>
+            </a:r>
+            <a:r>
+              <a:rPr lang="en-US" sz="2400" dirty="0">
+                <a:latin typeface="Calibri"/>
+                <a:ea typeface="Calibri"/>
+                <a:cs typeface="Calibri"/>
+              </a:rPr>
+              <a:t>&amp; Computation</a:t>
+            </a:r>
+          </a:p>
+          <a:p>
+            <a:pPr algn="l"/>
+            <a:r>
+              <a:rPr lang="en-US" sz="2400" b="1" dirty="0">
+                <a:latin typeface="Calibri"/>
+                <a:ea typeface="Calibri"/>
+                <a:cs typeface="Calibri"/>
+              </a:rPr>
+              <a:t>L&amp;M:</a:t>
+            </a:r>
+            <a:r>
+              <a:rPr lang="en-US" sz="2400" dirty="0">
+                <a:latin typeface="Calibri"/>
+                <a:ea typeface="Calibri"/>
+                <a:cs typeface="Calibri"/>
+              </a:rPr>
+              <a:t> </a:t>
+            </a:r>
+            <a:r>
+              <a:rPr lang="en-US" sz="2400" dirty="0" smtClean="0">
+                <a:latin typeface="Calibri"/>
+                <a:ea typeface="Calibri"/>
+                <a:cs typeface="Calibri"/>
+              </a:rPr>
+              <a:t>    Logic </a:t>
+            </a:r>
+            <a:r>
+              <a:rPr lang="en-US" sz="2400" dirty="0">
+                <a:latin typeface="Calibri"/>
+                <a:ea typeface="Calibri"/>
+                <a:cs typeface="Calibri"/>
+              </a:rPr>
+              <a:t>&amp; Mathematics</a:t>
             </a:r>
           </a:p>
         </p:txBody>
@@ -9264,7 +9420,7 @@
         </p:nvSpPr>
         <p:spPr>
           <a:xfrm>
-            <a:off x="27525740" y="1480570"/>
+            <a:off x="27092606" y="1576822"/>
             <a:ext cx="12249151" cy="644806"/>
           </a:xfrm>
           <a:prstGeom prst="rect">
@@ -9363,7 +9519,15 @@
             </a:pPr>
             <a:r>
               <a:rPr lang="en-US" sz="2000" dirty="0" smtClean="0"/>
-              <a:t>v1.0: </a:t>
+              <a:t>  </a:t>
+            </a:r>
+            <a:r>
+              <a:rPr lang="en-US" sz="2000" smtClean="0"/>
+              <a:t> v2.0</a:t>
+            </a:r>
+            <a:r>
+              <a:rPr lang="en-US" sz="2000" dirty="0" smtClean="0"/>
+              <a:t>: </a:t>
             </a:r>
             <a:r>
               <a:rPr lang="en-US" sz="2000" dirty="0" smtClean="0">
@@ -9399,8 +9563,8 @@
         </p:nvSpPr>
         <p:spPr>
           <a:xfrm flipV="1">
-            <a:off x="21593837" y="14089418"/>
-            <a:ext cx="1105619" cy="944952"/>
+            <a:off x="21367102" y="14358742"/>
+            <a:ext cx="1118530" cy="763610"/>
           </a:xfrm>
           <a:prstGeom prst="line">
             <a:avLst/>
@@ -9441,7 +9605,7 @@
         </p:nvSpPr>
         <p:spPr>
           <a:xfrm flipH="1" flipV="1">
-            <a:off x="37473695" y="17621399"/>
+            <a:off x="37040561" y="17948700"/>
             <a:ext cx="755742" cy="0"/>
           </a:xfrm>
           <a:prstGeom prst="line">
@@ -9472,6 +9636,58 @@
               </a:defRPr>
             </a:pPr>
             <a:endParaRPr/>
+          </a:p>
+        </p:txBody>
+      </p:sp>
+      <p:sp>
+        <p:nvSpPr>
+          <p:cNvPr id="126" name="Shape 230"/>
+          <p:cNvSpPr/>
+          <p:nvPr/>
+        </p:nvSpPr>
+        <p:spPr>
+          <a:xfrm>
+            <a:off x="2222144" y="17963485"/>
+            <a:ext cx="1497972" cy="1204325"/>
+          </a:xfrm>
+          <a:prstGeom prst="rect">
+            <a:avLst/>
+          </a:prstGeom>
+          <a:ln w="12700">
+            <a:miter lim="400000"/>
+          </a:ln>
+          <a:extLst>
+            <a:ext uri="{C572A759-6A51-4108-AA02-DFA0A04FC94B}">
+              <ma14:wrappingTextBoxFlag xmlns:ma14="http://schemas.microsoft.com/office/mac/drawingml/2011/main" val="1"/>
+            </a:ext>
+          </a:extLst>
+        </p:spPr>
+        <p:txBody>
+          <a:bodyPr lIns="208805" tIns="208805" rIns="208805" bIns="208805" anchor="ctr">
+            <a:normAutofit/>
+          </a:bodyPr>
+          <a:lstStyle>
+            <a:lvl1pPr>
+              <a:defRPr sz="4000"/>
+            </a:lvl1pPr>
+          </a:lstStyle>
+          <a:p>
+            <a:pPr algn="ctr">
+              <a:defRPr sz="1800"/>
+            </a:pPr>
+            <a:r>
+              <a:rPr lang="en-US" sz="3400" b="1" dirty="0">
+                <a:solidFill>
+                  <a:schemeClr val="bg1"/>
+                </a:solidFill>
+              </a:rPr>
+              <a:t>L&amp;M</a:t>
+            </a:r>
+            <a:endParaRPr sz="3400" b="1" dirty="0">
+              <a:solidFill>
+                <a:schemeClr val="bg1"/>
+              </a:solidFill>
+            </a:endParaRPr>
           </a:p>
         </p:txBody>
       </p:sp>

--- a/MoLOverviewPoster2015.pptx
+++ b/MoLOverviewPoster2015.pptx
@@ -3629,22 +3629,24 @@
         </p:nvGrpSpPr>
         <p:grpSpPr>
           <a:xfrm>
-            <a:off x="22673960" y="18977271"/>
-            <a:ext cx="19707387" cy="10644552"/>
-            <a:chOff x="23107094" y="18881019"/>
-            <a:chExt cx="19707387" cy="10644552"/>
+            <a:off x="22673960" y="18977270"/>
+            <a:ext cx="19852567" cy="10644553"/>
+            <a:chOff x="23107094" y="18881018"/>
+            <a:chExt cx="19852567" cy="10644553"/>
           </a:xfrm>
         </p:grpSpPr>
         <p:sp>
           <p:nvSpPr>
             <p:cNvPr id="61" name="Shape 61"/>
-            <p:cNvSpPr/>
+            <p:cNvSpPr>
+              <a:spLocks noChangeAspect="1"/>
+            </p:cNvSpPr>
             <p:nvPr/>
           </p:nvSpPr>
           <p:spPr>
             <a:xfrm>
-              <a:off x="39577749" y="18881019"/>
-              <a:ext cx="3236732" cy="3317316"/>
+              <a:off x="39577749" y="18881018"/>
+              <a:ext cx="3381912" cy="3383662"/>
             </a:xfrm>
             <a:prstGeom prst="ellipse">
               <a:avLst/>
@@ -3710,7 +3712,23 @@
                     <a:srgbClr val="FFFFFF"/>
                   </a:solidFill>
                 </a:rPr>
-                <a:t>-FNWI] Basic Probability, Computing and Statistics (Sima'an) [3EC]</a:t>
+                <a:t>-FNWI] </a:t>
+              </a:r>
+              <a:r>
+                <a:rPr lang="en-US" sz="2800" dirty="0" smtClean="0">
+                  <a:solidFill>
+                    <a:srgbClr val="FFFFFF"/>
+                  </a:solidFill>
+                </a:rPr>
+                <a:t>Basic Probability</a:t>
+              </a:r>
+              <a:r>
+                <a:rPr lang="en-US" sz="2800" dirty="0">
+                  <a:solidFill>
+                    <a:srgbClr val="FFFFFF"/>
+                  </a:solidFill>
+                </a:rPr>
+                <a:t>, Computing and Statistics (Sima'an) [3EC]</a:t>
               </a:r>
             </a:p>
           </p:txBody>

--- a/MoLOverviewPoster2015.pptx
+++ b/MoLOverviewPoster2015.pptx
@@ -6699,7 +6699,7 @@
           </p:nvSpPr>
           <p:spPr>
             <a:xfrm>
-              <a:off x="22846577" y="5763293"/>
+              <a:off x="22579209" y="7267328"/>
               <a:ext cx="2756622" cy="1872025"/>
             </a:xfrm>
             <a:prstGeom prst="roundRect">
@@ -6837,7 +6837,7 @@
           </p:nvSpPr>
           <p:spPr>
             <a:xfrm>
-              <a:off x="19135341" y="6889436"/>
+              <a:off x="18667447" y="6889436"/>
               <a:ext cx="3013179" cy="2429822"/>
             </a:xfrm>
             <a:prstGeom prst="roundRect">
@@ -8250,30 +8250,6 @@
           </p:txBody>
         </p:sp>
       </p:grpSp>
-      <p:pic>
-        <p:nvPicPr>
-          <p:cNvPr id="13" name="Picture 12"/>
-          <p:cNvPicPr>
-            <a:picLocks noChangeAspect="1"/>
-          </p:cNvPicPr>
-          <p:nvPr/>
-        </p:nvPicPr>
-        <p:blipFill>
-          <a:blip r:embed="rId3"/>
-          <a:stretch>
-            <a:fillRect/>
-          </a:stretch>
-        </p:blipFill>
-        <p:spPr>
-          <a:xfrm>
-            <a:off x="39754254" y="115560"/>
-            <a:ext cx="2624312" cy="2624312"/>
-          </a:xfrm>
-          <a:prstGeom prst="rect">
-            <a:avLst/>
-          </a:prstGeom>
-        </p:spPr>
-      </p:pic>
       <p:sp>
         <p:nvSpPr>
           <p:cNvPr id="123" name="Shape 248"/>
@@ -9549,19 +9525,19 @@
             </a:r>
             <a:r>
               <a:rPr lang="en-US" sz="2000" dirty="0" smtClean="0">
-                <a:hlinkClick r:id="rId4"/>
+                <a:hlinkClick r:id="rId3"/>
               </a:rPr>
               <a:t>https</a:t>
             </a:r>
             <a:r>
               <a:rPr lang="en-US" sz="2000" dirty="0">
-                <a:hlinkClick r:id="rId4"/>
+                <a:hlinkClick r:id="rId3"/>
               </a:rPr>
               <a:t>://github.com/cschaffner/</a:t>
             </a:r>
             <a:r>
               <a:rPr lang="en-US" sz="2000" dirty="0" smtClean="0">
-                <a:hlinkClick r:id="rId4"/>
+                <a:hlinkClick r:id="rId3"/>
               </a:rPr>
               <a:t>MoLOverviewPoster</a:t>
             </a:r>
@@ -9709,6 +9685,273 @@
           </a:p>
         </p:txBody>
       </p:sp>
+      <p:sp>
+        <p:nvSpPr>
+          <p:cNvPr id="12" name="Diagonal Stripe 11"/>
+          <p:cNvSpPr/>
+          <p:nvPr/>
+        </p:nvSpPr>
+        <p:spPr>
+          <a:xfrm rot="5400000">
+            <a:off x="40067690" y="125653"/>
+            <a:ext cx="2261540" cy="2282038"/>
+          </a:xfrm>
+          <a:prstGeom prst="diagStripe">
+            <a:avLst>
+              <a:gd name="adj" fmla="val 69317"/>
+            </a:avLst>
+          </a:prstGeom>
+          <a:effectLst>
+            <a:glow rad="38100">
+              <a:schemeClr val="bg2">
+                <a:alpha val="75000"/>
+              </a:schemeClr>
+            </a:glow>
+          </a:effectLst>
+        </p:spPr>
+        <p:style>
+          <a:lnRef idx="2">
+            <a:schemeClr val="dk1">
+              <a:shade val="50000"/>
+            </a:schemeClr>
+          </a:lnRef>
+          <a:fillRef idx="1">
+            <a:schemeClr val="dk1"/>
+          </a:fillRef>
+          <a:effectRef idx="0">
+            <a:schemeClr val="dk1"/>
+          </a:effectRef>
+          <a:fontRef idx="minor">
+            <a:schemeClr val="lt1"/>
+          </a:fontRef>
+        </p:style>
+        <p:txBody>
+          <a:bodyPr rot="0" spcFirstLastPara="1" vertOverflow="overflow" horzOverflow="overflow" vert="horz" wrap="square" lIns="91439" tIns="45719" rIns="91439" bIns="45719" numCol="1" spcCol="38100" rtlCol="0" anchor="t">
+            <a:noAutofit/>
+          </a:bodyPr>
+          <a:lstStyle/>
+          <a:p>
+            <a:pPr marL="0" marR="0" indent="0" algn="l" defTabSz="914400" rtl="0" fontAlgn="auto" latinLnBrk="1" hangingPunct="0">
+              <a:lnSpc>
+                <a:spcPct val="100000"/>
+              </a:lnSpc>
+              <a:spcBef>
+                <a:spcPts val="0"/>
+              </a:spcBef>
+              <a:spcAft>
+                <a:spcPts val="0"/>
+              </a:spcAft>
+              <a:buClrTx/>
+              <a:buSzTx/>
+              <a:buFontTx/>
+              <a:buNone/>
+              <a:tabLst/>
+            </a:pPr>
+            <a:endParaRPr kumimoji="0" lang="en-US" sz="1800" b="0" i="0" u="none" strike="noStrike" cap="none" spc="0" normalizeH="0" baseline="0" dirty="0">
+              <a:ln>
+                <a:noFill/>
+              </a:ln>
+              <a:solidFill>
+                <a:srgbClr val="000000"/>
+              </a:solidFill>
+              <a:effectLst/>
+              <a:uFillTx/>
+            </a:endParaRPr>
+          </a:p>
+        </p:txBody>
+      </p:sp>
+      <p:sp>
+        <p:nvSpPr>
+          <p:cNvPr id="26" name="TextBox 25"/>
+          <p:cNvSpPr txBox="1"/>
+          <p:nvPr/>
+        </p:nvSpPr>
+        <p:spPr>
+          <a:xfrm rot="2660991">
+            <a:off x="39847372" y="877942"/>
+            <a:ext cx="3092564" cy="400108"/>
+          </a:xfrm>
+          <a:prstGeom prst="rect">
+            <a:avLst/>
+          </a:prstGeom>
+          <a:noFill/>
+          <a:ln w="12700" cap="flat">
+            <a:noFill/>
+            <a:miter lim="400000"/>
+          </a:ln>
+          <a:effectLst/>
+        </p:spPr>
+        <p:style>
+          <a:lnRef idx="0">
+            <a:scrgbClr r="0" g="0" b="0"/>
+          </a:lnRef>
+          <a:fillRef idx="0">
+            <a:scrgbClr r="0" g="0" b="0"/>
+          </a:fillRef>
+          <a:effectRef idx="0">
+            <a:scrgbClr r="0" g="0" b="0"/>
+          </a:effectRef>
+          <a:fontRef idx="none"/>
+        </p:style>
+        <p:txBody>
+          <a:bodyPr rot="0" spcFirstLastPara="1" vertOverflow="overflow" horzOverflow="overflow" vert="horz" wrap="square" lIns="45719" tIns="45719" rIns="45719" bIns="45719" numCol="1" spcCol="38100" rtlCol="0" anchor="t">
+            <a:spAutoFit/>
+          </a:bodyPr>
+          <a:lstStyle/>
+          <a:p>
+            <a:pPr marL="0" marR="0" indent="0" algn="ctr" defTabSz="2088048" rtl="0" fontAlgn="auto" latinLnBrk="1" hangingPunct="0">
+              <a:lnSpc>
+                <a:spcPct val="100000"/>
+              </a:lnSpc>
+              <a:spcBef>
+                <a:spcPts val="0"/>
+              </a:spcBef>
+              <a:spcAft>
+                <a:spcPts val="0"/>
+              </a:spcAft>
+              <a:buClrTx/>
+              <a:buSzTx/>
+              <a:buFontTx/>
+              <a:buNone/>
+              <a:tabLst/>
+            </a:pPr>
+            <a:r>
+              <a:rPr kumimoji="0" lang="en-US" sz="2000" b="0" i="0" u="none" strike="noStrike" cap="none" spc="0" normalizeH="0" baseline="0" dirty="0" smtClean="0">
+                <a:ln>
+                  <a:noFill/>
+                </a:ln>
+                <a:solidFill>
+                  <a:schemeClr val="bg1"/>
+                </a:solidFill>
+                <a:effectLst/>
+                <a:uFillTx/>
+                <a:latin typeface="Calibri"/>
+                <a:ea typeface="Calibri"/>
+                <a:cs typeface="Calibri"/>
+                <a:sym typeface="Calibri"/>
+              </a:rPr>
+              <a:t>Fork me on </a:t>
+            </a:r>
+            <a:r>
+              <a:rPr kumimoji="0" lang="en-US" sz="2000" b="0" i="0" u="none" strike="noStrike" cap="none" spc="0" normalizeH="0" baseline="0" dirty="0" err="1" smtClean="0">
+                <a:ln>
+                  <a:noFill/>
+                </a:ln>
+                <a:solidFill>
+                  <a:schemeClr val="bg1"/>
+                </a:solidFill>
+                <a:effectLst/>
+                <a:uFillTx/>
+                <a:latin typeface="Calibri"/>
+                <a:ea typeface="Calibri"/>
+                <a:cs typeface="Calibri"/>
+                <a:sym typeface="Calibri"/>
+              </a:rPr>
+              <a:t>GitHub</a:t>
+            </a:r>
+            <a:endParaRPr kumimoji="0" lang="en-US" sz="2000" b="0" i="0" u="none" strike="noStrike" cap="none" spc="0" normalizeH="0" baseline="0" dirty="0">
+              <a:ln>
+                <a:noFill/>
+              </a:ln>
+              <a:solidFill>
+                <a:schemeClr val="bg1"/>
+              </a:solidFill>
+              <a:effectLst/>
+              <a:uFillTx/>
+              <a:latin typeface="Calibri"/>
+              <a:ea typeface="Calibri"/>
+              <a:cs typeface="Calibri"/>
+              <a:sym typeface="Calibri"/>
+            </a:endParaRPr>
+          </a:p>
+        </p:txBody>
+      </p:sp>
+      <p:cxnSp>
+        <p:nvCxnSpPr>
+          <p:cNvPr id="30" name="Straight Connector 29"/>
+          <p:cNvCxnSpPr/>
+          <p:nvPr/>
+        </p:nvCxnSpPr>
+        <p:spPr>
+          <a:xfrm>
+            <a:off x="40727753" y="135902"/>
+            <a:ext cx="1611726" cy="1611794"/>
+          </a:xfrm>
+          <a:prstGeom prst="line">
+            <a:avLst/>
+          </a:prstGeom>
+          <a:noFill/>
+          <a:ln w="9525" cap="flat" cmpd="sng">
+            <a:solidFill>
+              <a:schemeClr val="bg1"/>
+            </a:solidFill>
+            <a:prstDash val="dash"/>
+            <a:bevel/>
+          </a:ln>
+          <a:effectLst>
+            <a:outerShdw blurRad="38100" dist="20000" dir="5400000" rotWithShape="0">
+              <a:srgbClr val="000000">
+                <a:alpha val="38000"/>
+              </a:srgbClr>
+            </a:outerShdw>
+          </a:effectLst>
+        </p:spPr>
+        <p:style>
+          <a:lnRef idx="0">
+            <a:scrgbClr r="0" g="0" b="0"/>
+          </a:lnRef>
+          <a:fillRef idx="0">
+            <a:scrgbClr r="0" g="0" b="0"/>
+          </a:fillRef>
+          <a:effectRef idx="0">
+            <a:scrgbClr r="0" g="0" b="0"/>
+          </a:effectRef>
+          <a:fontRef idx="none"/>
+        </p:style>
+      </p:cxnSp>
+      <p:cxnSp>
+        <p:nvCxnSpPr>
+          <p:cNvPr id="134" name="Straight Connector 133"/>
+          <p:cNvCxnSpPr/>
+          <p:nvPr/>
+        </p:nvCxnSpPr>
+        <p:spPr>
+          <a:xfrm>
+            <a:off x="40091610" y="135902"/>
+            <a:ext cx="2247869" cy="2247964"/>
+          </a:xfrm>
+          <a:prstGeom prst="line">
+            <a:avLst/>
+          </a:prstGeom>
+          <a:noFill/>
+          <a:ln w="9525" cap="flat" cmpd="sng">
+            <a:solidFill>
+              <a:schemeClr val="bg1"/>
+            </a:solidFill>
+            <a:prstDash val="dash"/>
+            <a:bevel/>
+          </a:ln>
+          <a:effectLst>
+            <a:outerShdw blurRad="38100" dist="20000" dir="5400000" rotWithShape="0">
+              <a:srgbClr val="000000">
+                <a:alpha val="38000"/>
+              </a:srgbClr>
+            </a:outerShdw>
+          </a:effectLst>
+        </p:spPr>
+        <p:style>
+          <a:lnRef idx="0">
+            <a:scrgbClr r="0" g="0" b="0"/>
+          </a:lnRef>
+          <a:fillRef idx="0">
+            <a:scrgbClr r="0" g="0" b="0"/>
+          </a:fillRef>
+          <a:effectRef idx="0">
+            <a:scrgbClr r="0" g="0" b="0"/>
+          </a:effectRef>
+          <a:fontRef idx="none"/>
+        </p:style>
+      </p:cxnSp>
     </p:spTree>
     <p:extLst>
       <p:ext uri="{BB962C8B-B14F-4D97-AF65-F5344CB8AC3E}">

--- a/MoLOverviewPoster2015.pptx
+++ b/MoLOverviewPoster2015.pptx
@@ -5932,7 +5932,7 @@
         </p:nvSpPr>
         <p:spPr>
           <a:xfrm flipH="1" flipV="1">
-            <a:off x="4953821" y="20071774"/>
+            <a:off x="4820137" y="20172043"/>
             <a:ext cx="1031399" cy="0"/>
           </a:xfrm>
           <a:prstGeom prst="line">
@@ -7045,7 +7045,7 @@
         </p:nvSpPr>
         <p:spPr>
           <a:xfrm>
-            <a:off x="508831" y="2892273"/>
+            <a:off x="1143830" y="3025965"/>
             <a:ext cx="3422879" cy="3258412"/>
           </a:xfrm>
           <a:prstGeom prst="ellipse">
@@ -7138,7 +7138,7 @@
         </p:nvSpPr>
         <p:spPr>
           <a:xfrm>
-            <a:off x="1463782" y="2676558"/>
+            <a:off x="2098781" y="2810250"/>
             <a:ext cx="1497972" cy="1204325"/>
           </a:xfrm>
           <a:prstGeom prst="rect">

--- a/MoLOverviewPoster2015.pptx
+++ b/MoLOverviewPoster2015.pptx
@@ -7424,7 +7424,7 @@
                   <a:srgbClr val="D8C9EE"/>
                 </a:gs>
                 <a:gs pos="100000">
-                  <a:schemeClr val="accent2"/>
+                  <a:srgbClr val="FFD1BB"/>
                 </a:gs>
               </a:gsLst>
               <a:lin ang="5400000" scaled="0"/>
@@ -7491,7 +7491,7 @@
                   <a:srgbClr val="D8C9EE"/>
                 </a:gs>
                 <a:gs pos="100000">
-                  <a:schemeClr val="accent2"/>
+                  <a:srgbClr val="FFD1BB"/>
                 </a:gs>
               </a:gsLst>
               <a:lin ang="5400000" scaled="0"/>
@@ -7976,7 +7976,7 @@
                     <a:srgbClr val="D8C9EE"/>
                   </a:gs>
                   <a:gs pos="100000">
-                    <a:schemeClr val="accent2"/>
+                    <a:srgbClr val="FFD1BB"/>
                   </a:gs>
                 </a:gsLst>
                 <a:lin ang="5400000" scaled="0"/>
@@ -8094,7 +8094,7 @@
                     <a:srgbClr val="D8C9EE"/>
                   </a:gs>
                   <a:gs pos="100000">
-                    <a:schemeClr val="accent2"/>
+                    <a:srgbClr val="FFD1BB"/>
                   </a:gs>
                 </a:gsLst>
                 <a:lin ang="5400000" scaled="0"/>

--- a/MoLOverviewPoster2015.pptx
+++ b/MoLOverviewPoster2015.pptx
@@ -3242,7 +3242,7 @@
               </a:gsLst>
               <a:lin ang="16200000" scaled="0"/>
             </a:gradFill>
-            <a:ln w="76200" cap="flat">
+            <a:ln w="9525" cap="flat" cmpd="sng">
               <a:solidFill>
                 <a:srgbClr val="4A7EBB"/>
               </a:solidFill>
@@ -7045,7 +7045,7 @@
         </p:nvSpPr>
         <p:spPr>
           <a:xfrm>
-            <a:off x="1143830" y="3025965"/>
+            <a:off x="1578303" y="3059388"/>
             <a:ext cx="3422879" cy="3258412"/>
           </a:xfrm>
           <a:prstGeom prst="ellipse">
@@ -7138,7 +7138,7 @@
         </p:nvSpPr>
         <p:spPr>
           <a:xfrm>
-            <a:off x="2098781" y="2810250"/>
+            <a:off x="2533254" y="2843673"/>
             <a:ext cx="1497972" cy="1204325"/>
           </a:xfrm>
           <a:prstGeom prst="rect">

--- a/MoLOverviewPoster2015.pptx
+++ b/MoLOverviewPoster2015.pptx
@@ -2730,7 +2730,7 @@
           <p:spPr>
             <a:xfrm>
               <a:off x="2094535" y="6555063"/>
-              <a:ext cx="24445276" cy="10638706"/>
+              <a:ext cx="24929724" cy="10638706"/>
             </a:xfrm>
             <a:prstGeom prst="roundRect">
               <a:avLst>
@@ -6699,7 +6699,7 @@
           </p:nvSpPr>
           <p:spPr>
             <a:xfrm>
-              <a:off x="22579209" y="7267328"/>
+              <a:off x="20555223" y="7267328"/>
               <a:ext cx="2756622" cy="1872025"/>
             </a:xfrm>
             <a:prstGeom prst="roundRect">
@@ -6837,7 +6837,7 @@
           </p:nvSpPr>
           <p:spPr>
             <a:xfrm>
-              <a:off x="18667447" y="6889436"/>
+              <a:off x="17318123" y="6889436"/>
               <a:ext cx="3013179" cy="2429822"/>
             </a:xfrm>
             <a:prstGeom prst="roundRect">
@@ -7236,10 +7236,10 @@
         </p:nvGrpSpPr>
         <p:grpSpPr>
           <a:xfrm>
-            <a:off x="1224737" y="18131056"/>
-            <a:ext cx="19654358" cy="11068406"/>
-            <a:chOff x="456496" y="18034804"/>
-            <a:chExt cx="19654358" cy="11068406"/>
+            <a:off x="1337348" y="7063373"/>
+            <a:ext cx="24803092" cy="22136089"/>
+            <a:chOff x="456496" y="6967121"/>
+            <a:chExt cx="24803092" cy="22136089"/>
           </a:xfrm>
         </p:grpSpPr>
         <p:sp>
@@ -7407,7 +7407,7 @@
           </p:nvSpPr>
           <p:spPr>
             <a:xfrm>
-              <a:off x="17097675" y="26673389"/>
+              <a:off x="17089692" y="24943409"/>
               <a:ext cx="3013179" cy="2429821"/>
             </a:xfrm>
             <a:prstGeom prst="roundRect">
@@ -7679,7 +7679,7 @@
           </p:nvSpPr>
           <p:spPr>
             <a:xfrm>
-              <a:off x="13215507" y="23123920"/>
+              <a:off x="22246409" y="6967121"/>
               <a:ext cx="3013179" cy="2429822"/>
             </a:xfrm>
             <a:prstGeom prst="roundRect">
@@ -7748,8 +7748,8 @@
           </p:nvSpPr>
           <p:spPr>
             <a:xfrm>
-              <a:off x="17094429" y="23155451"/>
-              <a:ext cx="3013179" cy="2429822"/>
+              <a:off x="13076840" y="23155451"/>
+              <a:ext cx="3274810" cy="2429822"/>
             </a:xfrm>
             <a:prstGeom prst="roundRect">
               <a:avLst>
